--- a/ProyFinalSimulation.pptx
+++ b/ProyFinalSimulation.pptx
@@ -24,16 +24,18 @@
     <p:sldId id="269" r:id="rId20"/>
     <p:sldId id="270" r:id="rId21"/>
     <p:sldId id="271" r:id="rId22"/>
+    <p:sldId id="272" r:id="rId23"/>
+    <p:sldId id="273" r:id="rId24"/>
   </p:sldIdLst>
   <p:sldSz cy="5143500" cx="9144000"/>
   <p:notesSz cx="6858000" cy="9144000"/>
   <p:embeddedFontLst>
     <p:embeddedFont>
       <p:font typeface="Roboto"/>
-      <p:regular r:id="rId23"/>
-      <p:bold r:id="rId24"/>
-      <p:italic r:id="rId25"/>
-      <p:boldItalic r:id="rId26"/>
+      <p:regular r:id="rId25"/>
+      <p:bold r:id="rId26"/>
+      <p:italic r:id="rId27"/>
+      <p:boldItalic r:id="rId28"/>
     </p:embeddedFont>
   </p:embeddedFontLst>
   <p:defaultTextStyle>
@@ -814,7 +816,7 @@
   <p:cSld>
     <p:spTree>
       <p:nvGrpSpPr>
-        <p:cNvPr id="146" name="Shape 146"/>
+        <p:cNvPr id="148" name="Shape 148"/>
         <p:cNvGrpSpPr/>
         <p:nvPr/>
       </p:nvGrpSpPr>
@@ -828,7 +830,7 @@
       </p:grpSpPr>
       <p:sp>
         <p:nvSpPr>
-          <p:cNvPr id="147" name="Google Shape;147;g724fb198b0_0_2593:notes"/>
+          <p:cNvPr id="149" name="Google Shape;149;g72647f46b4_0_0:notes"/>
           <p:cNvSpPr/>
           <p:nvPr>
             <p:ph idx="2" type="sldImg"/>
@@ -863,7 +865,7 @@
       </p:sp>
       <p:sp>
         <p:nvSpPr>
-          <p:cNvPr id="148" name="Google Shape;148;g724fb198b0_0_2593:notes"/>
+          <p:cNvPr id="150" name="Google Shape;150;g72647f46b4_0_0:notes"/>
           <p:cNvSpPr txBox="1"/>
           <p:nvPr>
             <p:ph idx="1" type="body"/>
@@ -913,7 +915,7 @@
   <p:cSld>
     <p:spTree>
       <p:nvGrpSpPr>
-        <p:cNvPr id="152" name="Shape 152"/>
+        <p:cNvPr id="155" name="Shape 155"/>
         <p:cNvGrpSpPr/>
         <p:nvPr/>
       </p:nvGrpSpPr>
@@ -927,7 +929,7 @@
       </p:grpSpPr>
       <p:sp>
         <p:nvSpPr>
-          <p:cNvPr id="153" name="Google Shape;153;g724fb198b0_0_2598:notes"/>
+          <p:cNvPr id="156" name="Google Shape;156;g72647f46b4_0_6:notes"/>
           <p:cNvSpPr/>
           <p:nvPr>
             <p:ph idx="2" type="sldImg"/>
@@ -962,7 +964,7 @@
       </p:sp>
       <p:sp>
         <p:nvSpPr>
-          <p:cNvPr id="154" name="Google Shape;154;g724fb198b0_0_2598:notes"/>
+          <p:cNvPr id="157" name="Google Shape;157;g72647f46b4_0_6:notes"/>
           <p:cNvSpPr txBox="1"/>
           <p:nvPr>
             <p:ph idx="1" type="body"/>
@@ -1012,7 +1014,7 @@
   <p:cSld>
     <p:spTree>
       <p:nvGrpSpPr>
-        <p:cNvPr id="158" name="Shape 158"/>
+        <p:cNvPr id="164" name="Shape 164"/>
         <p:cNvGrpSpPr/>
         <p:nvPr/>
       </p:nvGrpSpPr>
@@ -1026,7 +1028,7 @@
       </p:grpSpPr>
       <p:sp>
         <p:nvSpPr>
-          <p:cNvPr id="159" name="Google Shape;159;g724fb198b0_0_2613:notes"/>
+          <p:cNvPr id="165" name="Google Shape;165;g72647f46b4_0_14:notes"/>
           <p:cNvSpPr/>
           <p:nvPr>
             <p:ph idx="2" type="sldImg"/>
@@ -1061,7 +1063,7 @@
       </p:sp>
       <p:sp>
         <p:nvSpPr>
-          <p:cNvPr id="160" name="Google Shape;160;g724fb198b0_0_2613:notes"/>
+          <p:cNvPr id="166" name="Google Shape;166;g72647f46b4_0_14:notes"/>
           <p:cNvSpPr txBox="1"/>
           <p:nvPr>
             <p:ph idx="1" type="body"/>
@@ -1111,7 +1113,7 @@
   <p:cSld>
     <p:spTree>
       <p:nvGrpSpPr>
-        <p:cNvPr id="164" name="Shape 164"/>
+        <p:cNvPr id="176" name="Shape 176"/>
         <p:cNvGrpSpPr/>
         <p:nvPr/>
       </p:nvGrpSpPr>
@@ -1125,7 +1127,7 @@
       </p:grpSpPr>
       <p:sp>
         <p:nvSpPr>
-          <p:cNvPr id="165" name="Google Shape;165;g724fb198b0_0_2604:notes"/>
+          <p:cNvPr id="177" name="Google Shape;177;g72647f46b4_0_25:notes"/>
           <p:cNvSpPr/>
           <p:nvPr>
             <p:ph idx="2" type="sldImg"/>
@@ -1160,7 +1162,7 @@
       </p:sp>
       <p:sp>
         <p:nvSpPr>
-          <p:cNvPr id="166" name="Google Shape;166;g724fb198b0_0_2604:notes"/>
+          <p:cNvPr id="178" name="Google Shape;178;g72647f46b4_0_25:notes"/>
           <p:cNvSpPr txBox="1"/>
           <p:nvPr>
             <p:ph idx="1" type="body"/>
@@ -1210,7 +1212,7 @@
   <p:cSld>
     <p:spTree>
       <p:nvGrpSpPr>
-        <p:cNvPr id="170" name="Shape 170"/>
+        <p:cNvPr id="183" name="Shape 183"/>
         <p:cNvGrpSpPr/>
         <p:nvPr/>
       </p:nvGrpSpPr>
@@ -1224,7 +1226,7 @@
       </p:grpSpPr>
       <p:sp>
         <p:nvSpPr>
-          <p:cNvPr id="171" name="Google Shape;171;g72647f46b4_0_39:notes"/>
+          <p:cNvPr id="184" name="Google Shape;184;g72647f46b4_0_31:notes"/>
           <p:cNvSpPr/>
           <p:nvPr>
             <p:ph idx="2" type="sldImg"/>
@@ -1259,7 +1261,7 @@
       </p:sp>
       <p:sp>
         <p:nvSpPr>
-          <p:cNvPr id="172" name="Google Shape;172;g72647f46b4_0_39:notes"/>
+          <p:cNvPr id="185" name="Google Shape;185;g72647f46b4_0_31:notes"/>
           <p:cNvSpPr txBox="1"/>
           <p:nvPr>
             <p:ph idx="1" type="body"/>
@@ -1309,7 +1311,7 @@
   <p:cSld>
     <p:spTree>
       <p:nvGrpSpPr>
-        <p:cNvPr id="177" name="Shape 177"/>
+        <p:cNvPr id="191" name="Shape 191"/>
         <p:cNvGrpSpPr/>
         <p:nvPr/>
       </p:nvGrpSpPr>
@@ -1323,7 +1325,7 @@
       </p:grpSpPr>
       <p:sp>
         <p:nvSpPr>
-          <p:cNvPr id="178" name="Google Shape;178;g724fb198b0_0_2629:notes"/>
+          <p:cNvPr id="192" name="Google Shape;192;g7287de6d69_0_9:notes"/>
           <p:cNvSpPr/>
           <p:nvPr>
             <p:ph idx="2" type="sldImg"/>
@@ -1358,7 +1360,7 @@
       </p:sp>
       <p:sp>
         <p:nvSpPr>
-          <p:cNvPr id="179" name="Google Shape;179;g724fb198b0_0_2629:notes"/>
+          <p:cNvPr id="193" name="Google Shape;193;g7287de6d69_0_9:notes"/>
           <p:cNvSpPr txBox="1"/>
           <p:nvPr>
             <p:ph idx="1" type="body"/>
@@ -1408,7 +1410,7 @@
   <p:cSld>
     <p:spTree>
       <p:nvGrpSpPr>
-        <p:cNvPr id="183" name="Shape 183"/>
+        <p:cNvPr id="201" name="Shape 201"/>
         <p:cNvGrpSpPr/>
         <p:nvPr/>
       </p:nvGrpSpPr>
@@ -1422,7 +1424,7 @@
       </p:grpSpPr>
       <p:sp>
         <p:nvSpPr>
-          <p:cNvPr id="184" name="Google Shape;184;g724fb198b0_0_2582:notes"/>
+          <p:cNvPr id="202" name="Google Shape;202;g7287de6d69_0_19:notes"/>
           <p:cNvSpPr/>
           <p:nvPr>
             <p:ph idx="2" type="sldImg"/>
@@ -1457,7 +1459,7 @@
       </p:sp>
       <p:sp>
         <p:nvSpPr>
-          <p:cNvPr id="185" name="Google Shape;185;g724fb198b0_0_2582:notes"/>
+          <p:cNvPr id="203" name="Google Shape;203;g7287de6d69_0_19:notes"/>
           <p:cNvSpPr txBox="1"/>
           <p:nvPr>
             <p:ph idx="1" type="body"/>
@@ -1502,12 +1504,12 @@
 </p:notes>
 </file>
 
-<file path=ppt/notesSlides/notesSlide2.xml><?xml version="1.0" encoding="utf-8"?>
+<file path=ppt/notesSlides/notesSlide17.xml><?xml version="1.0" encoding="utf-8"?>
 <p:notes xmlns:a="http://schemas.openxmlformats.org/drawingml/2006/main" xmlns:r="http://schemas.openxmlformats.org/officeDocument/2006/relationships" xmlns:mc="http://schemas.openxmlformats.org/markup-compatibility/2006" xmlns:mv="urn:schemas-microsoft-com:mac:vml" xmlns:p="http://schemas.openxmlformats.org/presentationml/2006/main" xmlns:c="http://schemas.openxmlformats.org/drawingml/2006/chart" xmlns:dgm="http://schemas.openxmlformats.org/drawingml/2006/diagram" xmlns:o="urn:schemas-microsoft-com:office:office" xmlns:v="urn:schemas-microsoft-com:vml" xmlns:pvml="urn:schemas-microsoft-com:office:powerpoint" xmlns:com="http://schemas.openxmlformats.org/drawingml/2006/compatibility" xmlns:p14="http://schemas.microsoft.com/office/powerpoint/2010/main" xmlns:p15="http://schemas.microsoft.com/office/powerpoint/2012/main" showMasterPhAnim="0" showMasterSp="0">
   <p:cSld>
     <p:spTree>
       <p:nvGrpSpPr>
-        <p:cNvPr id="87" name="Shape 87"/>
+        <p:cNvPr id="211" name="Shape 211"/>
         <p:cNvGrpSpPr/>
         <p:nvPr/>
       </p:nvGrpSpPr>
@@ -1521,7 +1523,7 @@
       </p:grpSpPr>
       <p:sp>
         <p:nvSpPr>
-          <p:cNvPr id="88" name="Google Shape;88;g724fb198b0_0_1262:notes"/>
+          <p:cNvPr id="212" name="Google Shape;212;g724fb198b0_0_2629:notes"/>
           <p:cNvSpPr/>
           <p:nvPr>
             <p:ph idx="2" type="sldImg"/>
@@ -1556,7 +1558,7 @@
       </p:sp>
       <p:sp>
         <p:nvSpPr>
-          <p:cNvPr id="89" name="Google Shape;89;g724fb198b0_0_1262:notes"/>
+          <p:cNvPr id="213" name="Google Shape;213;g724fb198b0_0_2629:notes"/>
           <p:cNvSpPr txBox="1"/>
           <p:nvPr>
             <p:ph idx="1" type="body"/>
@@ -1601,12 +1603,12 @@
 </p:notes>
 </file>
 
-<file path=ppt/notesSlides/notesSlide3.xml><?xml version="1.0" encoding="utf-8"?>
+<file path=ppt/notesSlides/notesSlide18.xml><?xml version="1.0" encoding="utf-8"?>
 <p:notes xmlns:a="http://schemas.openxmlformats.org/drawingml/2006/main" xmlns:r="http://schemas.openxmlformats.org/officeDocument/2006/relationships" xmlns:mc="http://schemas.openxmlformats.org/markup-compatibility/2006" xmlns:mv="urn:schemas-microsoft-com:mac:vml" xmlns:p="http://schemas.openxmlformats.org/presentationml/2006/main" xmlns:c="http://schemas.openxmlformats.org/drawingml/2006/chart" xmlns:dgm="http://schemas.openxmlformats.org/drawingml/2006/diagram" xmlns:o="urn:schemas-microsoft-com:office:office" xmlns:v="urn:schemas-microsoft-com:vml" xmlns:pvml="urn:schemas-microsoft-com:office:powerpoint" xmlns:com="http://schemas.openxmlformats.org/drawingml/2006/compatibility" xmlns:p14="http://schemas.microsoft.com/office/powerpoint/2010/main" xmlns:p15="http://schemas.microsoft.com/office/powerpoint/2012/main" showMasterPhAnim="0" showMasterSp="0">
   <p:cSld>
     <p:spTree>
       <p:nvGrpSpPr>
-        <p:cNvPr id="95" name="Shape 95"/>
+        <p:cNvPr id="218" name="Shape 218"/>
         <p:cNvGrpSpPr/>
         <p:nvPr/>
       </p:nvGrpSpPr>
@@ -1620,7 +1622,7 @@
       </p:grpSpPr>
       <p:sp>
         <p:nvSpPr>
-          <p:cNvPr id="96" name="Google Shape;96;g724fb198b0_0_2575:notes"/>
+          <p:cNvPr id="219" name="Google Shape;219;g724fb198b0_0_2582:notes"/>
           <p:cNvSpPr/>
           <p:nvPr>
             <p:ph idx="2" type="sldImg"/>
@@ -1655,7 +1657,7 @@
       </p:sp>
       <p:sp>
         <p:nvSpPr>
-          <p:cNvPr id="97" name="Google Shape;97;g724fb198b0_0_2575:notes"/>
+          <p:cNvPr id="220" name="Google Shape;220;g724fb198b0_0_2582:notes"/>
           <p:cNvSpPr txBox="1"/>
           <p:nvPr>
             <p:ph idx="1" type="body"/>
@@ -1700,12 +1702,12 @@
 </p:notes>
 </file>
 
-<file path=ppt/notesSlides/notesSlide4.xml><?xml version="1.0" encoding="utf-8"?>
+<file path=ppt/notesSlides/notesSlide2.xml><?xml version="1.0" encoding="utf-8"?>
 <p:notes xmlns:a="http://schemas.openxmlformats.org/drawingml/2006/main" xmlns:r="http://schemas.openxmlformats.org/officeDocument/2006/relationships" xmlns:mc="http://schemas.openxmlformats.org/markup-compatibility/2006" xmlns:mv="urn:schemas-microsoft-com:mac:vml" xmlns:p="http://schemas.openxmlformats.org/presentationml/2006/main" xmlns:c="http://schemas.openxmlformats.org/drawingml/2006/chart" xmlns:dgm="http://schemas.openxmlformats.org/drawingml/2006/diagram" xmlns:o="urn:schemas-microsoft-com:office:office" xmlns:v="urn:schemas-microsoft-com:vml" xmlns:pvml="urn:schemas-microsoft-com:office:powerpoint" xmlns:com="http://schemas.openxmlformats.org/drawingml/2006/compatibility" xmlns:p14="http://schemas.microsoft.com/office/powerpoint/2010/main" xmlns:p15="http://schemas.microsoft.com/office/powerpoint/2012/main" showMasterPhAnim="0" showMasterSp="0">
   <p:cSld>
     <p:spTree>
       <p:nvGrpSpPr>
-        <p:cNvPr id="103" name="Shape 103"/>
+        <p:cNvPr id="88" name="Shape 88"/>
         <p:cNvGrpSpPr/>
         <p:nvPr/>
       </p:nvGrpSpPr>
@@ -1719,7 +1721,7 @@
       </p:grpSpPr>
       <p:sp>
         <p:nvSpPr>
-          <p:cNvPr id="104" name="Google Shape;104;g724fb198b0_0_2588:notes"/>
+          <p:cNvPr id="89" name="Google Shape;89;g724fb198b0_0_1262:notes"/>
           <p:cNvSpPr/>
           <p:nvPr>
             <p:ph idx="2" type="sldImg"/>
@@ -1754,7 +1756,7 @@
       </p:sp>
       <p:sp>
         <p:nvSpPr>
-          <p:cNvPr id="105" name="Google Shape;105;g724fb198b0_0_2588:notes"/>
+          <p:cNvPr id="90" name="Google Shape;90;g724fb198b0_0_1262:notes"/>
           <p:cNvSpPr txBox="1"/>
           <p:nvPr>
             <p:ph idx="1" type="body"/>
@@ -1799,12 +1801,12 @@
 </p:notes>
 </file>
 
-<file path=ppt/notesSlides/notesSlide5.xml><?xml version="1.0" encoding="utf-8"?>
+<file path=ppt/notesSlides/notesSlide3.xml><?xml version="1.0" encoding="utf-8"?>
 <p:notes xmlns:a="http://schemas.openxmlformats.org/drawingml/2006/main" xmlns:r="http://schemas.openxmlformats.org/officeDocument/2006/relationships" xmlns:mc="http://schemas.openxmlformats.org/markup-compatibility/2006" xmlns:mv="urn:schemas-microsoft-com:mac:vml" xmlns:p="http://schemas.openxmlformats.org/presentationml/2006/main" xmlns:c="http://schemas.openxmlformats.org/drawingml/2006/chart" xmlns:dgm="http://schemas.openxmlformats.org/drawingml/2006/diagram" xmlns:o="urn:schemas-microsoft-com:office:office" xmlns:v="urn:schemas-microsoft-com:vml" xmlns:pvml="urn:schemas-microsoft-com:office:powerpoint" xmlns:com="http://schemas.openxmlformats.org/drawingml/2006/compatibility" xmlns:p14="http://schemas.microsoft.com/office/powerpoint/2010/main" xmlns:p15="http://schemas.microsoft.com/office/powerpoint/2012/main" showMasterPhAnim="0" showMasterSp="0">
   <p:cSld>
     <p:spTree>
       <p:nvGrpSpPr>
-        <p:cNvPr id="109" name="Shape 109"/>
+        <p:cNvPr id="97" name="Shape 97"/>
         <p:cNvGrpSpPr/>
         <p:nvPr/>
       </p:nvGrpSpPr>
@@ -1818,7 +1820,7 @@
       </p:grpSpPr>
       <p:sp>
         <p:nvSpPr>
-          <p:cNvPr id="110" name="Google Shape;110;g72647f46b4_0_0:notes"/>
+          <p:cNvPr id="98" name="Google Shape;98;g724fb198b0_0_2575:notes"/>
           <p:cNvSpPr/>
           <p:nvPr>
             <p:ph idx="2" type="sldImg"/>
@@ -1853,7 +1855,7 @@
       </p:sp>
       <p:sp>
         <p:nvSpPr>
-          <p:cNvPr id="111" name="Google Shape;111;g72647f46b4_0_0:notes"/>
+          <p:cNvPr id="99" name="Google Shape;99;g724fb198b0_0_2575:notes"/>
           <p:cNvSpPr txBox="1"/>
           <p:nvPr>
             <p:ph idx="1" type="body"/>
@@ -1898,12 +1900,12 @@
 </p:notes>
 </file>
 
-<file path=ppt/notesSlides/notesSlide6.xml><?xml version="1.0" encoding="utf-8"?>
+<file path=ppt/notesSlides/notesSlide4.xml><?xml version="1.0" encoding="utf-8"?>
 <p:notes xmlns:a="http://schemas.openxmlformats.org/drawingml/2006/main" xmlns:r="http://schemas.openxmlformats.org/officeDocument/2006/relationships" xmlns:mc="http://schemas.openxmlformats.org/markup-compatibility/2006" xmlns:mv="urn:schemas-microsoft-com:mac:vml" xmlns:p="http://schemas.openxmlformats.org/presentationml/2006/main" xmlns:c="http://schemas.openxmlformats.org/drawingml/2006/chart" xmlns:dgm="http://schemas.openxmlformats.org/drawingml/2006/diagram" xmlns:o="urn:schemas-microsoft-com:office:office" xmlns:v="urn:schemas-microsoft-com:vml" xmlns:pvml="urn:schemas-microsoft-com:office:powerpoint" xmlns:com="http://schemas.openxmlformats.org/drawingml/2006/compatibility" xmlns:p14="http://schemas.microsoft.com/office/powerpoint/2010/main" xmlns:p15="http://schemas.microsoft.com/office/powerpoint/2012/main" showMasterPhAnim="0" showMasterSp="0">
   <p:cSld>
     <p:spTree>
       <p:nvGrpSpPr>
-        <p:cNvPr id="115" name="Shape 115"/>
+        <p:cNvPr id="106" name="Shape 106"/>
         <p:cNvGrpSpPr/>
         <p:nvPr/>
       </p:nvGrpSpPr>
@@ -1917,7 +1919,7 @@
       </p:grpSpPr>
       <p:sp>
         <p:nvSpPr>
-          <p:cNvPr id="116" name="Google Shape;116;g72647f46b4_0_6:notes"/>
+          <p:cNvPr id="107" name="Google Shape;107;g724fb198b0_0_2588:notes"/>
           <p:cNvSpPr/>
           <p:nvPr>
             <p:ph idx="2" type="sldImg"/>
@@ -1952,7 +1954,7 @@
       </p:sp>
       <p:sp>
         <p:nvSpPr>
-          <p:cNvPr id="117" name="Google Shape;117;g72647f46b4_0_6:notes"/>
+          <p:cNvPr id="108" name="Google Shape;108;g724fb198b0_0_2588:notes"/>
           <p:cNvSpPr txBox="1"/>
           <p:nvPr>
             <p:ph idx="1" type="body"/>
@@ -1997,12 +1999,12 @@
 </p:notes>
 </file>
 
-<file path=ppt/notesSlides/notesSlide7.xml><?xml version="1.0" encoding="utf-8"?>
+<file path=ppt/notesSlides/notesSlide5.xml><?xml version="1.0" encoding="utf-8"?>
 <p:notes xmlns:a="http://schemas.openxmlformats.org/drawingml/2006/main" xmlns:r="http://schemas.openxmlformats.org/officeDocument/2006/relationships" xmlns:mc="http://schemas.openxmlformats.org/markup-compatibility/2006" xmlns:mv="urn:schemas-microsoft-com:mac:vml" xmlns:p="http://schemas.openxmlformats.org/presentationml/2006/main" xmlns:c="http://schemas.openxmlformats.org/drawingml/2006/chart" xmlns:dgm="http://schemas.openxmlformats.org/drawingml/2006/diagram" xmlns:o="urn:schemas-microsoft-com:office:office" xmlns:v="urn:schemas-microsoft-com:vml" xmlns:pvml="urn:schemas-microsoft-com:office:powerpoint" xmlns:com="http://schemas.openxmlformats.org/drawingml/2006/compatibility" xmlns:p14="http://schemas.microsoft.com/office/powerpoint/2010/main" xmlns:p15="http://schemas.microsoft.com/office/powerpoint/2012/main" showMasterPhAnim="0" showMasterSp="0">
   <p:cSld>
     <p:spTree>
       <p:nvGrpSpPr>
-        <p:cNvPr id="123" name="Shape 123"/>
+        <p:cNvPr id="113" name="Shape 113"/>
         <p:cNvGrpSpPr/>
         <p:nvPr/>
       </p:nvGrpSpPr>
@@ -2016,7 +2018,7 @@
       </p:grpSpPr>
       <p:sp>
         <p:nvSpPr>
-          <p:cNvPr id="124" name="Google Shape;124;g72647f46b4_0_14:notes"/>
+          <p:cNvPr id="114" name="Google Shape;114;g724fb198b0_0_2593:notes"/>
           <p:cNvSpPr/>
           <p:nvPr>
             <p:ph idx="2" type="sldImg"/>
@@ -2051,7 +2053,7 @@
       </p:sp>
       <p:sp>
         <p:nvSpPr>
-          <p:cNvPr id="125" name="Google Shape;125;g72647f46b4_0_14:notes"/>
+          <p:cNvPr id="115" name="Google Shape;115;g724fb198b0_0_2593:notes"/>
           <p:cNvSpPr txBox="1"/>
           <p:nvPr>
             <p:ph idx="1" type="body"/>
@@ -2096,12 +2098,12 @@
 </p:notes>
 </file>
 
-<file path=ppt/notesSlides/notesSlide8.xml><?xml version="1.0" encoding="utf-8"?>
+<file path=ppt/notesSlides/notesSlide6.xml><?xml version="1.0" encoding="utf-8"?>
 <p:notes xmlns:a="http://schemas.openxmlformats.org/drawingml/2006/main" xmlns:r="http://schemas.openxmlformats.org/officeDocument/2006/relationships" xmlns:mc="http://schemas.openxmlformats.org/markup-compatibility/2006" xmlns:mv="urn:schemas-microsoft-com:mac:vml" xmlns:p="http://schemas.openxmlformats.org/presentationml/2006/main" xmlns:c="http://schemas.openxmlformats.org/drawingml/2006/chart" xmlns:dgm="http://schemas.openxmlformats.org/drawingml/2006/diagram" xmlns:o="urn:schemas-microsoft-com:office:office" xmlns:v="urn:schemas-microsoft-com:vml" xmlns:pvml="urn:schemas-microsoft-com:office:powerpoint" xmlns:com="http://schemas.openxmlformats.org/drawingml/2006/compatibility" xmlns:p14="http://schemas.microsoft.com/office/powerpoint/2010/main" xmlns:p15="http://schemas.microsoft.com/office/powerpoint/2012/main" showMasterPhAnim="0" showMasterSp="0">
   <p:cSld>
     <p:spTree>
       <p:nvGrpSpPr>
-        <p:cNvPr id="133" name="Shape 133"/>
+        <p:cNvPr id="120" name="Shape 120"/>
         <p:cNvGrpSpPr/>
         <p:nvPr/>
       </p:nvGrpSpPr>
@@ -2115,7 +2117,7 @@
       </p:grpSpPr>
       <p:sp>
         <p:nvSpPr>
-          <p:cNvPr id="134" name="Google Shape;134;g72647f46b4_0_25:notes"/>
+          <p:cNvPr id="121" name="Google Shape;121;g724fb198b0_0_2598:notes"/>
           <p:cNvSpPr/>
           <p:nvPr>
             <p:ph idx="2" type="sldImg"/>
@@ -2150,7 +2152,7 @@
       </p:sp>
       <p:sp>
         <p:nvSpPr>
-          <p:cNvPr id="135" name="Google Shape;135;g72647f46b4_0_25:notes"/>
+          <p:cNvPr id="122" name="Google Shape;122;g724fb198b0_0_2598:notes"/>
           <p:cNvSpPr txBox="1"/>
           <p:nvPr>
             <p:ph idx="1" type="body"/>
@@ -2195,12 +2197,12 @@
 </p:notes>
 </file>
 
-<file path=ppt/notesSlides/notesSlide9.xml><?xml version="1.0" encoding="utf-8"?>
+<file path=ppt/notesSlides/notesSlide7.xml><?xml version="1.0" encoding="utf-8"?>
 <p:notes xmlns:a="http://schemas.openxmlformats.org/drawingml/2006/main" xmlns:r="http://schemas.openxmlformats.org/officeDocument/2006/relationships" xmlns:mc="http://schemas.openxmlformats.org/markup-compatibility/2006" xmlns:mv="urn:schemas-microsoft-com:mac:vml" xmlns:p="http://schemas.openxmlformats.org/presentationml/2006/main" xmlns:c="http://schemas.openxmlformats.org/drawingml/2006/chart" xmlns:dgm="http://schemas.openxmlformats.org/drawingml/2006/diagram" xmlns:o="urn:schemas-microsoft-com:office:office" xmlns:v="urn:schemas-microsoft-com:vml" xmlns:pvml="urn:schemas-microsoft-com:office:powerpoint" xmlns:com="http://schemas.openxmlformats.org/drawingml/2006/compatibility" xmlns:p14="http://schemas.microsoft.com/office/powerpoint/2010/main" xmlns:p15="http://schemas.microsoft.com/office/powerpoint/2012/main" showMasterPhAnim="0" showMasterSp="0">
   <p:cSld>
     <p:spTree>
       <p:nvGrpSpPr>
-        <p:cNvPr id="139" name="Shape 139"/>
+        <p:cNvPr id="127" name="Shape 127"/>
         <p:cNvGrpSpPr/>
         <p:nvPr/>
       </p:nvGrpSpPr>
@@ -2214,7 +2216,7 @@
       </p:grpSpPr>
       <p:sp>
         <p:nvSpPr>
-          <p:cNvPr id="140" name="Google Shape;140;g72647f46b4_0_31:notes"/>
+          <p:cNvPr id="128" name="Google Shape;128;g724fb198b0_0_2613:notes"/>
           <p:cNvSpPr/>
           <p:nvPr>
             <p:ph idx="2" type="sldImg"/>
@@ -2249,7 +2251,205 @@
       </p:sp>
       <p:sp>
         <p:nvSpPr>
-          <p:cNvPr id="141" name="Google Shape;141;g72647f46b4_0_31:notes"/>
+          <p:cNvPr id="129" name="Google Shape;129;g724fb198b0_0_2613:notes"/>
+          <p:cNvSpPr txBox="1"/>
+          <p:nvPr>
+            <p:ph idx="1" type="body"/>
+          </p:nvPr>
+        </p:nvSpPr>
+        <p:spPr>
+          <a:xfrm>
+            <a:off x="685800" y="4343400"/>
+            <a:ext cx="5486400" cy="4114800"/>
+          </a:xfrm>
+          <a:prstGeom prst="rect">
+            <a:avLst/>
+          </a:prstGeom>
+        </p:spPr>
+        <p:txBody>
+          <a:bodyPr anchorCtr="0" anchor="t" bIns="91425" lIns="91425" spcFirstLastPara="1" rIns="91425" wrap="square" tIns="91425">
+            <a:noAutofit/>
+          </a:bodyPr>
+          <a:lstStyle/>
+          <a:p>
+            <a:pPr indent="0" lvl="0" marL="0" rtl="0" algn="l">
+              <a:spcBef>
+                <a:spcPts val="0"/>
+              </a:spcBef>
+              <a:spcAft>
+                <a:spcPts val="0"/>
+              </a:spcAft>
+              <a:buNone/>
+            </a:pPr>
+            <a:r>
+              <a:t/>
+            </a:r>
+            <a:endParaRPr/>
+          </a:p>
+        </p:txBody>
+      </p:sp>
+    </p:spTree>
+  </p:cSld>
+  <p:clrMapOvr>
+    <a:masterClrMapping/>
+  </p:clrMapOvr>
+</p:notes>
+</file>
+
+<file path=ppt/notesSlides/notesSlide8.xml><?xml version="1.0" encoding="utf-8"?>
+<p:notes xmlns:a="http://schemas.openxmlformats.org/drawingml/2006/main" xmlns:r="http://schemas.openxmlformats.org/officeDocument/2006/relationships" xmlns:mc="http://schemas.openxmlformats.org/markup-compatibility/2006" xmlns:mv="urn:schemas-microsoft-com:mac:vml" xmlns:p="http://schemas.openxmlformats.org/presentationml/2006/main" xmlns:c="http://schemas.openxmlformats.org/drawingml/2006/chart" xmlns:dgm="http://schemas.openxmlformats.org/drawingml/2006/diagram" xmlns:o="urn:schemas-microsoft-com:office:office" xmlns:v="urn:schemas-microsoft-com:vml" xmlns:pvml="urn:schemas-microsoft-com:office:powerpoint" xmlns:com="http://schemas.openxmlformats.org/drawingml/2006/compatibility" xmlns:p14="http://schemas.microsoft.com/office/powerpoint/2010/main" xmlns:p15="http://schemas.microsoft.com/office/powerpoint/2012/main" showMasterPhAnim="0" showMasterSp="0">
+  <p:cSld>
+    <p:spTree>
+      <p:nvGrpSpPr>
+        <p:cNvPr id="134" name="Shape 134"/>
+        <p:cNvGrpSpPr/>
+        <p:nvPr/>
+      </p:nvGrpSpPr>
+      <p:grpSpPr>
+        <a:xfrm>
+          <a:off x="0" y="0"/>
+          <a:ext cx="0" cy="0"/>
+          <a:chOff x="0" y="0"/>
+          <a:chExt cx="0" cy="0"/>
+        </a:xfrm>
+      </p:grpSpPr>
+      <p:sp>
+        <p:nvSpPr>
+          <p:cNvPr id="135" name="Google Shape;135;g724fb198b0_0_2604:notes"/>
+          <p:cNvSpPr/>
+          <p:nvPr>
+            <p:ph idx="2" type="sldImg"/>
+          </p:nvPr>
+        </p:nvSpPr>
+        <p:spPr>
+          <a:xfrm>
+            <a:off x="381300" y="685800"/>
+            <a:ext cx="6096000" cy="3429000"/>
+          </a:xfrm>
+          <a:custGeom>
+            <a:rect b="b" l="l" r="r" t="t"/>
+            <a:pathLst>
+              <a:path extrusionOk="0" h="120000" w="120000">
+                <a:moveTo>
+                  <a:pt x="0" y="0"/>
+                </a:moveTo>
+                <a:lnTo>
+                  <a:pt x="120000" y="0"/>
+                </a:lnTo>
+                <a:lnTo>
+                  <a:pt x="120000" y="120000"/>
+                </a:lnTo>
+                <a:lnTo>
+                  <a:pt x="0" y="120000"/>
+                </a:lnTo>
+                <a:close/>
+              </a:path>
+            </a:pathLst>
+          </a:custGeom>
+        </p:spPr>
+      </p:sp>
+      <p:sp>
+        <p:nvSpPr>
+          <p:cNvPr id="136" name="Google Shape;136;g724fb198b0_0_2604:notes"/>
+          <p:cNvSpPr txBox="1"/>
+          <p:nvPr>
+            <p:ph idx="1" type="body"/>
+          </p:nvPr>
+        </p:nvSpPr>
+        <p:spPr>
+          <a:xfrm>
+            <a:off x="685800" y="4343400"/>
+            <a:ext cx="5486400" cy="4114800"/>
+          </a:xfrm>
+          <a:prstGeom prst="rect">
+            <a:avLst/>
+          </a:prstGeom>
+        </p:spPr>
+        <p:txBody>
+          <a:bodyPr anchorCtr="0" anchor="t" bIns="91425" lIns="91425" spcFirstLastPara="1" rIns="91425" wrap="square" tIns="91425">
+            <a:noAutofit/>
+          </a:bodyPr>
+          <a:lstStyle/>
+          <a:p>
+            <a:pPr indent="0" lvl="0" marL="0" rtl="0" algn="l">
+              <a:spcBef>
+                <a:spcPts val="0"/>
+              </a:spcBef>
+              <a:spcAft>
+                <a:spcPts val="0"/>
+              </a:spcAft>
+              <a:buNone/>
+            </a:pPr>
+            <a:r>
+              <a:t/>
+            </a:r>
+            <a:endParaRPr/>
+          </a:p>
+        </p:txBody>
+      </p:sp>
+    </p:spTree>
+  </p:cSld>
+  <p:clrMapOvr>
+    <a:masterClrMapping/>
+  </p:clrMapOvr>
+</p:notes>
+</file>
+
+<file path=ppt/notesSlides/notesSlide9.xml><?xml version="1.0" encoding="utf-8"?>
+<p:notes xmlns:a="http://schemas.openxmlformats.org/drawingml/2006/main" xmlns:r="http://schemas.openxmlformats.org/officeDocument/2006/relationships" xmlns:mc="http://schemas.openxmlformats.org/markup-compatibility/2006" xmlns:mv="urn:schemas-microsoft-com:mac:vml" xmlns:p="http://schemas.openxmlformats.org/presentationml/2006/main" xmlns:c="http://schemas.openxmlformats.org/drawingml/2006/chart" xmlns:dgm="http://schemas.openxmlformats.org/drawingml/2006/diagram" xmlns:o="urn:schemas-microsoft-com:office:office" xmlns:v="urn:schemas-microsoft-com:vml" xmlns:pvml="urn:schemas-microsoft-com:office:powerpoint" xmlns:com="http://schemas.openxmlformats.org/drawingml/2006/compatibility" xmlns:p14="http://schemas.microsoft.com/office/powerpoint/2010/main" xmlns:p15="http://schemas.microsoft.com/office/powerpoint/2012/main" showMasterPhAnim="0" showMasterSp="0">
+  <p:cSld>
+    <p:spTree>
+      <p:nvGrpSpPr>
+        <p:cNvPr id="141" name="Shape 141"/>
+        <p:cNvGrpSpPr/>
+        <p:nvPr/>
+      </p:nvGrpSpPr>
+      <p:grpSpPr>
+        <a:xfrm>
+          <a:off x="0" y="0"/>
+          <a:ext cx="0" cy="0"/>
+          <a:chOff x="0" y="0"/>
+          <a:chExt cx="0" cy="0"/>
+        </a:xfrm>
+      </p:grpSpPr>
+      <p:sp>
+        <p:nvSpPr>
+          <p:cNvPr id="142" name="Google Shape;142;g72647f46b4_0_39:notes"/>
+          <p:cNvSpPr/>
+          <p:nvPr>
+            <p:ph idx="2" type="sldImg"/>
+          </p:nvPr>
+        </p:nvSpPr>
+        <p:spPr>
+          <a:xfrm>
+            <a:off x="381300" y="685800"/>
+            <a:ext cx="6096000" cy="3429000"/>
+          </a:xfrm>
+          <a:custGeom>
+            <a:rect b="b" l="l" r="r" t="t"/>
+            <a:pathLst>
+              <a:path extrusionOk="0" h="120000" w="120000">
+                <a:moveTo>
+                  <a:pt x="0" y="0"/>
+                </a:moveTo>
+                <a:lnTo>
+                  <a:pt x="120000" y="0"/>
+                </a:lnTo>
+                <a:lnTo>
+                  <a:pt x="120000" y="120000"/>
+                </a:lnTo>
+                <a:lnTo>
+                  <a:pt x="0" y="120000"/>
+                </a:lnTo>
+                <a:close/>
+              </a:path>
+            </a:pathLst>
+          </a:custGeom>
+        </p:spPr>
+      </p:sp>
+      <p:sp>
+        <p:nvSpPr>
+          <p:cNvPr id="143" name="Google Shape;143;g72647f46b4_0_39:notes"/>
           <p:cNvSpPr txBox="1"/>
           <p:nvPr>
             <p:ph idx="1" type="body"/>
@@ -8201,7 +8401,7 @@
     <p:sldLayoutId id="2147483657" r:id="rId10"/>
     <p:sldLayoutId id="2147483658" r:id="rId11"/>
   </p:sldLayoutIdLst>
-  <p:hf dt="0" ftr="0" hdr="0" sldNum="0"/>
+  <p:hf dt="0" ftr="0" hdr="0"/>
   <p:txStyles>
     <p:titleStyle>
       <a:defPPr lvl="0" marR="0" rtl="0" algn="l">
@@ -9119,6 +9319,46 @@
           </a:p>
         </p:txBody>
       </p:sp>
+      <p:sp>
+        <p:nvSpPr>
+          <p:cNvPr id="87" name="Google Shape;87;p13"/>
+          <p:cNvSpPr txBox="1"/>
+          <p:nvPr>
+            <p:ph idx="12" type="sldNum"/>
+          </p:nvPr>
+        </p:nvSpPr>
+        <p:spPr>
+          <a:xfrm>
+            <a:off x="8460431" y="4651190"/>
+            <a:ext cx="548700" cy="393600"/>
+          </a:xfrm>
+          <a:prstGeom prst="rect">
+            <a:avLst/>
+          </a:prstGeom>
+        </p:spPr>
+        <p:txBody>
+          <a:bodyPr anchorCtr="0" anchor="ctr" bIns="91425" lIns="91425" spcFirstLastPara="1" rIns="91425" wrap="square" tIns="91425">
+            <a:noAutofit/>
+          </a:bodyPr>
+          <a:lstStyle/>
+          <a:p>
+            <a:pPr indent="0" lvl="0" marL="0" rtl="0" algn="r">
+              <a:spcBef>
+                <a:spcPts val="0"/>
+              </a:spcBef>
+              <a:spcAft>
+                <a:spcPts val="0"/>
+              </a:spcAft>
+              <a:buNone/>
+            </a:pPr>
+            <a:fld id="{00000000-1234-1234-1234-123412341234}" type="slidenum">
+              <a:rPr lang="es-419"/>
+              <a:t>‹#›</a:t>
+            </a:fld>
+            <a:endParaRPr/>
+          </a:p>
+        </p:txBody>
+      </p:sp>
     </p:spTree>
   </p:cSld>
   <p:clrMapOvr>
@@ -9132,7 +9372,7 @@
   <p:cSld>
     <p:spTree>
       <p:nvGrpSpPr>
-        <p:cNvPr id="149" name="Shape 149"/>
+        <p:cNvPr id="151" name="Shape 151"/>
         <p:cNvGrpSpPr/>
         <p:nvPr/>
       </p:nvGrpSpPr>
@@ -9146,7 +9386,7 @@
       </p:grpSpPr>
       <p:sp>
         <p:nvSpPr>
-          <p:cNvPr id="150" name="Google Shape;150;p22"/>
+          <p:cNvPr id="152" name="Google Shape;152;p22"/>
           <p:cNvSpPr txBox="1"/>
           <p:nvPr>
             <p:ph type="title"/>
@@ -9178,6 +9418,2634 @@
             </a:pPr>
             <a:r>
               <a:rPr lang="es-419"/>
+              <a:t>Series de tiempo</a:t>
+            </a:r>
+            <a:endParaRPr/>
+          </a:p>
+        </p:txBody>
+      </p:sp>
+      <p:sp>
+        <p:nvSpPr>
+          <p:cNvPr id="153" name="Google Shape;153;p22"/>
+          <p:cNvSpPr txBox="1"/>
+          <p:nvPr>
+            <p:ph idx="1" type="body"/>
+          </p:nvPr>
+        </p:nvSpPr>
+        <p:spPr>
+          <a:xfrm>
+            <a:off x="311700" y="1507350"/>
+            <a:ext cx="8520600" cy="2128800"/>
+          </a:xfrm>
+          <a:prstGeom prst="rect">
+            <a:avLst/>
+          </a:prstGeom>
+        </p:spPr>
+        <p:txBody>
+          <a:bodyPr anchorCtr="0" anchor="t" bIns="91425" lIns="91425" spcFirstLastPara="1" rIns="91425" wrap="square" tIns="91425">
+            <a:noAutofit/>
+          </a:bodyPr>
+          <a:lstStyle/>
+          <a:p>
+            <a:pPr indent="0" lvl="0" marL="0" rtl="0" algn="ctr">
+              <a:spcBef>
+                <a:spcPts val="0"/>
+              </a:spcBef>
+              <a:spcAft>
+                <a:spcPts val="1600"/>
+              </a:spcAft>
+              <a:buNone/>
+            </a:pPr>
+            <a:r>
+              <a:rPr lang="es-419" sz="2400"/>
+              <a:t>Queremos ver el comportamiento del precio en la venta en este ejemplo de la Mora Castilla, para esto debemos saber si nuestro datos forman una serie estacionaria, para ello aplicaremos la prueba de </a:t>
+            </a:r>
+            <a:r>
+              <a:rPr b="1" lang="es-419" sz="2400"/>
+              <a:t>Dickey-Fuller</a:t>
+            </a:r>
+            <a:r>
+              <a:rPr lang="es-419" sz="2400"/>
+              <a:t>.</a:t>
+            </a:r>
+            <a:endParaRPr sz="2400"/>
+          </a:p>
+        </p:txBody>
+      </p:sp>
+      <p:sp>
+        <p:nvSpPr>
+          <p:cNvPr id="154" name="Google Shape;154;p22"/>
+          <p:cNvSpPr txBox="1"/>
+          <p:nvPr>
+            <p:ph idx="12" type="sldNum"/>
+          </p:nvPr>
+        </p:nvSpPr>
+        <p:spPr>
+          <a:xfrm>
+            <a:off x="8460431" y="4651190"/>
+            <a:ext cx="548700" cy="393600"/>
+          </a:xfrm>
+          <a:prstGeom prst="rect">
+            <a:avLst/>
+          </a:prstGeom>
+        </p:spPr>
+        <p:txBody>
+          <a:bodyPr anchorCtr="0" anchor="ctr" bIns="91425" lIns="91425" spcFirstLastPara="1" rIns="91425" wrap="square" tIns="91425">
+            <a:noAutofit/>
+          </a:bodyPr>
+          <a:lstStyle/>
+          <a:p>
+            <a:pPr indent="0" lvl="0" marL="0" rtl="0" algn="r">
+              <a:spcBef>
+                <a:spcPts val="0"/>
+              </a:spcBef>
+              <a:spcAft>
+                <a:spcPts val="0"/>
+              </a:spcAft>
+              <a:buNone/>
+            </a:pPr>
+            <a:fld id="{00000000-1234-1234-1234-123412341234}" type="slidenum">
+              <a:rPr lang="es-419"/>
+              <a:t>‹#›</a:t>
+            </a:fld>
+            <a:endParaRPr/>
+          </a:p>
+        </p:txBody>
+      </p:sp>
+    </p:spTree>
+  </p:cSld>
+  <p:clrMapOvr>
+    <a:masterClrMapping/>
+  </p:clrMapOvr>
+</p:sld>
+</file>
+
+<file path=ppt/slides/slide11.xml><?xml version="1.0" encoding="utf-8"?>
+<p:sld xmlns:a="http://schemas.openxmlformats.org/drawingml/2006/main" xmlns:r="http://schemas.openxmlformats.org/officeDocument/2006/relationships" xmlns:mc="http://schemas.openxmlformats.org/markup-compatibility/2006" xmlns:mv="urn:schemas-microsoft-com:mac:vml" xmlns:p="http://schemas.openxmlformats.org/presentationml/2006/main" xmlns:c="http://schemas.openxmlformats.org/drawingml/2006/chart" xmlns:dgm="http://schemas.openxmlformats.org/drawingml/2006/diagram" xmlns:o="urn:schemas-microsoft-com:office:office" xmlns:v="urn:schemas-microsoft-com:vml" xmlns:pvml="urn:schemas-microsoft-com:office:powerpoint" xmlns:com="http://schemas.openxmlformats.org/drawingml/2006/compatibility" xmlns:p14="http://schemas.microsoft.com/office/powerpoint/2010/main" xmlns:p15="http://schemas.microsoft.com/office/powerpoint/2012/main">
+  <p:cSld>
+    <p:spTree>
+      <p:nvGrpSpPr>
+        <p:cNvPr id="158" name="Shape 158"/>
+        <p:cNvGrpSpPr/>
+        <p:nvPr/>
+      </p:nvGrpSpPr>
+      <p:grpSpPr>
+        <a:xfrm>
+          <a:off x="0" y="0"/>
+          <a:ext cx="0" cy="0"/>
+          <a:chOff x="0" y="0"/>
+          <a:chExt cx="0" cy="0"/>
+        </a:xfrm>
+      </p:grpSpPr>
+      <p:sp>
+        <p:nvSpPr>
+          <p:cNvPr id="159" name="Google Shape;159;p23"/>
+          <p:cNvSpPr txBox="1"/>
+          <p:nvPr>
+            <p:ph type="title"/>
+          </p:nvPr>
+        </p:nvSpPr>
+        <p:spPr>
+          <a:xfrm>
+            <a:off x="311700" y="410000"/>
+            <a:ext cx="8520600" cy="607800"/>
+          </a:xfrm>
+          <a:prstGeom prst="rect">
+            <a:avLst/>
+          </a:prstGeom>
+        </p:spPr>
+        <p:txBody>
+          <a:bodyPr anchorCtr="0" anchor="t" bIns="91425" lIns="91425" spcFirstLastPara="1" rIns="91425" wrap="square" tIns="91425">
+            <a:noAutofit/>
+          </a:bodyPr>
+          <a:lstStyle/>
+          <a:p>
+            <a:pPr indent="0" lvl="0" marL="0" rtl="0" algn="l">
+              <a:spcBef>
+                <a:spcPts val="0"/>
+              </a:spcBef>
+              <a:spcAft>
+                <a:spcPts val="0"/>
+              </a:spcAft>
+              <a:buNone/>
+            </a:pPr>
+            <a:r>
+              <a:rPr lang="es-419"/>
+              <a:t>Prueba de </a:t>
+            </a:r>
+            <a:r>
+              <a:rPr lang="es-419"/>
+              <a:t>Estacionariedad</a:t>
+            </a:r>
+            <a:endParaRPr/>
+          </a:p>
+        </p:txBody>
+      </p:sp>
+      <p:pic>
+        <p:nvPicPr>
+          <p:cNvPr id="160" name="Google Shape;160;p23"/>
+          <p:cNvPicPr preferRelativeResize="0"/>
+          <p:nvPr/>
+        </p:nvPicPr>
+        <p:blipFill>
+          <a:blip r:embed="rId3">
+            <a:alphaModFix/>
+          </a:blip>
+          <a:stretch>
+            <a:fillRect/>
+          </a:stretch>
+        </p:blipFill>
+        <p:spPr>
+          <a:xfrm>
+            <a:off x="3509950" y="1302850"/>
+            <a:ext cx="5468450" cy="3165950"/>
+          </a:xfrm>
+          <a:prstGeom prst="rect">
+            <a:avLst/>
+          </a:prstGeom>
+          <a:noFill/>
+          <a:ln>
+            <a:noFill/>
+          </a:ln>
+        </p:spPr>
+      </p:pic>
+      <p:pic>
+        <p:nvPicPr>
+          <p:cNvPr id="161" name="Google Shape;161;p23"/>
+          <p:cNvPicPr preferRelativeResize="0"/>
+          <p:nvPr/>
+        </p:nvPicPr>
+        <p:blipFill>
+          <a:blip r:embed="rId4">
+            <a:alphaModFix/>
+          </a:blip>
+          <a:stretch>
+            <a:fillRect/>
+          </a:stretch>
+        </p:blipFill>
+        <p:spPr>
+          <a:xfrm>
+            <a:off x="106663" y="1495425"/>
+            <a:ext cx="3343275" cy="1543050"/>
+          </a:xfrm>
+          <a:prstGeom prst="rect">
+            <a:avLst/>
+          </a:prstGeom>
+          <a:noFill/>
+          <a:ln>
+            <a:noFill/>
+          </a:ln>
+        </p:spPr>
+      </p:pic>
+      <p:sp>
+        <p:nvSpPr>
+          <p:cNvPr id="162" name="Google Shape;162;p23"/>
+          <p:cNvSpPr txBox="1"/>
+          <p:nvPr>
+            <p:ph idx="1" type="body"/>
+          </p:nvPr>
+        </p:nvSpPr>
+        <p:spPr>
+          <a:xfrm>
+            <a:off x="106675" y="3485575"/>
+            <a:ext cx="3343200" cy="1341900"/>
+          </a:xfrm>
+          <a:prstGeom prst="rect">
+            <a:avLst/>
+          </a:prstGeom>
+        </p:spPr>
+        <p:txBody>
+          <a:bodyPr anchorCtr="0" anchor="t" bIns="91425" lIns="91425" spcFirstLastPara="1" rIns="91425" wrap="square" tIns="91425">
+            <a:noAutofit/>
+          </a:bodyPr>
+          <a:lstStyle/>
+          <a:p>
+            <a:pPr indent="-342900" lvl="0" marL="457200" rtl="0" algn="l">
+              <a:spcBef>
+                <a:spcPts val="0"/>
+              </a:spcBef>
+              <a:spcAft>
+                <a:spcPts val="0"/>
+              </a:spcAft>
+              <a:buSzPts val="1800"/>
+              <a:buChar char="●"/>
+            </a:pPr>
+            <a:r>
+              <a:rPr lang="es-419"/>
+              <a:t>99% de seguridad de que la serie de tiempo es estacionaria.</a:t>
+            </a:r>
+            <a:endParaRPr/>
+          </a:p>
+        </p:txBody>
+      </p:sp>
+      <p:sp>
+        <p:nvSpPr>
+          <p:cNvPr id="163" name="Google Shape;163;p23"/>
+          <p:cNvSpPr txBox="1"/>
+          <p:nvPr>
+            <p:ph idx="12" type="sldNum"/>
+          </p:nvPr>
+        </p:nvSpPr>
+        <p:spPr>
+          <a:xfrm>
+            <a:off x="8460431" y="4651190"/>
+            <a:ext cx="548700" cy="393600"/>
+          </a:xfrm>
+          <a:prstGeom prst="rect">
+            <a:avLst/>
+          </a:prstGeom>
+        </p:spPr>
+        <p:txBody>
+          <a:bodyPr anchorCtr="0" anchor="ctr" bIns="91425" lIns="91425" spcFirstLastPara="1" rIns="91425" wrap="square" tIns="91425">
+            <a:noAutofit/>
+          </a:bodyPr>
+          <a:lstStyle/>
+          <a:p>
+            <a:pPr indent="0" lvl="0" marL="0" rtl="0" algn="r">
+              <a:spcBef>
+                <a:spcPts val="0"/>
+              </a:spcBef>
+              <a:spcAft>
+                <a:spcPts val="0"/>
+              </a:spcAft>
+              <a:buNone/>
+            </a:pPr>
+            <a:fld id="{00000000-1234-1234-1234-123412341234}" type="slidenum">
+              <a:rPr lang="es-419"/>
+              <a:t>‹#›</a:t>
+            </a:fld>
+            <a:endParaRPr/>
+          </a:p>
+        </p:txBody>
+      </p:sp>
+    </p:spTree>
+  </p:cSld>
+  <p:clrMapOvr>
+    <a:masterClrMapping/>
+  </p:clrMapOvr>
+</p:sld>
+</file>
+
+<file path=ppt/slides/slide12.xml><?xml version="1.0" encoding="utf-8"?>
+<p:sld xmlns:a="http://schemas.openxmlformats.org/drawingml/2006/main" xmlns:r="http://schemas.openxmlformats.org/officeDocument/2006/relationships" xmlns:mc="http://schemas.openxmlformats.org/markup-compatibility/2006" xmlns:mv="urn:schemas-microsoft-com:mac:vml" xmlns:p="http://schemas.openxmlformats.org/presentationml/2006/main" xmlns:c="http://schemas.openxmlformats.org/drawingml/2006/chart" xmlns:dgm="http://schemas.openxmlformats.org/drawingml/2006/diagram" xmlns:o="urn:schemas-microsoft-com:office:office" xmlns:v="urn:schemas-microsoft-com:vml" xmlns:pvml="urn:schemas-microsoft-com:office:powerpoint" xmlns:com="http://schemas.openxmlformats.org/drawingml/2006/compatibility" xmlns:p14="http://schemas.microsoft.com/office/powerpoint/2010/main" xmlns:p15="http://schemas.microsoft.com/office/powerpoint/2012/main">
+  <p:cSld>
+    <p:spTree>
+      <p:nvGrpSpPr>
+        <p:cNvPr id="167" name="Shape 167"/>
+        <p:cNvGrpSpPr/>
+        <p:nvPr/>
+      </p:nvGrpSpPr>
+      <p:grpSpPr>
+        <a:xfrm>
+          <a:off x="0" y="0"/>
+          <a:ext cx="0" cy="0"/>
+          <a:chOff x="0" y="0"/>
+          <a:chExt cx="0" cy="0"/>
+        </a:xfrm>
+      </p:grpSpPr>
+      <p:sp>
+        <p:nvSpPr>
+          <p:cNvPr id="168" name="Google Shape;168;p24"/>
+          <p:cNvSpPr txBox="1"/>
+          <p:nvPr>
+            <p:ph type="title"/>
+          </p:nvPr>
+        </p:nvSpPr>
+        <p:spPr>
+          <a:xfrm>
+            <a:off x="311700" y="410000"/>
+            <a:ext cx="8520600" cy="607800"/>
+          </a:xfrm>
+          <a:prstGeom prst="rect">
+            <a:avLst/>
+          </a:prstGeom>
+        </p:spPr>
+        <p:txBody>
+          <a:bodyPr anchorCtr="0" anchor="t" bIns="91425" lIns="91425" spcFirstLastPara="1" rIns="91425" wrap="square" tIns="91425">
+            <a:noAutofit/>
+          </a:bodyPr>
+          <a:lstStyle/>
+          <a:p>
+            <a:pPr indent="0" lvl="0" marL="0" rtl="0" algn="l">
+              <a:spcBef>
+                <a:spcPts val="0"/>
+              </a:spcBef>
+              <a:spcAft>
+                <a:spcPts val="0"/>
+              </a:spcAft>
+              <a:buNone/>
+            </a:pPr>
+            <a:r>
+              <a:rPr lang="es-419"/>
+              <a:t>Método</a:t>
+            </a:r>
+            <a:r>
+              <a:rPr lang="es-419"/>
+              <a:t> ARIMA</a:t>
+            </a:r>
+            <a:endParaRPr/>
+          </a:p>
+        </p:txBody>
+      </p:sp>
+      <p:sp>
+        <p:nvSpPr>
+          <p:cNvPr id="169" name="Google Shape;169;p24"/>
+          <p:cNvSpPr txBox="1"/>
+          <p:nvPr>
+            <p:ph idx="1" type="body"/>
+          </p:nvPr>
+        </p:nvSpPr>
+        <p:spPr>
+          <a:xfrm>
+            <a:off x="551975" y="1907550"/>
+            <a:ext cx="2658000" cy="664200"/>
+          </a:xfrm>
+          <a:prstGeom prst="rect">
+            <a:avLst/>
+          </a:prstGeom>
+        </p:spPr>
+        <p:txBody>
+          <a:bodyPr anchorCtr="0" anchor="t" bIns="91425" lIns="91425" spcFirstLastPara="1" rIns="91425" wrap="square" tIns="91425">
+            <a:noAutofit/>
+          </a:bodyPr>
+          <a:lstStyle/>
+          <a:p>
+            <a:pPr indent="0" lvl="0" marL="0" rtl="0" algn="ctr">
+              <a:spcBef>
+                <a:spcPts val="0"/>
+              </a:spcBef>
+              <a:spcAft>
+                <a:spcPts val="1600"/>
+              </a:spcAft>
+              <a:buNone/>
+            </a:pPr>
+            <a:r>
+              <a:rPr b="1" lang="es-419" sz="3600"/>
+              <a:t>AR + I + MA</a:t>
+            </a:r>
+            <a:endParaRPr b="1" sz="3600"/>
+          </a:p>
+        </p:txBody>
+      </p:sp>
+      <p:sp>
+        <p:nvSpPr>
+          <p:cNvPr id="170" name="Google Shape;170;p24"/>
+          <p:cNvSpPr txBox="1"/>
+          <p:nvPr>
+            <p:ph idx="1" type="body"/>
+          </p:nvPr>
+        </p:nvSpPr>
+        <p:spPr>
+          <a:xfrm>
+            <a:off x="716775" y="2571750"/>
+            <a:ext cx="2282700" cy="664200"/>
+          </a:xfrm>
+          <a:prstGeom prst="rect">
+            <a:avLst/>
+          </a:prstGeom>
+        </p:spPr>
+        <p:txBody>
+          <a:bodyPr anchorCtr="0" anchor="t" bIns="91425" lIns="91425" spcFirstLastPara="1" rIns="91425" wrap="square" tIns="91425">
+            <a:noAutofit/>
+          </a:bodyPr>
+          <a:lstStyle/>
+          <a:p>
+            <a:pPr indent="0" lvl="0" marL="0" rtl="0" algn="ctr">
+              <a:spcBef>
+                <a:spcPts val="0"/>
+              </a:spcBef>
+              <a:spcAft>
+                <a:spcPts val="1600"/>
+              </a:spcAft>
+              <a:buNone/>
+            </a:pPr>
+            <a:r>
+              <a:rPr lang="es-419" sz="3600"/>
+              <a:t>(p, d, q)</a:t>
+            </a:r>
+            <a:endParaRPr sz="3600"/>
+          </a:p>
+        </p:txBody>
+      </p:sp>
+      <p:pic>
+        <p:nvPicPr>
+          <p:cNvPr id="171" name="Google Shape;171;p24"/>
+          <p:cNvPicPr preferRelativeResize="0"/>
+          <p:nvPr/>
+        </p:nvPicPr>
+        <p:blipFill>
+          <a:blip r:embed="rId3">
+            <a:alphaModFix/>
+          </a:blip>
+          <a:stretch>
+            <a:fillRect/>
+          </a:stretch>
+        </p:blipFill>
+        <p:spPr>
+          <a:xfrm>
+            <a:off x="4686450" y="410000"/>
+            <a:ext cx="4226375" cy="1830075"/>
+          </a:xfrm>
+          <a:prstGeom prst="rect">
+            <a:avLst/>
+          </a:prstGeom>
+          <a:noFill/>
+          <a:ln>
+            <a:noFill/>
+          </a:ln>
+        </p:spPr>
+      </p:pic>
+      <p:pic>
+        <p:nvPicPr>
+          <p:cNvPr id="172" name="Google Shape;172;p24"/>
+          <p:cNvPicPr preferRelativeResize="0"/>
+          <p:nvPr/>
+        </p:nvPicPr>
+        <p:blipFill>
+          <a:blip r:embed="rId4">
+            <a:alphaModFix/>
+          </a:blip>
+          <a:stretch>
+            <a:fillRect/>
+          </a:stretch>
+        </p:blipFill>
+        <p:spPr>
+          <a:xfrm>
+            <a:off x="4686450" y="2571751"/>
+            <a:ext cx="4226382" cy="1830075"/>
+          </a:xfrm>
+          <a:prstGeom prst="rect">
+            <a:avLst/>
+          </a:prstGeom>
+          <a:noFill/>
+          <a:ln>
+            <a:noFill/>
+          </a:ln>
+        </p:spPr>
+      </p:pic>
+      <p:sp>
+        <p:nvSpPr>
+          <p:cNvPr id="173" name="Google Shape;173;p24"/>
+          <p:cNvSpPr txBox="1"/>
+          <p:nvPr>
+            <p:ph idx="1" type="body"/>
+          </p:nvPr>
+        </p:nvSpPr>
+        <p:spPr>
+          <a:xfrm>
+            <a:off x="3592800" y="1104088"/>
+            <a:ext cx="979200" cy="441900"/>
+          </a:xfrm>
+          <a:prstGeom prst="rect">
+            <a:avLst/>
+          </a:prstGeom>
+        </p:spPr>
+        <p:txBody>
+          <a:bodyPr anchorCtr="0" anchor="t" bIns="91425" lIns="91425" spcFirstLastPara="1" rIns="91425" wrap="square" tIns="91425">
+            <a:noAutofit/>
+          </a:bodyPr>
+          <a:lstStyle/>
+          <a:p>
+            <a:pPr indent="0" lvl="0" marL="0" rtl="0" algn="ctr">
+              <a:spcBef>
+                <a:spcPts val="0"/>
+              </a:spcBef>
+              <a:spcAft>
+                <a:spcPts val="1600"/>
+              </a:spcAft>
+              <a:buNone/>
+            </a:pPr>
+            <a:r>
+              <a:rPr lang="es-419" sz="2400"/>
+              <a:t>PACF</a:t>
+            </a:r>
+            <a:endParaRPr sz="2400"/>
+          </a:p>
+        </p:txBody>
+      </p:sp>
+      <p:sp>
+        <p:nvSpPr>
+          <p:cNvPr id="174" name="Google Shape;174;p24"/>
+          <p:cNvSpPr txBox="1"/>
+          <p:nvPr>
+            <p:ph idx="1" type="body"/>
+          </p:nvPr>
+        </p:nvSpPr>
+        <p:spPr>
+          <a:xfrm>
+            <a:off x="3592800" y="3265838"/>
+            <a:ext cx="979200" cy="441900"/>
+          </a:xfrm>
+          <a:prstGeom prst="rect">
+            <a:avLst/>
+          </a:prstGeom>
+        </p:spPr>
+        <p:txBody>
+          <a:bodyPr anchorCtr="0" anchor="t" bIns="91425" lIns="91425" spcFirstLastPara="1" rIns="91425" wrap="square" tIns="91425">
+            <a:noAutofit/>
+          </a:bodyPr>
+          <a:lstStyle/>
+          <a:p>
+            <a:pPr indent="0" lvl="0" marL="0" rtl="0" algn="ctr">
+              <a:spcBef>
+                <a:spcPts val="0"/>
+              </a:spcBef>
+              <a:spcAft>
+                <a:spcPts val="1600"/>
+              </a:spcAft>
+              <a:buNone/>
+            </a:pPr>
+            <a:r>
+              <a:rPr lang="es-419" sz="2400"/>
+              <a:t>ACF</a:t>
+            </a:r>
+            <a:endParaRPr sz="2400"/>
+          </a:p>
+        </p:txBody>
+      </p:sp>
+      <p:sp>
+        <p:nvSpPr>
+          <p:cNvPr id="175" name="Google Shape;175;p24"/>
+          <p:cNvSpPr txBox="1"/>
+          <p:nvPr>
+            <p:ph idx="12" type="sldNum"/>
+          </p:nvPr>
+        </p:nvSpPr>
+        <p:spPr>
+          <a:xfrm>
+            <a:off x="8460431" y="4651190"/>
+            <a:ext cx="548700" cy="393600"/>
+          </a:xfrm>
+          <a:prstGeom prst="rect">
+            <a:avLst/>
+          </a:prstGeom>
+        </p:spPr>
+        <p:txBody>
+          <a:bodyPr anchorCtr="0" anchor="ctr" bIns="91425" lIns="91425" spcFirstLastPara="1" rIns="91425" wrap="square" tIns="91425">
+            <a:noAutofit/>
+          </a:bodyPr>
+          <a:lstStyle/>
+          <a:p>
+            <a:pPr indent="0" lvl="0" marL="0" rtl="0" algn="r">
+              <a:spcBef>
+                <a:spcPts val="0"/>
+              </a:spcBef>
+              <a:spcAft>
+                <a:spcPts val="0"/>
+              </a:spcAft>
+              <a:buNone/>
+            </a:pPr>
+            <a:fld id="{00000000-1234-1234-1234-123412341234}" type="slidenum">
+              <a:rPr lang="es-419"/>
+              <a:t>‹#›</a:t>
+            </a:fld>
+            <a:endParaRPr/>
+          </a:p>
+        </p:txBody>
+      </p:sp>
+    </p:spTree>
+  </p:cSld>
+  <p:clrMapOvr>
+    <a:masterClrMapping/>
+  </p:clrMapOvr>
+</p:sld>
+</file>
+
+<file path=ppt/slides/slide13.xml><?xml version="1.0" encoding="utf-8"?>
+<p:sld xmlns:a="http://schemas.openxmlformats.org/drawingml/2006/main" xmlns:r="http://schemas.openxmlformats.org/officeDocument/2006/relationships" xmlns:mc="http://schemas.openxmlformats.org/markup-compatibility/2006" xmlns:mv="urn:schemas-microsoft-com:mac:vml" xmlns:p="http://schemas.openxmlformats.org/presentationml/2006/main" xmlns:c="http://schemas.openxmlformats.org/drawingml/2006/chart" xmlns:dgm="http://schemas.openxmlformats.org/drawingml/2006/diagram" xmlns:o="urn:schemas-microsoft-com:office:office" xmlns:v="urn:schemas-microsoft-com:vml" xmlns:pvml="urn:schemas-microsoft-com:office:powerpoint" xmlns:com="http://schemas.openxmlformats.org/drawingml/2006/compatibility" xmlns:p14="http://schemas.microsoft.com/office/powerpoint/2010/main" xmlns:p15="http://schemas.microsoft.com/office/powerpoint/2012/main">
+  <p:cSld>
+    <p:spTree>
+      <p:nvGrpSpPr>
+        <p:cNvPr id="179" name="Shape 179"/>
+        <p:cNvGrpSpPr/>
+        <p:nvPr/>
+      </p:nvGrpSpPr>
+      <p:grpSpPr>
+        <a:xfrm>
+          <a:off x="0" y="0"/>
+          <a:ext cx="0" cy="0"/>
+          <a:chOff x="0" y="0"/>
+          <a:chExt cx="0" cy="0"/>
+        </a:xfrm>
+      </p:grpSpPr>
+      <p:sp>
+        <p:nvSpPr>
+          <p:cNvPr id="180" name="Google Shape;180;p25"/>
+          <p:cNvSpPr txBox="1"/>
+          <p:nvPr>
+            <p:ph type="title"/>
+          </p:nvPr>
+        </p:nvSpPr>
+        <p:spPr>
+          <a:xfrm>
+            <a:off x="311700" y="410000"/>
+            <a:ext cx="8520600" cy="607800"/>
+          </a:xfrm>
+          <a:prstGeom prst="rect">
+            <a:avLst/>
+          </a:prstGeom>
+        </p:spPr>
+        <p:txBody>
+          <a:bodyPr anchorCtr="0" anchor="t" bIns="91425" lIns="91425" spcFirstLastPara="1" rIns="91425" wrap="square" tIns="91425">
+            <a:noAutofit/>
+          </a:bodyPr>
+          <a:lstStyle/>
+          <a:p>
+            <a:pPr indent="0" lvl="0" marL="0" rtl="0" algn="l">
+              <a:spcBef>
+                <a:spcPts val="0"/>
+              </a:spcBef>
+              <a:spcAft>
+                <a:spcPts val="0"/>
+              </a:spcAft>
+              <a:buNone/>
+            </a:pPr>
+            <a:r>
+              <a:rPr lang="es-419"/>
+              <a:t>Resultados de Predicción</a:t>
+            </a:r>
+            <a:endParaRPr/>
+          </a:p>
+        </p:txBody>
+      </p:sp>
+      <p:pic>
+        <p:nvPicPr>
+          <p:cNvPr id="181" name="Google Shape;181;p25"/>
+          <p:cNvPicPr preferRelativeResize="0"/>
+          <p:nvPr/>
+        </p:nvPicPr>
+        <p:blipFill>
+          <a:blip r:embed="rId3">
+            <a:alphaModFix/>
+          </a:blip>
+          <a:stretch>
+            <a:fillRect/>
+          </a:stretch>
+        </p:blipFill>
+        <p:spPr>
+          <a:xfrm>
+            <a:off x="1514475" y="1172788"/>
+            <a:ext cx="6115050" cy="3343275"/>
+          </a:xfrm>
+          <a:prstGeom prst="rect">
+            <a:avLst/>
+          </a:prstGeom>
+          <a:noFill/>
+          <a:ln>
+            <a:noFill/>
+          </a:ln>
+        </p:spPr>
+      </p:pic>
+      <p:sp>
+        <p:nvSpPr>
+          <p:cNvPr id="182" name="Google Shape;182;p25"/>
+          <p:cNvSpPr txBox="1"/>
+          <p:nvPr>
+            <p:ph idx="12" type="sldNum"/>
+          </p:nvPr>
+        </p:nvSpPr>
+        <p:spPr>
+          <a:xfrm>
+            <a:off x="8460431" y="4651190"/>
+            <a:ext cx="548700" cy="393600"/>
+          </a:xfrm>
+          <a:prstGeom prst="rect">
+            <a:avLst/>
+          </a:prstGeom>
+        </p:spPr>
+        <p:txBody>
+          <a:bodyPr anchorCtr="0" anchor="ctr" bIns="91425" lIns="91425" spcFirstLastPara="1" rIns="91425" wrap="square" tIns="91425">
+            <a:noAutofit/>
+          </a:bodyPr>
+          <a:lstStyle/>
+          <a:p>
+            <a:pPr indent="0" lvl="0" marL="0" rtl="0" algn="r">
+              <a:spcBef>
+                <a:spcPts val="0"/>
+              </a:spcBef>
+              <a:spcAft>
+                <a:spcPts val="0"/>
+              </a:spcAft>
+              <a:buNone/>
+            </a:pPr>
+            <a:fld id="{00000000-1234-1234-1234-123412341234}" type="slidenum">
+              <a:rPr lang="es-419"/>
+              <a:t>‹#›</a:t>
+            </a:fld>
+            <a:endParaRPr/>
+          </a:p>
+        </p:txBody>
+      </p:sp>
+    </p:spTree>
+  </p:cSld>
+  <p:clrMapOvr>
+    <a:masterClrMapping/>
+  </p:clrMapOvr>
+</p:sld>
+</file>
+
+<file path=ppt/slides/slide14.xml><?xml version="1.0" encoding="utf-8"?>
+<p:sld xmlns:a="http://schemas.openxmlformats.org/drawingml/2006/main" xmlns:r="http://schemas.openxmlformats.org/officeDocument/2006/relationships" xmlns:mc="http://schemas.openxmlformats.org/markup-compatibility/2006" xmlns:mv="urn:schemas-microsoft-com:mac:vml" xmlns:p="http://schemas.openxmlformats.org/presentationml/2006/main" xmlns:c="http://schemas.openxmlformats.org/drawingml/2006/chart" xmlns:dgm="http://schemas.openxmlformats.org/drawingml/2006/diagram" xmlns:o="urn:schemas-microsoft-com:office:office" xmlns:v="urn:schemas-microsoft-com:vml" xmlns:pvml="urn:schemas-microsoft-com:office:powerpoint" xmlns:com="http://schemas.openxmlformats.org/drawingml/2006/compatibility" xmlns:p14="http://schemas.microsoft.com/office/powerpoint/2010/main" xmlns:p15="http://schemas.microsoft.com/office/powerpoint/2012/main">
+  <p:cSld>
+    <p:spTree>
+      <p:nvGrpSpPr>
+        <p:cNvPr id="186" name="Shape 186"/>
+        <p:cNvGrpSpPr/>
+        <p:nvPr/>
+      </p:nvGrpSpPr>
+      <p:grpSpPr>
+        <a:xfrm>
+          <a:off x="0" y="0"/>
+          <a:ext cx="0" cy="0"/>
+          <a:chOff x="0" y="0"/>
+          <a:chExt cx="0" cy="0"/>
+        </a:xfrm>
+      </p:grpSpPr>
+      <p:sp>
+        <p:nvSpPr>
+          <p:cNvPr id="187" name="Google Shape;187;p26"/>
+          <p:cNvSpPr txBox="1"/>
+          <p:nvPr>
+            <p:ph type="title"/>
+          </p:nvPr>
+        </p:nvSpPr>
+        <p:spPr>
+          <a:xfrm>
+            <a:off x="311700" y="410000"/>
+            <a:ext cx="8520600" cy="607800"/>
+          </a:xfrm>
+          <a:prstGeom prst="rect">
+            <a:avLst/>
+          </a:prstGeom>
+        </p:spPr>
+        <p:txBody>
+          <a:bodyPr anchorCtr="0" anchor="t" bIns="91425" lIns="91425" spcFirstLastPara="1" rIns="91425" wrap="square" tIns="91425">
+            <a:noAutofit/>
+          </a:bodyPr>
+          <a:lstStyle/>
+          <a:p>
+            <a:pPr indent="0" lvl="0" marL="0" rtl="0" algn="l">
+              <a:spcBef>
+                <a:spcPts val="0"/>
+              </a:spcBef>
+              <a:spcAft>
+                <a:spcPts val="0"/>
+              </a:spcAft>
+              <a:buNone/>
+            </a:pPr>
+            <a:r>
+              <a:rPr lang="es-419"/>
+              <a:t>Pronóstico</a:t>
+            </a:r>
+            <a:endParaRPr/>
+          </a:p>
+        </p:txBody>
+      </p:sp>
+      <p:pic>
+        <p:nvPicPr>
+          <p:cNvPr id="188" name="Google Shape;188;p26"/>
+          <p:cNvPicPr preferRelativeResize="0"/>
+          <p:nvPr/>
+        </p:nvPicPr>
+        <p:blipFill>
+          <a:blip r:embed="rId3">
+            <a:alphaModFix/>
+          </a:blip>
+          <a:stretch>
+            <a:fillRect/>
+          </a:stretch>
+        </p:blipFill>
+        <p:spPr>
+          <a:xfrm>
+            <a:off x="61975" y="2360000"/>
+            <a:ext cx="3133350" cy="272029"/>
+          </a:xfrm>
+          <a:prstGeom prst="rect">
+            <a:avLst/>
+          </a:prstGeom>
+          <a:noFill/>
+          <a:ln>
+            <a:noFill/>
+          </a:ln>
+        </p:spPr>
+      </p:pic>
+      <p:pic>
+        <p:nvPicPr>
+          <p:cNvPr id="189" name="Google Shape;189;p26"/>
+          <p:cNvPicPr preferRelativeResize="0"/>
+          <p:nvPr/>
+        </p:nvPicPr>
+        <p:blipFill>
+          <a:blip r:embed="rId4">
+            <a:alphaModFix/>
+          </a:blip>
+          <a:stretch>
+            <a:fillRect/>
+          </a:stretch>
+        </p:blipFill>
+        <p:spPr>
+          <a:xfrm>
+            <a:off x="3337675" y="831313"/>
+            <a:ext cx="5620100" cy="3480875"/>
+          </a:xfrm>
+          <a:prstGeom prst="rect">
+            <a:avLst/>
+          </a:prstGeom>
+          <a:noFill/>
+          <a:ln>
+            <a:noFill/>
+          </a:ln>
+        </p:spPr>
+      </p:pic>
+      <p:sp>
+        <p:nvSpPr>
+          <p:cNvPr id="190" name="Google Shape;190;p26"/>
+          <p:cNvSpPr txBox="1"/>
+          <p:nvPr>
+            <p:ph idx="12" type="sldNum"/>
+          </p:nvPr>
+        </p:nvSpPr>
+        <p:spPr>
+          <a:xfrm>
+            <a:off x="8460431" y="4651190"/>
+            <a:ext cx="548700" cy="393600"/>
+          </a:xfrm>
+          <a:prstGeom prst="rect">
+            <a:avLst/>
+          </a:prstGeom>
+        </p:spPr>
+        <p:txBody>
+          <a:bodyPr anchorCtr="0" anchor="ctr" bIns="91425" lIns="91425" spcFirstLastPara="1" rIns="91425" wrap="square" tIns="91425">
+            <a:noAutofit/>
+          </a:bodyPr>
+          <a:lstStyle/>
+          <a:p>
+            <a:pPr indent="0" lvl="0" marL="0" rtl="0" algn="r">
+              <a:spcBef>
+                <a:spcPts val="0"/>
+              </a:spcBef>
+              <a:spcAft>
+                <a:spcPts val="0"/>
+              </a:spcAft>
+              <a:buNone/>
+            </a:pPr>
+            <a:fld id="{00000000-1234-1234-1234-123412341234}" type="slidenum">
+              <a:rPr lang="es-419"/>
+              <a:t>‹#›</a:t>
+            </a:fld>
+            <a:endParaRPr/>
+          </a:p>
+        </p:txBody>
+      </p:sp>
+    </p:spTree>
+  </p:cSld>
+  <p:clrMapOvr>
+    <a:masterClrMapping/>
+  </p:clrMapOvr>
+</p:sld>
+</file>
+
+<file path=ppt/slides/slide15.xml><?xml version="1.0" encoding="utf-8"?>
+<p:sld xmlns:a="http://schemas.openxmlformats.org/drawingml/2006/main" xmlns:r="http://schemas.openxmlformats.org/officeDocument/2006/relationships" xmlns:mc="http://schemas.openxmlformats.org/markup-compatibility/2006" xmlns:mv="urn:schemas-microsoft-com:mac:vml" xmlns:p="http://schemas.openxmlformats.org/presentationml/2006/main" xmlns:c="http://schemas.openxmlformats.org/drawingml/2006/chart" xmlns:dgm="http://schemas.openxmlformats.org/drawingml/2006/diagram" xmlns:o="urn:schemas-microsoft-com:office:office" xmlns:v="urn:schemas-microsoft-com:vml" xmlns:pvml="urn:schemas-microsoft-com:office:powerpoint" xmlns:com="http://schemas.openxmlformats.org/drawingml/2006/compatibility" xmlns:p14="http://schemas.microsoft.com/office/powerpoint/2010/main" xmlns:p15="http://schemas.microsoft.com/office/powerpoint/2012/main">
+  <p:cSld>
+    <p:spTree>
+      <p:nvGrpSpPr>
+        <p:cNvPr id="194" name="Shape 194"/>
+        <p:cNvGrpSpPr/>
+        <p:nvPr/>
+      </p:nvGrpSpPr>
+      <p:grpSpPr>
+        <a:xfrm>
+          <a:off x="0" y="0"/>
+          <a:ext cx="0" cy="0"/>
+          <a:chOff x="0" y="0"/>
+          <a:chExt cx="0" cy="0"/>
+        </a:xfrm>
+      </p:grpSpPr>
+      <p:sp>
+        <p:nvSpPr>
+          <p:cNvPr id="195" name="Google Shape;195;p27"/>
+          <p:cNvSpPr txBox="1"/>
+          <p:nvPr>
+            <p:ph type="title"/>
+          </p:nvPr>
+        </p:nvSpPr>
+        <p:spPr>
+          <a:xfrm>
+            <a:off x="311700" y="410000"/>
+            <a:ext cx="8520600" cy="607800"/>
+          </a:xfrm>
+          <a:prstGeom prst="rect">
+            <a:avLst/>
+          </a:prstGeom>
+        </p:spPr>
+        <p:txBody>
+          <a:bodyPr anchorCtr="0" anchor="t" bIns="91425" lIns="91425" spcFirstLastPara="1" rIns="91425" wrap="square" tIns="91425">
+            <a:noAutofit/>
+          </a:bodyPr>
+          <a:lstStyle/>
+          <a:p>
+            <a:pPr indent="0" lvl="0" marL="0" rtl="0" algn="l">
+              <a:spcBef>
+                <a:spcPts val="0"/>
+              </a:spcBef>
+              <a:spcAft>
+                <a:spcPts val="0"/>
+              </a:spcAft>
+              <a:buNone/>
+            </a:pPr>
+            <a:r>
+              <a:rPr lang="es-419"/>
+              <a:t>Métodos</a:t>
+            </a:r>
+            <a:r>
+              <a:rPr lang="es-419"/>
+              <a:t> de Suavizado</a:t>
+            </a:r>
+            <a:endParaRPr/>
+          </a:p>
+        </p:txBody>
+      </p:sp>
+      <p:pic>
+        <p:nvPicPr>
+          <p:cNvPr id="196" name="Google Shape;196;p27"/>
+          <p:cNvPicPr preferRelativeResize="0"/>
+          <p:nvPr/>
+        </p:nvPicPr>
+        <p:blipFill>
+          <a:blip r:embed="rId3">
+            <a:alphaModFix/>
+          </a:blip>
+          <a:stretch>
+            <a:fillRect/>
+          </a:stretch>
+        </p:blipFill>
+        <p:spPr>
+          <a:xfrm>
+            <a:off x="311700" y="1127025"/>
+            <a:ext cx="7847024" cy="502575"/>
+          </a:xfrm>
+          <a:prstGeom prst="rect">
+            <a:avLst/>
+          </a:prstGeom>
+          <a:noFill/>
+          <a:ln>
+            <a:noFill/>
+          </a:ln>
+        </p:spPr>
+      </p:pic>
+      <p:pic>
+        <p:nvPicPr>
+          <p:cNvPr id="197" name="Google Shape;197;p27"/>
+          <p:cNvPicPr preferRelativeResize="0"/>
+          <p:nvPr/>
+        </p:nvPicPr>
+        <p:blipFill>
+          <a:blip r:embed="rId4">
+            <a:alphaModFix/>
+          </a:blip>
+          <a:stretch>
+            <a:fillRect/>
+          </a:stretch>
+        </p:blipFill>
+        <p:spPr>
+          <a:xfrm>
+            <a:off x="1959575" y="1744825"/>
+            <a:ext cx="7184422" cy="3398675"/>
+          </a:xfrm>
+          <a:prstGeom prst="rect">
+            <a:avLst/>
+          </a:prstGeom>
+          <a:noFill/>
+          <a:ln>
+            <a:noFill/>
+          </a:ln>
+        </p:spPr>
+      </p:pic>
+      <p:sp>
+        <p:nvSpPr>
+          <p:cNvPr id="198" name="Google Shape;198;p27"/>
+          <p:cNvSpPr txBox="1"/>
+          <p:nvPr>
+            <p:ph idx="1" type="body"/>
+          </p:nvPr>
+        </p:nvSpPr>
+        <p:spPr>
+          <a:xfrm>
+            <a:off x="185900" y="2703600"/>
+            <a:ext cx="1673400" cy="441900"/>
+          </a:xfrm>
+          <a:prstGeom prst="rect">
+            <a:avLst/>
+          </a:prstGeom>
+        </p:spPr>
+        <p:txBody>
+          <a:bodyPr anchorCtr="0" anchor="t" bIns="91425" lIns="91425" spcFirstLastPara="1" rIns="91425" wrap="square" tIns="91425">
+            <a:noAutofit/>
+          </a:bodyPr>
+          <a:lstStyle/>
+          <a:p>
+            <a:pPr indent="0" lvl="0" marL="0" rtl="0" algn="ctr">
+              <a:spcBef>
+                <a:spcPts val="0"/>
+              </a:spcBef>
+              <a:spcAft>
+                <a:spcPts val="1600"/>
+              </a:spcAft>
+              <a:buNone/>
+            </a:pPr>
+            <a:r>
+              <a:rPr lang="es-419" sz="2400"/>
+              <a:t>train: 90%</a:t>
+            </a:r>
+            <a:endParaRPr sz="2400"/>
+          </a:p>
+        </p:txBody>
+      </p:sp>
+      <p:sp>
+        <p:nvSpPr>
+          <p:cNvPr id="199" name="Google Shape;199;p27"/>
+          <p:cNvSpPr txBox="1"/>
+          <p:nvPr>
+            <p:ph idx="1" type="body"/>
+          </p:nvPr>
+        </p:nvSpPr>
+        <p:spPr>
+          <a:xfrm>
+            <a:off x="185900" y="3145500"/>
+            <a:ext cx="1673400" cy="441900"/>
+          </a:xfrm>
+          <a:prstGeom prst="rect">
+            <a:avLst/>
+          </a:prstGeom>
+        </p:spPr>
+        <p:txBody>
+          <a:bodyPr anchorCtr="0" anchor="t" bIns="91425" lIns="91425" spcFirstLastPara="1" rIns="91425" wrap="square" tIns="91425">
+            <a:noAutofit/>
+          </a:bodyPr>
+          <a:lstStyle/>
+          <a:p>
+            <a:pPr indent="0" lvl="0" marL="0" rtl="0" algn="ctr">
+              <a:spcBef>
+                <a:spcPts val="0"/>
+              </a:spcBef>
+              <a:spcAft>
+                <a:spcPts val="1600"/>
+              </a:spcAft>
+              <a:buNone/>
+            </a:pPr>
+            <a:r>
+              <a:rPr lang="es-419" sz="2400"/>
+              <a:t>test: 10%</a:t>
+            </a:r>
+            <a:endParaRPr sz="2400"/>
+          </a:p>
+        </p:txBody>
+      </p:sp>
+      <p:sp>
+        <p:nvSpPr>
+          <p:cNvPr id="200" name="Google Shape;200;p27"/>
+          <p:cNvSpPr txBox="1"/>
+          <p:nvPr>
+            <p:ph idx="12" type="sldNum"/>
+          </p:nvPr>
+        </p:nvSpPr>
+        <p:spPr>
+          <a:xfrm>
+            <a:off x="8460431" y="4651190"/>
+            <a:ext cx="548700" cy="393600"/>
+          </a:xfrm>
+          <a:prstGeom prst="rect">
+            <a:avLst/>
+          </a:prstGeom>
+        </p:spPr>
+        <p:txBody>
+          <a:bodyPr anchorCtr="0" anchor="ctr" bIns="91425" lIns="91425" spcFirstLastPara="1" rIns="91425" wrap="square" tIns="91425">
+            <a:noAutofit/>
+          </a:bodyPr>
+          <a:lstStyle/>
+          <a:p>
+            <a:pPr indent="0" lvl="0" marL="0" rtl="0" algn="r">
+              <a:spcBef>
+                <a:spcPts val="0"/>
+              </a:spcBef>
+              <a:spcAft>
+                <a:spcPts val="0"/>
+              </a:spcAft>
+              <a:buNone/>
+            </a:pPr>
+            <a:fld id="{00000000-1234-1234-1234-123412341234}" type="slidenum">
+              <a:rPr lang="es-419"/>
+              <a:t>‹#›</a:t>
+            </a:fld>
+            <a:endParaRPr/>
+          </a:p>
+        </p:txBody>
+      </p:sp>
+    </p:spTree>
+  </p:cSld>
+  <p:clrMapOvr>
+    <a:masterClrMapping/>
+  </p:clrMapOvr>
+</p:sld>
+</file>
+
+<file path=ppt/slides/slide16.xml><?xml version="1.0" encoding="utf-8"?>
+<p:sld xmlns:a="http://schemas.openxmlformats.org/drawingml/2006/main" xmlns:r="http://schemas.openxmlformats.org/officeDocument/2006/relationships" xmlns:mc="http://schemas.openxmlformats.org/markup-compatibility/2006" xmlns:mv="urn:schemas-microsoft-com:mac:vml" xmlns:p="http://schemas.openxmlformats.org/presentationml/2006/main" xmlns:c="http://schemas.openxmlformats.org/drawingml/2006/chart" xmlns:dgm="http://schemas.openxmlformats.org/drawingml/2006/diagram" xmlns:o="urn:schemas-microsoft-com:office:office" xmlns:v="urn:schemas-microsoft-com:vml" xmlns:pvml="urn:schemas-microsoft-com:office:powerpoint" xmlns:com="http://schemas.openxmlformats.org/drawingml/2006/compatibility" xmlns:p14="http://schemas.microsoft.com/office/powerpoint/2010/main" xmlns:p15="http://schemas.microsoft.com/office/powerpoint/2012/main">
+  <p:cSld>
+    <p:spTree>
+      <p:nvGrpSpPr>
+        <p:cNvPr id="204" name="Shape 204"/>
+        <p:cNvGrpSpPr/>
+        <p:nvPr/>
+      </p:nvGrpSpPr>
+      <p:grpSpPr>
+        <a:xfrm>
+          <a:off x="0" y="0"/>
+          <a:ext cx="0" cy="0"/>
+          <a:chOff x="0" y="0"/>
+          <a:chExt cx="0" cy="0"/>
+        </a:xfrm>
+      </p:grpSpPr>
+      <p:sp>
+        <p:nvSpPr>
+          <p:cNvPr id="205" name="Google Shape;205;p28"/>
+          <p:cNvSpPr txBox="1"/>
+          <p:nvPr>
+            <p:ph type="title"/>
+          </p:nvPr>
+        </p:nvSpPr>
+        <p:spPr>
+          <a:xfrm>
+            <a:off x="311700" y="410000"/>
+            <a:ext cx="8520600" cy="607800"/>
+          </a:xfrm>
+          <a:prstGeom prst="rect">
+            <a:avLst/>
+          </a:prstGeom>
+        </p:spPr>
+        <p:txBody>
+          <a:bodyPr anchorCtr="0" anchor="t" bIns="91425" lIns="91425" spcFirstLastPara="1" rIns="91425" wrap="square" tIns="91425">
+            <a:noAutofit/>
+          </a:bodyPr>
+          <a:lstStyle/>
+          <a:p>
+            <a:pPr indent="0" lvl="0" marL="0" rtl="0" algn="l">
+              <a:spcBef>
+                <a:spcPts val="0"/>
+              </a:spcBef>
+              <a:spcAft>
+                <a:spcPts val="0"/>
+              </a:spcAft>
+              <a:buNone/>
+            </a:pPr>
+            <a:r>
+              <a:rPr lang="es-419"/>
+              <a:t>Monte Carlo</a:t>
+            </a:r>
+            <a:endParaRPr/>
+          </a:p>
+        </p:txBody>
+      </p:sp>
+      <p:sp>
+        <p:nvSpPr>
+          <p:cNvPr id="206" name="Google Shape;206;p28"/>
+          <p:cNvSpPr txBox="1"/>
+          <p:nvPr>
+            <p:ph idx="1" type="body"/>
+          </p:nvPr>
+        </p:nvSpPr>
+        <p:spPr>
+          <a:xfrm>
+            <a:off x="720563" y="1352288"/>
+            <a:ext cx="2588400" cy="530100"/>
+          </a:xfrm>
+          <a:prstGeom prst="rect">
+            <a:avLst/>
+          </a:prstGeom>
+        </p:spPr>
+        <p:txBody>
+          <a:bodyPr anchorCtr="0" anchor="t" bIns="91425" lIns="91425" spcFirstLastPara="1" rIns="91425" wrap="square" tIns="91425">
+            <a:noAutofit/>
+          </a:bodyPr>
+          <a:lstStyle/>
+          <a:p>
+            <a:pPr indent="0" lvl="0" marL="0" rtl="0" algn="l">
+              <a:spcBef>
+                <a:spcPts val="0"/>
+              </a:spcBef>
+              <a:spcAft>
+                <a:spcPts val="1600"/>
+              </a:spcAft>
+              <a:buNone/>
+            </a:pPr>
+            <a:r>
+              <a:rPr lang="es-419"/>
+              <a:t>Predicción de 200 </a:t>
+            </a:r>
+            <a:r>
+              <a:rPr lang="es-419"/>
+              <a:t>días</a:t>
+            </a:r>
+            <a:endParaRPr/>
+          </a:p>
+        </p:txBody>
+      </p:sp>
+      <p:pic>
+        <p:nvPicPr>
+          <p:cNvPr id="207" name="Google Shape;207;p28"/>
+          <p:cNvPicPr preferRelativeResize="0"/>
+          <p:nvPr/>
+        </p:nvPicPr>
+        <p:blipFill>
+          <a:blip r:embed="rId3">
+            <a:alphaModFix/>
+          </a:blip>
+          <a:stretch>
+            <a:fillRect/>
+          </a:stretch>
+        </p:blipFill>
+        <p:spPr>
+          <a:xfrm>
+            <a:off x="4857350" y="262875"/>
+            <a:ext cx="3521549" cy="2153950"/>
+          </a:xfrm>
+          <a:prstGeom prst="rect">
+            <a:avLst/>
+          </a:prstGeom>
+          <a:noFill/>
+          <a:ln>
+            <a:noFill/>
+          </a:ln>
+        </p:spPr>
+      </p:pic>
+      <p:pic>
+        <p:nvPicPr>
+          <p:cNvPr id="208" name="Google Shape;208;p28"/>
+          <p:cNvPicPr preferRelativeResize="0"/>
+          <p:nvPr/>
+        </p:nvPicPr>
+        <p:blipFill>
+          <a:blip r:embed="rId4">
+            <a:alphaModFix/>
+          </a:blip>
+          <a:stretch>
+            <a:fillRect/>
+          </a:stretch>
+        </p:blipFill>
+        <p:spPr>
+          <a:xfrm>
+            <a:off x="4386775" y="2502720"/>
+            <a:ext cx="3768450" cy="2291450"/>
+          </a:xfrm>
+          <a:prstGeom prst="rect">
+            <a:avLst/>
+          </a:prstGeom>
+          <a:noFill/>
+          <a:ln>
+            <a:noFill/>
+          </a:ln>
+        </p:spPr>
+      </p:pic>
+      <p:pic>
+        <p:nvPicPr>
+          <p:cNvPr id="209" name="Google Shape;209;p28"/>
+          <p:cNvPicPr preferRelativeResize="0"/>
+          <p:nvPr/>
+        </p:nvPicPr>
+        <p:blipFill>
+          <a:blip r:embed="rId5">
+            <a:alphaModFix/>
+          </a:blip>
+          <a:stretch>
+            <a:fillRect/>
+          </a:stretch>
+        </p:blipFill>
+        <p:spPr>
+          <a:xfrm>
+            <a:off x="213675" y="2216875"/>
+            <a:ext cx="3602175" cy="2207775"/>
+          </a:xfrm>
+          <a:prstGeom prst="rect">
+            <a:avLst/>
+          </a:prstGeom>
+          <a:noFill/>
+          <a:ln>
+            <a:noFill/>
+          </a:ln>
+        </p:spPr>
+      </p:pic>
+      <p:sp>
+        <p:nvSpPr>
+          <p:cNvPr id="210" name="Google Shape;210;p28"/>
+          <p:cNvSpPr txBox="1"/>
+          <p:nvPr>
+            <p:ph idx="12" type="sldNum"/>
+          </p:nvPr>
+        </p:nvSpPr>
+        <p:spPr>
+          <a:xfrm>
+            <a:off x="8460431" y="4651190"/>
+            <a:ext cx="548700" cy="393600"/>
+          </a:xfrm>
+          <a:prstGeom prst="rect">
+            <a:avLst/>
+          </a:prstGeom>
+        </p:spPr>
+        <p:txBody>
+          <a:bodyPr anchorCtr="0" anchor="ctr" bIns="91425" lIns="91425" spcFirstLastPara="1" rIns="91425" wrap="square" tIns="91425">
+            <a:noAutofit/>
+          </a:bodyPr>
+          <a:lstStyle/>
+          <a:p>
+            <a:pPr indent="0" lvl="0" marL="0" rtl="0" algn="r">
+              <a:spcBef>
+                <a:spcPts val="0"/>
+              </a:spcBef>
+              <a:spcAft>
+                <a:spcPts val="0"/>
+              </a:spcAft>
+              <a:buNone/>
+            </a:pPr>
+            <a:fld id="{00000000-1234-1234-1234-123412341234}" type="slidenum">
+              <a:rPr lang="es-419"/>
+              <a:t>‹#›</a:t>
+            </a:fld>
+            <a:endParaRPr/>
+          </a:p>
+        </p:txBody>
+      </p:sp>
+    </p:spTree>
+  </p:cSld>
+  <p:clrMapOvr>
+    <a:masterClrMapping/>
+  </p:clrMapOvr>
+</p:sld>
+</file>
+
+<file path=ppt/slides/slide17.xml><?xml version="1.0" encoding="utf-8"?>
+<p:sld xmlns:a="http://schemas.openxmlformats.org/drawingml/2006/main" xmlns:r="http://schemas.openxmlformats.org/officeDocument/2006/relationships" xmlns:mc="http://schemas.openxmlformats.org/markup-compatibility/2006" xmlns:mv="urn:schemas-microsoft-com:mac:vml" xmlns:p="http://schemas.openxmlformats.org/presentationml/2006/main" xmlns:c="http://schemas.openxmlformats.org/drawingml/2006/chart" xmlns:dgm="http://schemas.openxmlformats.org/drawingml/2006/diagram" xmlns:o="urn:schemas-microsoft-com:office:office" xmlns:v="urn:schemas-microsoft-com:vml" xmlns:pvml="urn:schemas-microsoft-com:office:powerpoint" xmlns:com="http://schemas.openxmlformats.org/drawingml/2006/compatibility" xmlns:p14="http://schemas.microsoft.com/office/powerpoint/2010/main" xmlns:p15="http://schemas.microsoft.com/office/powerpoint/2012/main">
+  <p:cSld>
+    <p:spTree>
+      <p:nvGrpSpPr>
+        <p:cNvPr id="214" name="Shape 214"/>
+        <p:cNvGrpSpPr/>
+        <p:nvPr/>
+      </p:nvGrpSpPr>
+      <p:grpSpPr>
+        <a:xfrm>
+          <a:off x="0" y="0"/>
+          <a:ext cx="0" cy="0"/>
+          <a:chOff x="0" y="0"/>
+          <a:chExt cx="0" cy="0"/>
+        </a:xfrm>
+      </p:grpSpPr>
+      <p:sp>
+        <p:nvSpPr>
+          <p:cNvPr id="215" name="Google Shape;215;p29"/>
+          <p:cNvSpPr txBox="1"/>
+          <p:nvPr>
+            <p:ph type="title"/>
+          </p:nvPr>
+        </p:nvSpPr>
+        <p:spPr>
+          <a:xfrm>
+            <a:off x="311700" y="410000"/>
+            <a:ext cx="8520600" cy="607800"/>
+          </a:xfrm>
+          <a:prstGeom prst="rect">
+            <a:avLst/>
+          </a:prstGeom>
+        </p:spPr>
+        <p:txBody>
+          <a:bodyPr anchorCtr="0" anchor="t" bIns="91425" lIns="91425" spcFirstLastPara="1" rIns="91425" wrap="square" tIns="91425">
+            <a:noAutofit/>
+          </a:bodyPr>
+          <a:lstStyle/>
+          <a:p>
+            <a:pPr indent="0" lvl="0" marL="0" rtl="0" algn="l">
+              <a:spcBef>
+                <a:spcPts val="0"/>
+              </a:spcBef>
+              <a:spcAft>
+                <a:spcPts val="0"/>
+              </a:spcAft>
+              <a:buNone/>
+            </a:pPr>
+            <a:r>
+              <a:rPr lang="es-419"/>
+              <a:t>CONCLUSIONES</a:t>
+            </a:r>
+            <a:endParaRPr/>
+          </a:p>
+        </p:txBody>
+      </p:sp>
+      <p:sp>
+        <p:nvSpPr>
+          <p:cNvPr id="216" name="Google Shape;216;p29"/>
+          <p:cNvSpPr txBox="1"/>
+          <p:nvPr>
+            <p:ph idx="1" type="body"/>
+          </p:nvPr>
+        </p:nvSpPr>
+        <p:spPr>
+          <a:xfrm>
+            <a:off x="311700" y="1312200"/>
+            <a:ext cx="8520600" cy="3339000"/>
+          </a:xfrm>
+          <a:prstGeom prst="rect">
+            <a:avLst/>
+          </a:prstGeom>
+        </p:spPr>
+        <p:txBody>
+          <a:bodyPr anchorCtr="0" anchor="t" bIns="91425" lIns="91425" spcFirstLastPara="1" rIns="91425" wrap="square" tIns="91425">
+            <a:noAutofit/>
+          </a:bodyPr>
+          <a:lstStyle/>
+          <a:p>
+            <a:pPr indent="0" lvl="0" marL="0" rtl="0" algn="ctr">
+              <a:spcBef>
+                <a:spcPts val="0"/>
+              </a:spcBef>
+              <a:spcAft>
+                <a:spcPts val="1600"/>
+              </a:spcAft>
+              <a:buNone/>
+            </a:pPr>
+            <a:r>
+              <a:rPr lang="es-419"/>
+              <a:t>A partir</a:t>
+            </a:r>
+            <a:r>
+              <a:rPr lang="es-419"/>
+              <a:t> del </a:t>
+            </a:r>
+            <a:r>
+              <a:rPr lang="es-419"/>
+              <a:t>análisis</a:t>
+            </a:r>
+            <a:r>
+              <a:rPr lang="es-419"/>
+              <a:t> de los datos la mora </a:t>
+            </a:r>
+            <a:r>
+              <a:rPr lang="es-419"/>
+              <a:t>castilla evidenciamos que este proyecto tiene buen potencial para resolver el problema propuesto, las cadenas de Markov son buena herramienta para predecir el comportamiento del precio con el limitante de los pocos datos que tenemos. En la parte de predecir el valor aproximado que puede tener el producto en estudio, el método de Monte Carlo da mejores resultados que los de Series de Tiempo, lo cual puede cambiar al disminuir la incidencia del limitante ya mencionado. Este procedimiento puede ser extendido para mas productos asi presenten o no una gran variabilidad en sus precios.</a:t>
+            </a:r>
+            <a:endParaRPr/>
+          </a:p>
+        </p:txBody>
+      </p:sp>
+      <p:sp>
+        <p:nvSpPr>
+          <p:cNvPr id="217" name="Google Shape;217;p29"/>
+          <p:cNvSpPr txBox="1"/>
+          <p:nvPr>
+            <p:ph idx="12" type="sldNum"/>
+          </p:nvPr>
+        </p:nvSpPr>
+        <p:spPr>
+          <a:xfrm>
+            <a:off x="8460431" y="4651190"/>
+            <a:ext cx="548700" cy="393600"/>
+          </a:xfrm>
+          <a:prstGeom prst="rect">
+            <a:avLst/>
+          </a:prstGeom>
+        </p:spPr>
+        <p:txBody>
+          <a:bodyPr anchorCtr="0" anchor="ctr" bIns="91425" lIns="91425" spcFirstLastPara="1" rIns="91425" wrap="square" tIns="91425">
+            <a:noAutofit/>
+          </a:bodyPr>
+          <a:lstStyle/>
+          <a:p>
+            <a:pPr indent="0" lvl="0" marL="0" rtl="0" algn="r">
+              <a:spcBef>
+                <a:spcPts val="0"/>
+              </a:spcBef>
+              <a:spcAft>
+                <a:spcPts val="0"/>
+              </a:spcAft>
+              <a:buNone/>
+            </a:pPr>
+            <a:fld id="{00000000-1234-1234-1234-123412341234}" type="slidenum">
+              <a:rPr lang="es-419"/>
+              <a:t>‹#›</a:t>
+            </a:fld>
+            <a:endParaRPr/>
+          </a:p>
+        </p:txBody>
+      </p:sp>
+    </p:spTree>
+  </p:cSld>
+  <p:clrMapOvr>
+    <a:masterClrMapping/>
+  </p:clrMapOvr>
+</p:sld>
+</file>
+
+<file path=ppt/slides/slide18.xml><?xml version="1.0" encoding="utf-8"?>
+<p:sld xmlns:a="http://schemas.openxmlformats.org/drawingml/2006/main" xmlns:r="http://schemas.openxmlformats.org/officeDocument/2006/relationships" xmlns:mc="http://schemas.openxmlformats.org/markup-compatibility/2006" xmlns:mv="urn:schemas-microsoft-com:mac:vml" xmlns:p="http://schemas.openxmlformats.org/presentationml/2006/main" xmlns:c="http://schemas.openxmlformats.org/drawingml/2006/chart" xmlns:dgm="http://schemas.openxmlformats.org/drawingml/2006/diagram" xmlns:o="urn:schemas-microsoft-com:office:office" xmlns:v="urn:schemas-microsoft-com:vml" xmlns:pvml="urn:schemas-microsoft-com:office:powerpoint" xmlns:com="http://schemas.openxmlformats.org/drawingml/2006/compatibility" xmlns:p14="http://schemas.microsoft.com/office/powerpoint/2010/main" xmlns:p15="http://schemas.microsoft.com/office/powerpoint/2012/main">
+  <p:cSld>
+    <p:spTree>
+      <p:nvGrpSpPr>
+        <p:cNvPr id="221" name="Shape 221"/>
+        <p:cNvGrpSpPr/>
+        <p:nvPr/>
+      </p:nvGrpSpPr>
+      <p:grpSpPr>
+        <a:xfrm>
+          <a:off x="0" y="0"/>
+          <a:ext cx="0" cy="0"/>
+          <a:chOff x="0" y="0"/>
+          <a:chExt cx="0" cy="0"/>
+        </a:xfrm>
+      </p:grpSpPr>
+      <p:sp>
+        <p:nvSpPr>
+          <p:cNvPr id="222" name="Google Shape;222;p30"/>
+          <p:cNvSpPr txBox="1"/>
+          <p:nvPr>
+            <p:ph type="title"/>
+          </p:nvPr>
+        </p:nvSpPr>
+        <p:spPr>
+          <a:xfrm>
+            <a:off x="311700" y="410000"/>
+            <a:ext cx="8520600" cy="607800"/>
+          </a:xfrm>
+          <a:prstGeom prst="rect">
+            <a:avLst/>
+          </a:prstGeom>
+        </p:spPr>
+        <p:txBody>
+          <a:bodyPr anchorCtr="0" anchor="t" bIns="91425" lIns="91425" spcFirstLastPara="1" rIns="91425" wrap="square" tIns="91425">
+            <a:noAutofit/>
+          </a:bodyPr>
+          <a:lstStyle/>
+          <a:p>
+            <a:pPr indent="0" lvl="0" marL="0" rtl="0" algn="l">
+              <a:spcBef>
+                <a:spcPts val="0"/>
+              </a:spcBef>
+              <a:spcAft>
+                <a:spcPts val="0"/>
+              </a:spcAft>
+              <a:buNone/>
+            </a:pPr>
+            <a:r>
+              <a:rPr lang="es-419"/>
+              <a:t>Referencias:</a:t>
+            </a:r>
+            <a:endParaRPr/>
+          </a:p>
+        </p:txBody>
+      </p:sp>
+      <p:sp>
+        <p:nvSpPr>
+          <p:cNvPr id="223" name="Google Shape;223;p30"/>
+          <p:cNvSpPr txBox="1"/>
+          <p:nvPr>
+            <p:ph idx="1" type="body"/>
+          </p:nvPr>
+        </p:nvSpPr>
+        <p:spPr>
+          <a:xfrm>
+            <a:off x="218025" y="1267350"/>
+            <a:ext cx="7708200" cy="3339000"/>
+          </a:xfrm>
+          <a:prstGeom prst="rect">
+            <a:avLst/>
+          </a:prstGeom>
+        </p:spPr>
+        <p:txBody>
+          <a:bodyPr anchorCtr="0" anchor="t" bIns="91425" lIns="91425" spcFirstLastPara="1" rIns="91425" wrap="square" tIns="91425">
+            <a:noAutofit/>
+          </a:bodyPr>
+          <a:lstStyle/>
+          <a:p>
+            <a:pPr indent="-342900" lvl="0" marL="457200" rtl="0" algn="l">
+              <a:spcBef>
+                <a:spcPts val="0"/>
+              </a:spcBef>
+              <a:spcAft>
+                <a:spcPts val="0"/>
+              </a:spcAft>
+              <a:buClr>
+                <a:srgbClr val="434343"/>
+              </a:buClr>
+              <a:buSzPts val="1800"/>
+              <a:buChar char="●"/>
+            </a:pPr>
+            <a:r>
+              <a:rPr lang="es-419">
+                <a:solidFill>
+                  <a:srgbClr val="434343"/>
+                </a:solidFill>
+              </a:rPr>
+              <a:t>https://www.centroabastos.com/index.php/es/historico-de-precios?showall=1&amp;limitstart=</a:t>
+            </a:r>
+            <a:endParaRPr>
+              <a:solidFill>
+                <a:srgbClr val="434343"/>
+              </a:solidFill>
+            </a:endParaRPr>
+          </a:p>
+        </p:txBody>
+      </p:sp>
+      <p:sp>
+        <p:nvSpPr>
+          <p:cNvPr id="224" name="Google Shape;224;p30"/>
+          <p:cNvSpPr txBox="1"/>
+          <p:nvPr>
+            <p:ph idx="12" type="sldNum"/>
+          </p:nvPr>
+        </p:nvSpPr>
+        <p:spPr>
+          <a:xfrm>
+            <a:off x="8460431" y="4651190"/>
+            <a:ext cx="548700" cy="393600"/>
+          </a:xfrm>
+          <a:prstGeom prst="rect">
+            <a:avLst/>
+          </a:prstGeom>
+        </p:spPr>
+        <p:txBody>
+          <a:bodyPr anchorCtr="0" anchor="ctr" bIns="91425" lIns="91425" spcFirstLastPara="1" rIns="91425" wrap="square" tIns="91425">
+            <a:noAutofit/>
+          </a:bodyPr>
+          <a:lstStyle/>
+          <a:p>
+            <a:pPr indent="0" lvl="0" marL="0" rtl="0" algn="r">
+              <a:spcBef>
+                <a:spcPts val="0"/>
+              </a:spcBef>
+              <a:spcAft>
+                <a:spcPts val="0"/>
+              </a:spcAft>
+              <a:buNone/>
+            </a:pPr>
+            <a:fld id="{00000000-1234-1234-1234-123412341234}" type="slidenum">
+              <a:rPr lang="es-419"/>
+              <a:t>‹#›</a:t>
+            </a:fld>
+            <a:endParaRPr/>
+          </a:p>
+        </p:txBody>
+      </p:sp>
+    </p:spTree>
+  </p:cSld>
+  <p:clrMapOvr>
+    <a:masterClrMapping/>
+  </p:clrMapOvr>
+</p:sld>
+</file>
+
+<file path=ppt/slides/slide2.xml><?xml version="1.0" encoding="utf-8"?>
+<p:sld xmlns:a="http://schemas.openxmlformats.org/drawingml/2006/main" xmlns:r="http://schemas.openxmlformats.org/officeDocument/2006/relationships" xmlns:mc="http://schemas.openxmlformats.org/markup-compatibility/2006" xmlns:mv="urn:schemas-microsoft-com:mac:vml" xmlns:p="http://schemas.openxmlformats.org/presentationml/2006/main" xmlns:c="http://schemas.openxmlformats.org/drawingml/2006/chart" xmlns:dgm="http://schemas.openxmlformats.org/drawingml/2006/diagram" xmlns:o="urn:schemas-microsoft-com:office:office" xmlns:v="urn:schemas-microsoft-com:vml" xmlns:pvml="urn:schemas-microsoft-com:office:powerpoint" xmlns:com="http://schemas.openxmlformats.org/drawingml/2006/compatibility" xmlns:p14="http://schemas.microsoft.com/office/powerpoint/2010/main" xmlns:p15="http://schemas.microsoft.com/office/powerpoint/2012/main">
+  <p:cSld>
+    <p:spTree>
+      <p:nvGrpSpPr>
+        <p:cNvPr id="91" name="Shape 91"/>
+        <p:cNvGrpSpPr/>
+        <p:nvPr/>
+      </p:nvGrpSpPr>
+      <p:grpSpPr>
+        <a:xfrm>
+          <a:off x="0" y="0"/>
+          <a:ext cx="0" cy="0"/>
+          <a:chOff x="0" y="0"/>
+          <a:chExt cx="0" cy="0"/>
+        </a:xfrm>
+      </p:grpSpPr>
+      <p:sp>
+        <p:nvSpPr>
+          <p:cNvPr id="92" name="Google Shape;92;p14"/>
+          <p:cNvSpPr txBox="1"/>
+          <p:nvPr>
+            <p:ph type="title"/>
+          </p:nvPr>
+        </p:nvSpPr>
+        <p:spPr>
+          <a:xfrm>
+            <a:off x="311700" y="457200"/>
+            <a:ext cx="8520600" cy="607800"/>
+          </a:xfrm>
+          <a:prstGeom prst="rect">
+            <a:avLst/>
+          </a:prstGeom>
+        </p:spPr>
+        <p:txBody>
+          <a:bodyPr anchorCtr="0" anchor="t" bIns="91425" lIns="91425" spcFirstLastPara="1" rIns="91425" wrap="square" tIns="91425">
+            <a:noAutofit/>
+          </a:bodyPr>
+          <a:lstStyle/>
+          <a:p>
+            <a:pPr indent="0" lvl="0" marL="0" rtl="0" algn="l">
+              <a:spcBef>
+                <a:spcPts val="0"/>
+              </a:spcBef>
+              <a:spcAft>
+                <a:spcPts val="0"/>
+              </a:spcAft>
+              <a:buNone/>
+            </a:pPr>
+            <a:r>
+              <a:rPr lang="es-419"/>
+              <a:t>PROBLEMA  </a:t>
+            </a:r>
+            <a:endParaRPr/>
+          </a:p>
+        </p:txBody>
+      </p:sp>
+      <p:sp>
+        <p:nvSpPr>
+          <p:cNvPr id="93" name="Google Shape;93;p14"/>
+          <p:cNvSpPr txBox="1"/>
+          <p:nvPr>
+            <p:ph idx="1" type="body"/>
+          </p:nvPr>
+        </p:nvSpPr>
+        <p:spPr>
+          <a:xfrm>
+            <a:off x="311700" y="1131050"/>
+            <a:ext cx="8229600" cy="819000"/>
+          </a:xfrm>
+          <a:prstGeom prst="rect">
+            <a:avLst/>
+          </a:prstGeom>
+        </p:spPr>
+        <p:txBody>
+          <a:bodyPr anchorCtr="0" anchor="t" bIns="91425" lIns="91425" spcFirstLastPara="1" rIns="91425" wrap="square" tIns="91425">
+            <a:noAutofit/>
+          </a:bodyPr>
+          <a:lstStyle/>
+          <a:p>
+            <a:pPr indent="0" lvl="0" marL="0" rtl="0" algn="just">
+              <a:spcBef>
+                <a:spcPts val="0"/>
+              </a:spcBef>
+              <a:spcAft>
+                <a:spcPts val="0"/>
+              </a:spcAft>
+              <a:buNone/>
+            </a:pPr>
+            <a:r>
+              <a:rPr lang="es-419"/>
+              <a:t>Se busco en el entorno un problema o </a:t>
+            </a:r>
+            <a:r>
+              <a:rPr lang="es-419"/>
+              <a:t>temática</a:t>
+            </a:r>
+            <a:r>
+              <a:rPr lang="es-419"/>
+              <a:t> en la cual se pueda aplicar la </a:t>
+            </a:r>
+            <a:r>
+              <a:rPr lang="es-419"/>
+              <a:t>simulación</a:t>
+            </a:r>
+            <a:r>
+              <a:rPr lang="es-419"/>
+              <a:t> digital mediante diversos </a:t>
+            </a:r>
+            <a:r>
+              <a:rPr lang="es-419"/>
+              <a:t>métodos</a:t>
+            </a:r>
+            <a:r>
+              <a:rPr lang="es-419"/>
+              <a:t>.</a:t>
+            </a:r>
+            <a:endParaRPr/>
+          </a:p>
+          <a:p>
+            <a:pPr indent="0" lvl="0" marL="0" rtl="0" algn="just">
+              <a:spcBef>
+                <a:spcPts val="1600"/>
+              </a:spcBef>
+              <a:spcAft>
+                <a:spcPts val="1600"/>
+              </a:spcAft>
+              <a:buNone/>
+            </a:pPr>
+            <a:r>
+              <a:t/>
+            </a:r>
+            <a:endParaRPr/>
+          </a:p>
+        </p:txBody>
+      </p:sp>
+      <p:pic>
+        <p:nvPicPr>
+          <p:cNvPr id="94" name="Google Shape;94;p14"/>
+          <p:cNvPicPr preferRelativeResize="0"/>
+          <p:nvPr/>
+        </p:nvPicPr>
+        <p:blipFill>
+          <a:blip r:embed="rId3">
+            <a:alphaModFix/>
+          </a:blip>
+          <a:stretch>
+            <a:fillRect/>
+          </a:stretch>
+        </p:blipFill>
+        <p:spPr>
+          <a:xfrm>
+            <a:off x="5053675" y="1950050"/>
+            <a:ext cx="3778626" cy="2302800"/>
+          </a:xfrm>
+          <a:prstGeom prst="rect">
+            <a:avLst/>
+          </a:prstGeom>
+          <a:noFill/>
+          <a:ln>
+            <a:noFill/>
+          </a:ln>
+        </p:spPr>
+      </p:pic>
+      <p:sp>
+        <p:nvSpPr>
+          <p:cNvPr id="95" name="Google Shape;95;p14"/>
+          <p:cNvSpPr txBox="1"/>
+          <p:nvPr/>
+        </p:nvSpPr>
+        <p:spPr>
+          <a:xfrm>
+            <a:off x="311700" y="2124175"/>
+            <a:ext cx="4332000" cy="2302800"/>
+          </a:xfrm>
+          <a:prstGeom prst="rect">
+            <a:avLst/>
+          </a:prstGeom>
+          <a:noFill/>
+          <a:ln>
+            <a:noFill/>
+          </a:ln>
+        </p:spPr>
+        <p:txBody>
+          <a:bodyPr anchorCtr="0" anchor="t" bIns="91425" lIns="91425" spcFirstLastPara="1" rIns="91425" wrap="square" tIns="91425">
+            <a:noAutofit/>
+          </a:bodyPr>
+          <a:lstStyle/>
+          <a:p>
+            <a:pPr indent="0" lvl="0" marL="0" rtl="0" algn="just">
+              <a:lnSpc>
+                <a:spcPct val="115000"/>
+              </a:lnSpc>
+              <a:spcBef>
+                <a:spcPts val="0"/>
+              </a:spcBef>
+              <a:spcAft>
+                <a:spcPts val="1600"/>
+              </a:spcAft>
+              <a:buNone/>
+            </a:pPr>
+            <a:r>
+              <a:rPr lang="es-419" sz="1800">
+                <a:solidFill>
+                  <a:schemeClr val="dk2"/>
+                </a:solidFill>
+                <a:latin typeface="Roboto"/>
+                <a:ea typeface="Roboto"/>
+                <a:cs typeface="Roboto"/>
+                <a:sym typeface="Roboto"/>
+              </a:rPr>
+              <a:t>Se determinó la venta de productos agrícolas y su comportamiento en el mercado y la variación de precios para tener una estimación de su viabilidad para compras futuras. </a:t>
+            </a:r>
+            <a:endParaRPr>
+              <a:latin typeface="Roboto"/>
+              <a:ea typeface="Roboto"/>
+              <a:cs typeface="Roboto"/>
+              <a:sym typeface="Roboto"/>
+            </a:endParaRPr>
+          </a:p>
+        </p:txBody>
+      </p:sp>
+      <p:sp>
+        <p:nvSpPr>
+          <p:cNvPr id="96" name="Google Shape;96;p14"/>
+          <p:cNvSpPr txBox="1"/>
+          <p:nvPr>
+            <p:ph idx="12" type="sldNum"/>
+          </p:nvPr>
+        </p:nvSpPr>
+        <p:spPr>
+          <a:xfrm>
+            <a:off x="8460431" y="4651190"/>
+            <a:ext cx="548700" cy="393600"/>
+          </a:xfrm>
+          <a:prstGeom prst="rect">
+            <a:avLst/>
+          </a:prstGeom>
+        </p:spPr>
+        <p:txBody>
+          <a:bodyPr anchorCtr="0" anchor="ctr" bIns="91425" lIns="91425" spcFirstLastPara="1" rIns="91425" wrap="square" tIns="91425">
+            <a:noAutofit/>
+          </a:bodyPr>
+          <a:lstStyle/>
+          <a:p>
+            <a:pPr indent="0" lvl="0" marL="0" rtl="0" algn="r">
+              <a:spcBef>
+                <a:spcPts val="0"/>
+              </a:spcBef>
+              <a:spcAft>
+                <a:spcPts val="0"/>
+              </a:spcAft>
+              <a:buNone/>
+            </a:pPr>
+            <a:fld id="{00000000-1234-1234-1234-123412341234}" type="slidenum">
+              <a:rPr lang="es-419"/>
+              <a:t>‹#›</a:t>
+            </a:fld>
+            <a:endParaRPr/>
+          </a:p>
+        </p:txBody>
+      </p:sp>
+    </p:spTree>
+  </p:cSld>
+  <p:clrMapOvr>
+    <a:masterClrMapping/>
+  </p:clrMapOvr>
+</p:sld>
+</file>
+
+<file path=ppt/slides/slide3.xml><?xml version="1.0" encoding="utf-8"?>
+<p:sld xmlns:a="http://schemas.openxmlformats.org/drawingml/2006/main" xmlns:r="http://schemas.openxmlformats.org/officeDocument/2006/relationships" xmlns:mc="http://schemas.openxmlformats.org/markup-compatibility/2006" xmlns:mv="urn:schemas-microsoft-com:mac:vml" xmlns:p="http://schemas.openxmlformats.org/presentationml/2006/main" xmlns:c="http://schemas.openxmlformats.org/drawingml/2006/chart" xmlns:dgm="http://schemas.openxmlformats.org/drawingml/2006/diagram" xmlns:o="urn:schemas-microsoft-com:office:office" xmlns:v="urn:schemas-microsoft-com:vml" xmlns:pvml="urn:schemas-microsoft-com:office:powerpoint" xmlns:com="http://schemas.openxmlformats.org/drawingml/2006/compatibility" xmlns:p14="http://schemas.microsoft.com/office/powerpoint/2010/main" xmlns:p15="http://schemas.microsoft.com/office/powerpoint/2012/main">
+  <p:cSld>
+    <p:spTree>
+      <p:nvGrpSpPr>
+        <p:cNvPr id="100" name="Shape 100"/>
+        <p:cNvGrpSpPr/>
+        <p:nvPr/>
+      </p:nvGrpSpPr>
+      <p:grpSpPr>
+        <a:xfrm>
+          <a:off x="0" y="0"/>
+          <a:ext cx="0" cy="0"/>
+          <a:chOff x="0" y="0"/>
+          <a:chExt cx="0" cy="0"/>
+        </a:xfrm>
+      </p:grpSpPr>
+      <p:sp>
+        <p:nvSpPr>
+          <p:cNvPr id="101" name="Google Shape;101;p15"/>
+          <p:cNvSpPr txBox="1"/>
+          <p:nvPr>
+            <p:ph type="title"/>
+          </p:nvPr>
+        </p:nvSpPr>
+        <p:spPr>
+          <a:xfrm>
+            <a:off x="311700" y="410000"/>
+            <a:ext cx="8520600" cy="607800"/>
+          </a:xfrm>
+          <a:prstGeom prst="rect">
+            <a:avLst/>
+          </a:prstGeom>
+        </p:spPr>
+        <p:txBody>
+          <a:bodyPr anchorCtr="0" anchor="t" bIns="91425" lIns="91425" spcFirstLastPara="1" rIns="91425" wrap="square" tIns="91425">
+            <a:noAutofit/>
+          </a:bodyPr>
+          <a:lstStyle/>
+          <a:p>
+            <a:pPr indent="0" lvl="0" marL="0" rtl="0" algn="l">
+              <a:spcBef>
+                <a:spcPts val="0"/>
+              </a:spcBef>
+              <a:spcAft>
+                <a:spcPts val="0"/>
+              </a:spcAft>
+              <a:buNone/>
+            </a:pPr>
+            <a:r>
+              <a:rPr lang="es-419"/>
+              <a:t>TRATAMIENTO</a:t>
+            </a:r>
+            <a:endParaRPr/>
+          </a:p>
+        </p:txBody>
+      </p:sp>
+      <p:sp>
+        <p:nvSpPr>
+          <p:cNvPr id="102" name="Google Shape;102;p15"/>
+          <p:cNvSpPr txBox="1"/>
+          <p:nvPr>
+            <p:ph idx="1" type="body"/>
+          </p:nvPr>
+        </p:nvSpPr>
+        <p:spPr>
+          <a:xfrm>
+            <a:off x="311700" y="1163825"/>
+            <a:ext cx="8520600" cy="866100"/>
+          </a:xfrm>
+          <a:prstGeom prst="rect">
+            <a:avLst/>
+          </a:prstGeom>
+        </p:spPr>
+        <p:txBody>
+          <a:bodyPr anchorCtr="0" anchor="t" bIns="91425" lIns="91425" spcFirstLastPara="1" rIns="91425" wrap="square" tIns="91425">
+            <a:noAutofit/>
+          </a:bodyPr>
+          <a:lstStyle/>
+          <a:p>
+            <a:pPr indent="0" lvl="0" marL="0" rtl="0" algn="l">
+              <a:spcBef>
+                <a:spcPts val="0"/>
+              </a:spcBef>
+              <a:spcAft>
+                <a:spcPts val="1600"/>
+              </a:spcAft>
+              <a:buNone/>
+            </a:pPr>
+            <a:r>
+              <a:rPr lang="es-419"/>
+              <a:t>Se </a:t>
+            </a:r>
+            <a:r>
+              <a:rPr lang="es-419"/>
+              <a:t>elaboró</a:t>
+            </a:r>
+            <a:r>
+              <a:rPr lang="es-419"/>
+              <a:t> un dataSet en base a datos obtenidos de los </a:t>
+            </a:r>
+            <a:r>
+              <a:rPr lang="es-419"/>
+              <a:t>históricos</a:t>
+            </a:r>
+            <a:r>
+              <a:rPr lang="es-419"/>
+              <a:t> de precios de diversos productos de la central de abastos de bucaramanga CentroAbastos </a:t>
+            </a:r>
+            <a:endParaRPr/>
+          </a:p>
+        </p:txBody>
+      </p:sp>
+      <p:pic>
+        <p:nvPicPr>
+          <p:cNvPr id="103" name="Google Shape;103;p15"/>
+          <p:cNvPicPr preferRelativeResize="0"/>
+          <p:nvPr/>
+        </p:nvPicPr>
+        <p:blipFill>
+          <a:blip r:embed="rId3">
+            <a:alphaModFix/>
+          </a:blip>
+          <a:stretch>
+            <a:fillRect/>
+          </a:stretch>
+        </p:blipFill>
+        <p:spPr>
+          <a:xfrm>
+            <a:off x="4384275" y="1963850"/>
+            <a:ext cx="4539400" cy="2850150"/>
+          </a:xfrm>
+          <a:prstGeom prst="rect">
+            <a:avLst/>
+          </a:prstGeom>
+          <a:noFill/>
+          <a:ln>
+            <a:noFill/>
+          </a:ln>
+        </p:spPr>
+      </p:pic>
+      <p:sp>
+        <p:nvSpPr>
+          <p:cNvPr id="104" name="Google Shape;104;p15"/>
+          <p:cNvSpPr txBox="1"/>
+          <p:nvPr/>
+        </p:nvSpPr>
+        <p:spPr>
+          <a:xfrm>
+            <a:off x="311700" y="2692200"/>
+            <a:ext cx="4156200" cy="1092900"/>
+          </a:xfrm>
+          <a:prstGeom prst="rect">
+            <a:avLst/>
+          </a:prstGeom>
+          <a:noFill/>
+          <a:ln>
+            <a:noFill/>
+          </a:ln>
+        </p:spPr>
+        <p:txBody>
+          <a:bodyPr anchorCtr="0" anchor="t" bIns="91425" lIns="91425" spcFirstLastPara="1" rIns="91425" wrap="square" tIns="91425">
+            <a:noAutofit/>
+          </a:bodyPr>
+          <a:lstStyle/>
+          <a:p>
+            <a:pPr indent="0" lvl="0" marL="0" rtl="0" algn="l">
+              <a:spcBef>
+                <a:spcPts val="0"/>
+              </a:spcBef>
+              <a:spcAft>
+                <a:spcPts val="0"/>
+              </a:spcAft>
+              <a:buNone/>
+            </a:pPr>
+            <a:r>
+              <a:rPr lang="es-419" sz="1800">
+                <a:solidFill>
+                  <a:srgbClr val="434343"/>
+                </a:solidFill>
+                <a:latin typeface="Roboto"/>
+                <a:ea typeface="Roboto"/>
+                <a:cs typeface="Roboto"/>
+                <a:sym typeface="Roboto"/>
+              </a:rPr>
+              <a:t>Producto: Mora Castilla.</a:t>
+            </a:r>
+            <a:endParaRPr sz="1800">
+              <a:solidFill>
+                <a:srgbClr val="434343"/>
+              </a:solidFill>
+              <a:latin typeface="Roboto"/>
+              <a:ea typeface="Roboto"/>
+              <a:cs typeface="Roboto"/>
+              <a:sym typeface="Roboto"/>
+            </a:endParaRPr>
+          </a:p>
+          <a:p>
+            <a:pPr indent="0" lvl="0" marL="0" rtl="0" algn="l">
+              <a:spcBef>
+                <a:spcPts val="0"/>
+              </a:spcBef>
+              <a:spcAft>
+                <a:spcPts val="0"/>
+              </a:spcAft>
+              <a:buNone/>
+            </a:pPr>
+            <a:r>
+              <a:rPr lang="es-419" sz="1800">
+                <a:solidFill>
+                  <a:srgbClr val="434343"/>
+                </a:solidFill>
+                <a:latin typeface="Roboto"/>
+                <a:ea typeface="Roboto"/>
+                <a:cs typeface="Roboto"/>
+                <a:sym typeface="Roboto"/>
+              </a:rPr>
+              <a:t>fecha: 01/06/2018 hasta 05/03/2020.</a:t>
+            </a:r>
+            <a:endParaRPr sz="1800">
+              <a:solidFill>
+                <a:srgbClr val="434343"/>
+              </a:solidFill>
+              <a:latin typeface="Roboto"/>
+              <a:ea typeface="Roboto"/>
+              <a:cs typeface="Roboto"/>
+              <a:sym typeface="Roboto"/>
+            </a:endParaRPr>
+          </a:p>
+          <a:p>
+            <a:pPr indent="0" lvl="0" marL="0" rtl="0" algn="l">
+              <a:spcBef>
+                <a:spcPts val="0"/>
+              </a:spcBef>
+              <a:spcAft>
+                <a:spcPts val="0"/>
+              </a:spcAft>
+              <a:buNone/>
+            </a:pPr>
+            <a:r>
+              <a:rPr lang="es-419" sz="1800">
+                <a:solidFill>
+                  <a:srgbClr val="434343"/>
+                </a:solidFill>
+                <a:latin typeface="Roboto"/>
+                <a:ea typeface="Roboto"/>
+                <a:cs typeface="Roboto"/>
+                <a:sym typeface="Roboto"/>
+              </a:rPr>
+              <a:t>precio: precio venta por arroba.</a:t>
+            </a:r>
+            <a:endParaRPr sz="1800">
+              <a:solidFill>
+                <a:srgbClr val="434343"/>
+              </a:solidFill>
+              <a:latin typeface="Roboto"/>
+              <a:ea typeface="Roboto"/>
+              <a:cs typeface="Roboto"/>
+              <a:sym typeface="Roboto"/>
+            </a:endParaRPr>
+          </a:p>
+          <a:p>
+            <a:pPr indent="0" lvl="0" marL="0" rtl="0" algn="l">
+              <a:spcBef>
+                <a:spcPts val="0"/>
+              </a:spcBef>
+              <a:spcAft>
+                <a:spcPts val="0"/>
+              </a:spcAft>
+              <a:buNone/>
+            </a:pPr>
+            <a:r>
+              <a:t/>
+            </a:r>
+            <a:endParaRPr sz="1800">
+              <a:solidFill>
+                <a:srgbClr val="434343"/>
+              </a:solidFill>
+              <a:latin typeface="Roboto"/>
+              <a:ea typeface="Roboto"/>
+              <a:cs typeface="Roboto"/>
+              <a:sym typeface="Roboto"/>
+            </a:endParaRPr>
+          </a:p>
+        </p:txBody>
+      </p:sp>
+      <p:sp>
+        <p:nvSpPr>
+          <p:cNvPr id="105" name="Google Shape;105;p15"/>
+          <p:cNvSpPr txBox="1"/>
+          <p:nvPr>
+            <p:ph idx="12" type="sldNum"/>
+          </p:nvPr>
+        </p:nvSpPr>
+        <p:spPr>
+          <a:xfrm>
+            <a:off x="8460431" y="4651190"/>
+            <a:ext cx="548700" cy="393600"/>
+          </a:xfrm>
+          <a:prstGeom prst="rect">
+            <a:avLst/>
+          </a:prstGeom>
+        </p:spPr>
+        <p:txBody>
+          <a:bodyPr anchorCtr="0" anchor="ctr" bIns="91425" lIns="91425" spcFirstLastPara="1" rIns="91425" wrap="square" tIns="91425">
+            <a:noAutofit/>
+          </a:bodyPr>
+          <a:lstStyle/>
+          <a:p>
+            <a:pPr indent="0" lvl="0" marL="0" rtl="0" algn="r">
+              <a:spcBef>
+                <a:spcPts val="0"/>
+              </a:spcBef>
+              <a:spcAft>
+                <a:spcPts val="0"/>
+              </a:spcAft>
+              <a:buNone/>
+            </a:pPr>
+            <a:fld id="{00000000-1234-1234-1234-123412341234}" type="slidenum">
+              <a:rPr lang="es-419"/>
+              <a:t>‹#›</a:t>
+            </a:fld>
+            <a:endParaRPr/>
+          </a:p>
+        </p:txBody>
+      </p:sp>
+    </p:spTree>
+  </p:cSld>
+  <p:clrMapOvr>
+    <a:masterClrMapping/>
+  </p:clrMapOvr>
+</p:sld>
+</file>
+
+<file path=ppt/slides/slide4.xml><?xml version="1.0" encoding="utf-8"?>
+<p:sld xmlns:a="http://schemas.openxmlformats.org/drawingml/2006/main" xmlns:r="http://schemas.openxmlformats.org/officeDocument/2006/relationships" xmlns:mc="http://schemas.openxmlformats.org/markup-compatibility/2006" xmlns:mv="urn:schemas-microsoft-com:mac:vml" xmlns:p="http://schemas.openxmlformats.org/presentationml/2006/main" xmlns:c="http://schemas.openxmlformats.org/drawingml/2006/chart" xmlns:dgm="http://schemas.openxmlformats.org/drawingml/2006/diagram" xmlns:o="urn:schemas-microsoft-com:office:office" xmlns:v="urn:schemas-microsoft-com:vml" xmlns:pvml="urn:schemas-microsoft-com:office:powerpoint" xmlns:com="http://schemas.openxmlformats.org/drawingml/2006/compatibility" xmlns:p14="http://schemas.microsoft.com/office/powerpoint/2010/main" xmlns:p15="http://schemas.microsoft.com/office/powerpoint/2012/main">
+  <p:cSld>
+    <p:spTree>
+      <p:nvGrpSpPr>
+        <p:cNvPr id="109" name="Shape 109"/>
+        <p:cNvGrpSpPr/>
+        <p:nvPr/>
+      </p:nvGrpSpPr>
+      <p:grpSpPr>
+        <a:xfrm>
+          <a:off x="0" y="0"/>
+          <a:ext cx="0" cy="0"/>
+          <a:chOff x="0" y="0"/>
+          <a:chExt cx="0" cy="0"/>
+        </a:xfrm>
+      </p:grpSpPr>
+      <p:sp>
+        <p:nvSpPr>
+          <p:cNvPr id="110" name="Google Shape;110;p16"/>
+          <p:cNvSpPr txBox="1"/>
+          <p:nvPr>
+            <p:ph type="title"/>
+          </p:nvPr>
+        </p:nvSpPr>
+        <p:spPr>
+          <a:xfrm>
+            <a:off x="311700" y="410000"/>
+            <a:ext cx="8520600" cy="607800"/>
+          </a:xfrm>
+          <a:prstGeom prst="rect">
+            <a:avLst/>
+          </a:prstGeom>
+        </p:spPr>
+        <p:txBody>
+          <a:bodyPr anchorCtr="0" anchor="t" bIns="91425" lIns="91425" spcFirstLastPara="1" rIns="91425" wrap="square" tIns="91425">
+            <a:noAutofit/>
+          </a:bodyPr>
+          <a:lstStyle/>
+          <a:p>
+            <a:pPr indent="0" lvl="0" marL="0" rtl="0" algn="l">
+              <a:spcBef>
+                <a:spcPts val="0"/>
+              </a:spcBef>
+              <a:spcAft>
+                <a:spcPts val="0"/>
+              </a:spcAft>
+              <a:buNone/>
+            </a:pPr>
+            <a:r>
+              <a:rPr lang="es-419"/>
+              <a:t>APLICACIÓN DE </a:t>
+            </a:r>
+            <a:r>
+              <a:rPr lang="es-419"/>
+              <a:t>MÉTODOS</a:t>
+            </a:r>
+            <a:endParaRPr/>
+          </a:p>
+        </p:txBody>
+      </p:sp>
+      <p:sp>
+        <p:nvSpPr>
+          <p:cNvPr id="111" name="Google Shape;111;p16"/>
+          <p:cNvSpPr txBox="1"/>
+          <p:nvPr>
+            <p:ph idx="1" type="body"/>
+          </p:nvPr>
+        </p:nvSpPr>
+        <p:spPr>
+          <a:xfrm>
+            <a:off x="311700" y="1229875"/>
+            <a:ext cx="8520600" cy="3339000"/>
+          </a:xfrm>
+          <a:prstGeom prst="rect">
+            <a:avLst/>
+          </a:prstGeom>
+        </p:spPr>
+        <p:txBody>
+          <a:bodyPr anchorCtr="0" anchor="t" bIns="91425" lIns="91425" spcFirstLastPara="1" rIns="91425" wrap="square" tIns="91425">
+            <a:noAutofit/>
+          </a:bodyPr>
+          <a:lstStyle/>
+          <a:p>
+            <a:pPr indent="0" lvl="0" marL="0" rtl="0" algn="l">
+              <a:spcBef>
+                <a:spcPts val="0"/>
+              </a:spcBef>
+              <a:spcAft>
+                <a:spcPts val="0"/>
+              </a:spcAft>
+              <a:buNone/>
+            </a:pPr>
+            <a:r>
+              <a:rPr lang="es-419"/>
+              <a:t>A </a:t>
+            </a:r>
+            <a:r>
+              <a:rPr lang="es-419"/>
+              <a:t>continuación</a:t>
+            </a:r>
+            <a:r>
+              <a:rPr lang="es-419"/>
+              <a:t> se aplican los siguientes </a:t>
+            </a:r>
+            <a:r>
+              <a:rPr lang="es-419"/>
+              <a:t>métodos</a:t>
+            </a:r>
+            <a:r>
+              <a:rPr lang="es-419"/>
+              <a:t> para predecir u observar el comportamiento del precio de venta de la mora.</a:t>
+            </a:r>
+            <a:endParaRPr/>
+          </a:p>
+          <a:p>
+            <a:pPr indent="-342900" lvl="0" marL="457200" rtl="0" algn="l">
+              <a:spcBef>
+                <a:spcPts val="1600"/>
+              </a:spcBef>
+              <a:spcAft>
+                <a:spcPts val="0"/>
+              </a:spcAft>
+              <a:buSzPts val="1800"/>
+              <a:buChar char="●"/>
+            </a:pPr>
+            <a:r>
+              <a:rPr lang="es-419"/>
+              <a:t>Cadena de Markov.</a:t>
+            </a:r>
+            <a:endParaRPr/>
+          </a:p>
+          <a:p>
+            <a:pPr indent="-342900" lvl="0" marL="457200" rtl="0" algn="l">
+              <a:spcBef>
+                <a:spcPts val="0"/>
+              </a:spcBef>
+              <a:spcAft>
+                <a:spcPts val="0"/>
+              </a:spcAft>
+              <a:buSzPts val="1800"/>
+              <a:buChar char="●"/>
+            </a:pPr>
+            <a:r>
+              <a:rPr lang="es-419"/>
+              <a:t>Series de tiempo. </a:t>
+            </a:r>
+            <a:endParaRPr/>
+          </a:p>
+          <a:p>
+            <a:pPr indent="-317500" lvl="1" marL="914400" rtl="0" algn="l">
+              <a:spcBef>
+                <a:spcPts val="0"/>
+              </a:spcBef>
+              <a:spcAft>
+                <a:spcPts val="0"/>
+              </a:spcAft>
+              <a:buSzPts val="1400"/>
+              <a:buChar char="○"/>
+            </a:pPr>
+            <a:r>
+              <a:rPr lang="es-419"/>
+              <a:t>ARIMA.</a:t>
+            </a:r>
+            <a:endParaRPr/>
+          </a:p>
+          <a:p>
+            <a:pPr indent="-317500" lvl="1" marL="914400" rtl="0" algn="l">
+              <a:spcBef>
+                <a:spcPts val="0"/>
+              </a:spcBef>
+              <a:spcAft>
+                <a:spcPts val="0"/>
+              </a:spcAft>
+              <a:buSzPts val="1400"/>
+              <a:buChar char="○"/>
+            </a:pPr>
+            <a:r>
+              <a:rPr lang="es-419"/>
+              <a:t>Métodos de Suavizado.</a:t>
+            </a:r>
+            <a:endParaRPr/>
+          </a:p>
+          <a:p>
+            <a:pPr indent="-342900" lvl="0" marL="457200" rtl="0" algn="l">
+              <a:spcBef>
+                <a:spcPts val="0"/>
+              </a:spcBef>
+              <a:spcAft>
+                <a:spcPts val="0"/>
+              </a:spcAft>
+              <a:buSzPts val="1800"/>
+              <a:buChar char="●"/>
+            </a:pPr>
+            <a:r>
+              <a:rPr lang="es-419"/>
+              <a:t>Monte Carlo.</a:t>
+            </a:r>
+            <a:endParaRPr/>
+          </a:p>
+        </p:txBody>
+      </p:sp>
+      <p:sp>
+        <p:nvSpPr>
+          <p:cNvPr id="112" name="Google Shape;112;p16"/>
+          <p:cNvSpPr txBox="1"/>
+          <p:nvPr>
+            <p:ph idx="12" type="sldNum"/>
+          </p:nvPr>
+        </p:nvSpPr>
+        <p:spPr>
+          <a:xfrm>
+            <a:off x="8460431" y="4651190"/>
+            <a:ext cx="548700" cy="393600"/>
+          </a:xfrm>
+          <a:prstGeom prst="rect">
+            <a:avLst/>
+          </a:prstGeom>
+        </p:spPr>
+        <p:txBody>
+          <a:bodyPr anchorCtr="0" anchor="ctr" bIns="91425" lIns="91425" spcFirstLastPara="1" rIns="91425" wrap="square" tIns="91425">
+            <a:noAutofit/>
+          </a:bodyPr>
+          <a:lstStyle/>
+          <a:p>
+            <a:pPr indent="0" lvl="0" marL="0" rtl="0" algn="r">
+              <a:spcBef>
+                <a:spcPts val="0"/>
+              </a:spcBef>
+              <a:spcAft>
+                <a:spcPts val="0"/>
+              </a:spcAft>
+              <a:buNone/>
+            </a:pPr>
+            <a:fld id="{00000000-1234-1234-1234-123412341234}" type="slidenum">
+              <a:rPr lang="es-419"/>
+              <a:t>‹#›</a:t>
+            </a:fld>
+            <a:endParaRPr/>
+          </a:p>
+        </p:txBody>
+      </p:sp>
+    </p:spTree>
+  </p:cSld>
+  <p:clrMapOvr>
+    <a:masterClrMapping/>
+  </p:clrMapOvr>
+</p:sld>
+</file>
+
+<file path=ppt/slides/slide5.xml><?xml version="1.0" encoding="utf-8"?>
+<p:sld xmlns:a="http://schemas.openxmlformats.org/drawingml/2006/main" xmlns:r="http://schemas.openxmlformats.org/officeDocument/2006/relationships" xmlns:mc="http://schemas.openxmlformats.org/markup-compatibility/2006" xmlns:mv="urn:schemas-microsoft-com:mac:vml" xmlns:p="http://schemas.openxmlformats.org/presentationml/2006/main" xmlns:c="http://schemas.openxmlformats.org/drawingml/2006/chart" xmlns:dgm="http://schemas.openxmlformats.org/drawingml/2006/diagram" xmlns:o="urn:schemas-microsoft-com:office:office" xmlns:v="urn:schemas-microsoft-com:vml" xmlns:pvml="urn:schemas-microsoft-com:office:powerpoint" xmlns:com="http://schemas.openxmlformats.org/drawingml/2006/compatibility" xmlns:p14="http://schemas.microsoft.com/office/powerpoint/2010/main" xmlns:p15="http://schemas.microsoft.com/office/powerpoint/2012/main">
+  <p:cSld>
+    <p:spTree>
+      <p:nvGrpSpPr>
+        <p:cNvPr id="116" name="Shape 116"/>
+        <p:cNvGrpSpPr/>
+        <p:nvPr/>
+      </p:nvGrpSpPr>
+      <p:grpSpPr>
+        <a:xfrm>
+          <a:off x="0" y="0"/>
+          <a:ext cx="0" cy="0"/>
+          <a:chOff x="0" y="0"/>
+          <a:chExt cx="0" cy="0"/>
+        </a:xfrm>
+      </p:grpSpPr>
+      <p:sp>
+        <p:nvSpPr>
+          <p:cNvPr id="117" name="Google Shape;117;p17"/>
+          <p:cNvSpPr txBox="1"/>
+          <p:nvPr>
+            <p:ph type="title"/>
+          </p:nvPr>
+        </p:nvSpPr>
+        <p:spPr>
+          <a:xfrm>
+            <a:off x="311700" y="410000"/>
+            <a:ext cx="8520600" cy="607800"/>
+          </a:xfrm>
+          <a:prstGeom prst="rect">
+            <a:avLst/>
+          </a:prstGeom>
+        </p:spPr>
+        <p:txBody>
+          <a:bodyPr anchorCtr="0" anchor="t" bIns="91425" lIns="91425" spcFirstLastPara="1" rIns="91425" wrap="square" tIns="91425">
+            <a:noAutofit/>
+          </a:bodyPr>
+          <a:lstStyle/>
+          <a:p>
+            <a:pPr indent="0" lvl="0" marL="0" rtl="0" algn="l">
+              <a:spcBef>
+                <a:spcPts val="0"/>
+              </a:spcBef>
+              <a:spcAft>
+                <a:spcPts val="0"/>
+              </a:spcAft>
+              <a:buNone/>
+            </a:pPr>
+            <a:r>
+              <a:rPr lang="es-419"/>
               <a:t>Cadena de Markov</a:t>
             </a:r>
             <a:endParaRPr/>
@@ -9186,7 +12054,7 @@
       </p:sp>
       <p:sp>
         <p:nvSpPr>
-          <p:cNvPr id="151" name="Google Shape;151;p22"/>
+          <p:cNvPr id="118" name="Google Shape;118;p17"/>
           <p:cNvSpPr txBox="1"/>
           <p:nvPr>
             <p:ph idx="1" type="body"/>
@@ -9302,6 +12170,46 @@
           </a:p>
         </p:txBody>
       </p:sp>
+      <p:sp>
+        <p:nvSpPr>
+          <p:cNvPr id="119" name="Google Shape;119;p17"/>
+          <p:cNvSpPr txBox="1"/>
+          <p:nvPr>
+            <p:ph idx="12" type="sldNum"/>
+          </p:nvPr>
+        </p:nvSpPr>
+        <p:spPr>
+          <a:xfrm>
+            <a:off x="8460431" y="4651190"/>
+            <a:ext cx="548700" cy="393600"/>
+          </a:xfrm>
+          <a:prstGeom prst="rect">
+            <a:avLst/>
+          </a:prstGeom>
+        </p:spPr>
+        <p:txBody>
+          <a:bodyPr anchorCtr="0" anchor="ctr" bIns="91425" lIns="91425" spcFirstLastPara="1" rIns="91425" wrap="square" tIns="91425">
+            <a:noAutofit/>
+          </a:bodyPr>
+          <a:lstStyle/>
+          <a:p>
+            <a:pPr indent="0" lvl="0" marL="0" rtl="0" algn="r">
+              <a:spcBef>
+                <a:spcPts val="0"/>
+              </a:spcBef>
+              <a:spcAft>
+                <a:spcPts val="0"/>
+              </a:spcAft>
+              <a:buNone/>
+            </a:pPr>
+            <a:fld id="{00000000-1234-1234-1234-123412341234}" type="slidenum">
+              <a:rPr lang="es-419"/>
+              <a:t>‹#›</a:t>
+            </a:fld>
+            <a:endParaRPr/>
+          </a:p>
+        </p:txBody>
+      </p:sp>
     </p:spTree>
   </p:cSld>
   <p:clrMapOvr>
@@ -9310,12 +12218,12 @@
 </p:sld>
 </file>
 
-<file path=ppt/slides/slide11.xml><?xml version="1.0" encoding="utf-8"?>
+<file path=ppt/slides/slide6.xml><?xml version="1.0" encoding="utf-8"?>
 <p:sld xmlns:a="http://schemas.openxmlformats.org/drawingml/2006/main" xmlns:r="http://schemas.openxmlformats.org/officeDocument/2006/relationships" xmlns:mc="http://schemas.openxmlformats.org/markup-compatibility/2006" xmlns:mv="urn:schemas-microsoft-com:mac:vml" xmlns:p="http://schemas.openxmlformats.org/presentationml/2006/main" xmlns:c="http://schemas.openxmlformats.org/drawingml/2006/chart" xmlns:dgm="http://schemas.openxmlformats.org/drawingml/2006/diagram" xmlns:o="urn:schemas-microsoft-com:office:office" xmlns:v="urn:schemas-microsoft-com:vml" xmlns:pvml="urn:schemas-microsoft-com:office:powerpoint" xmlns:com="http://schemas.openxmlformats.org/drawingml/2006/compatibility" xmlns:p14="http://schemas.microsoft.com/office/powerpoint/2010/main" xmlns:p15="http://schemas.microsoft.com/office/powerpoint/2012/main">
   <p:cSld>
     <p:spTree>
       <p:nvGrpSpPr>
-        <p:cNvPr id="155" name="Shape 155"/>
+        <p:cNvPr id="123" name="Shape 123"/>
         <p:cNvGrpSpPr/>
         <p:nvPr/>
       </p:nvGrpSpPr>
@@ -9329,7 +12237,7 @@
       </p:grpSpPr>
       <p:sp>
         <p:nvSpPr>
-          <p:cNvPr id="156" name="Google Shape;156;p23"/>
+          <p:cNvPr id="124" name="Google Shape;124;p18"/>
           <p:cNvSpPr txBox="1"/>
           <p:nvPr>
             <p:ph idx="1" type="body"/>
@@ -9369,7 +12277,7 @@
       </p:sp>
       <p:pic>
         <p:nvPicPr>
-          <p:cNvPr id="157" name="Google Shape;157;p23"/>
+          <p:cNvPr id="125" name="Google Shape;125;p18"/>
           <p:cNvPicPr preferRelativeResize="0"/>
           <p:nvPr/>
         </p:nvPicPr>
@@ -9395,6 +12303,46 @@
           </a:ln>
         </p:spPr>
       </p:pic>
+      <p:sp>
+        <p:nvSpPr>
+          <p:cNvPr id="126" name="Google Shape;126;p18"/>
+          <p:cNvSpPr txBox="1"/>
+          <p:nvPr>
+            <p:ph idx="12" type="sldNum"/>
+          </p:nvPr>
+        </p:nvSpPr>
+        <p:spPr>
+          <a:xfrm>
+            <a:off x="8460431" y="4651190"/>
+            <a:ext cx="548700" cy="393600"/>
+          </a:xfrm>
+          <a:prstGeom prst="rect">
+            <a:avLst/>
+          </a:prstGeom>
+        </p:spPr>
+        <p:txBody>
+          <a:bodyPr anchorCtr="0" anchor="ctr" bIns="91425" lIns="91425" spcFirstLastPara="1" rIns="91425" wrap="square" tIns="91425">
+            <a:noAutofit/>
+          </a:bodyPr>
+          <a:lstStyle/>
+          <a:p>
+            <a:pPr indent="0" lvl="0" marL="0" rtl="0" algn="r">
+              <a:spcBef>
+                <a:spcPts val="0"/>
+              </a:spcBef>
+              <a:spcAft>
+                <a:spcPts val="0"/>
+              </a:spcAft>
+              <a:buNone/>
+            </a:pPr>
+            <a:fld id="{00000000-1234-1234-1234-123412341234}" type="slidenum">
+              <a:rPr lang="es-419"/>
+              <a:t>‹#›</a:t>
+            </a:fld>
+            <a:endParaRPr/>
+          </a:p>
+        </p:txBody>
+      </p:sp>
     </p:spTree>
   </p:cSld>
   <p:clrMapOvr>
@@ -9403,12 +12351,12 @@
 </p:sld>
 </file>
 
-<file path=ppt/slides/slide12.xml><?xml version="1.0" encoding="utf-8"?>
+<file path=ppt/slides/slide7.xml><?xml version="1.0" encoding="utf-8"?>
 <p:sld xmlns:a="http://schemas.openxmlformats.org/drawingml/2006/main" xmlns:r="http://schemas.openxmlformats.org/officeDocument/2006/relationships" xmlns:mc="http://schemas.openxmlformats.org/markup-compatibility/2006" xmlns:mv="urn:schemas-microsoft-com:mac:vml" xmlns:p="http://schemas.openxmlformats.org/presentationml/2006/main" xmlns:c="http://schemas.openxmlformats.org/drawingml/2006/chart" xmlns:dgm="http://schemas.openxmlformats.org/drawingml/2006/diagram" xmlns:o="urn:schemas-microsoft-com:office:office" xmlns:v="urn:schemas-microsoft-com:vml" xmlns:pvml="urn:schemas-microsoft-com:office:powerpoint" xmlns:com="http://schemas.openxmlformats.org/drawingml/2006/compatibility" xmlns:p14="http://schemas.microsoft.com/office/powerpoint/2010/main" xmlns:p15="http://schemas.microsoft.com/office/powerpoint/2012/main">
   <p:cSld>
     <p:spTree>
       <p:nvGrpSpPr>
-        <p:cNvPr id="161" name="Shape 161"/>
+        <p:cNvPr id="130" name="Shape 130"/>
         <p:cNvGrpSpPr/>
         <p:nvPr/>
       </p:nvGrpSpPr>
@@ -9422,7 +12370,7 @@
       </p:grpSpPr>
       <p:sp>
         <p:nvSpPr>
-          <p:cNvPr id="162" name="Google Shape;162;p24"/>
+          <p:cNvPr id="131" name="Google Shape;131;p19"/>
           <p:cNvSpPr txBox="1"/>
           <p:nvPr>
             <p:ph idx="1" type="body"/>
@@ -9485,7 +12433,7 @@
       </p:sp>
       <p:graphicFrame>
         <p:nvGraphicFramePr>
-          <p:cNvPr id="163" name="Google Shape;163;p24"/>
+          <p:cNvPr id="132" name="Google Shape;132;p19"/>
           <p:cNvGraphicFramePr/>
           <p:nvPr/>
         </p:nvGraphicFramePr>
@@ -9498,7 +12446,7 @@
             <a:tbl>
               <a:tblPr>
                 <a:noFill/>
-                <a:tableStyleId>{1ED1D6B1-4028-432A-8811-D44DC6C5AE95}</a:tableStyleId>
+                <a:tableStyleId>{3DD91665-6FA7-4FDD-8602-DDE7664CC6CA}</a:tableStyleId>
               </a:tblPr>
               <a:tblGrid>
                 <a:gridCol w="1809750"/>
@@ -10133,6 +13081,46 @@
           </a:graphicData>
         </a:graphic>
       </p:graphicFrame>
+      <p:sp>
+        <p:nvSpPr>
+          <p:cNvPr id="133" name="Google Shape;133;p19"/>
+          <p:cNvSpPr txBox="1"/>
+          <p:nvPr>
+            <p:ph idx="12" type="sldNum"/>
+          </p:nvPr>
+        </p:nvSpPr>
+        <p:spPr>
+          <a:xfrm>
+            <a:off x="8460431" y="4651190"/>
+            <a:ext cx="548700" cy="393600"/>
+          </a:xfrm>
+          <a:prstGeom prst="rect">
+            <a:avLst/>
+          </a:prstGeom>
+        </p:spPr>
+        <p:txBody>
+          <a:bodyPr anchorCtr="0" anchor="ctr" bIns="91425" lIns="91425" spcFirstLastPara="1" rIns="91425" wrap="square" tIns="91425">
+            <a:noAutofit/>
+          </a:bodyPr>
+          <a:lstStyle/>
+          <a:p>
+            <a:pPr indent="0" lvl="0" marL="0" rtl="0" algn="r">
+              <a:spcBef>
+                <a:spcPts val="0"/>
+              </a:spcBef>
+              <a:spcAft>
+                <a:spcPts val="0"/>
+              </a:spcAft>
+              <a:buNone/>
+            </a:pPr>
+            <a:fld id="{00000000-1234-1234-1234-123412341234}" type="slidenum">
+              <a:rPr lang="es-419"/>
+              <a:t>‹#›</a:t>
+            </a:fld>
+            <a:endParaRPr/>
+          </a:p>
+        </p:txBody>
+      </p:sp>
     </p:spTree>
   </p:cSld>
   <p:clrMapOvr>
@@ -10141,12 +13129,12 @@
 </p:sld>
 </file>
 
-<file path=ppt/slides/slide13.xml><?xml version="1.0" encoding="utf-8"?>
+<file path=ppt/slides/slide8.xml><?xml version="1.0" encoding="utf-8"?>
 <p:sld xmlns:a="http://schemas.openxmlformats.org/drawingml/2006/main" xmlns:r="http://schemas.openxmlformats.org/officeDocument/2006/relationships" xmlns:mc="http://schemas.openxmlformats.org/markup-compatibility/2006" xmlns:mv="urn:schemas-microsoft-com:mac:vml" xmlns:p="http://schemas.openxmlformats.org/presentationml/2006/main" xmlns:c="http://schemas.openxmlformats.org/drawingml/2006/chart" xmlns:dgm="http://schemas.openxmlformats.org/drawingml/2006/diagram" xmlns:o="urn:schemas-microsoft-com:office:office" xmlns:v="urn:schemas-microsoft-com:vml" xmlns:pvml="urn:schemas-microsoft-com:office:powerpoint" xmlns:com="http://schemas.openxmlformats.org/drawingml/2006/compatibility" xmlns:p14="http://schemas.microsoft.com/office/powerpoint/2010/main" xmlns:p15="http://schemas.microsoft.com/office/powerpoint/2012/main">
   <p:cSld>
     <p:spTree>
       <p:nvGrpSpPr>
-        <p:cNvPr id="167" name="Shape 167"/>
+        <p:cNvPr id="137" name="Shape 137"/>
         <p:cNvGrpSpPr/>
         <p:nvPr/>
       </p:nvGrpSpPr>
@@ -10160,7 +13148,7 @@
       </p:grpSpPr>
       <p:sp>
         <p:nvSpPr>
-          <p:cNvPr id="168" name="Google Shape;168;p25"/>
+          <p:cNvPr id="138" name="Google Shape;138;p20"/>
           <p:cNvSpPr txBox="1"/>
           <p:nvPr>
             <p:ph idx="1" type="body"/>
@@ -10215,7 +13203,7 @@
       </p:sp>
       <p:graphicFrame>
         <p:nvGraphicFramePr>
-          <p:cNvPr id="169" name="Google Shape;169;p25"/>
+          <p:cNvPr id="139" name="Google Shape;139;p20"/>
           <p:cNvGraphicFramePr/>
           <p:nvPr/>
         </p:nvGraphicFramePr>
@@ -10228,7 +13216,7 @@
             <a:tbl>
               <a:tblPr>
                 <a:noFill/>
-                <a:tableStyleId>{1ED1D6B1-4028-432A-8811-D44DC6C5AE95}</a:tableStyleId>
+                <a:tableStyleId>{3DD91665-6FA7-4FDD-8602-DDE7664CC6CA}</a:tableStyleId>
               </a:tblPr>
               <a:tblGrid>
                 <a:gridCol w="2413000"/>
@@ -10477,6 +13465,46 @@
           </a:graphicData>
         </a:graphic>
       </p:graphicFrame>
+      <p:sp>
+        <p:nvSpPr>
+          <p:cNvPr id="140" name="Google Shape;140;p20"/>
+          <p:cNvSpPr txBox="1"/>
+          <p:nvPr>
+            <p:ph idx="12" type="sldNum"/>
+          </p:nvPr>
+        </p:nvSpPr>
+        <p:spPr>
+          <a:xfrm>
+            <a:off x="8460431" y="4651190"/>
+            <a:ext cx="548700" cy="393600"/>
+          </a:xfrm>
+          <a:prstGeom prst="rect">
+            <a:avLst/>
+          </a:prstGeom>
+        </p:spPr>
+        <p:txBody>
+          <a:bodyPr anchorCtr="0" anchor="ctr" bIns="91425" lIns="91425" spcFirstLastPara="1" rIns="91425" wrap="square" tIns="91425">
+            <a:noAutofit/>
+          </a:bodyPr>
+          <a:lstStyle/>
+          <a:p>
+            <a:pPr indent="0" lvl="0" marL="0" rtl="0" algn="r">
+              <a:spcBef>
+                <a:spcPts val="0"/>
+              </a:spcBef>
+              <a:spcAft>
+                <a:spcPts val="0"/>
+              </a:spcAft>
+              <a:buNone/>
+            </a:pPr>
+            <a:fld id="{00000000-1234-1234-1234-123412341234}" type="slidenum">
+              <a:rPr lang="es-419"/>
+              <a:t>‹#›</a:t>
+            </a:fld>
+            <a:endParaRPr/>
+          </a:p>
+        </p:txBody>
+      </p:sp>
     </p:spTree>
   </p:cSld>
   <p:clrMapOvr>
@@ -10485,12 +13513,12 @@
 </p:sld>
 </file>
 
-<file path=ppt/slides/slide14.xml><?xml version="1.0" encoding="utf-8"?>
+<file path=ppt/slides/slide9.xml><?xml version="1.0" encoding="utf-8"?>
 <p:sld xmlns:a="http://schemas.openxmlformats.org/drawingml/2006/main" xmlns:r="http://schemas.openxmlformats.org/officeDocument/2006/relationships" xmlns:mc="http://schemas.openxmlformats.org/markup-compatibility/2006" xmlns:mv="urn:schemas-microsoft-com:mac:vml" xmlns:p="http://schemas.openxmlformats.org/presentationml/2006/main" xmlns:c="http://schemas.openxmlformats.org/drawingml/2006/chart" xmlns:dgm="http://schemas.openxmlformats.org/drawingml/2006/diagram" xmlns:o="urn:schemas-microsoft-com:office:office" xmlns:v="urn:schemas-microsoft-com:vml" xmlns:pvml="urn:schemas-microsoft-com:office:powerpoint" xmlns:com="http://schemas.openxmlformats.org/drawingml/2006/compatibility" xmlns:p14="http://schemas.microsoft.com/office/powerpoint/2010/main" xmlns:p15="http://schemas.microsoft.com/office/powerpoint/2012/main">
   <p:cSld>
     <p:spTree>
       <p:nvGrpSpPr>
-        <p:cNvPr id="173" name="Shape 173"/>
+        <p:cNvPr id="144" name="Shape 144"/>
         <p:cNvGrpSpPr/>
         <p:nvPr/>
       </p:nvGrpSpPr>
@@ -10504,7 +13532,7 @@
       </p:grpSpPr>
       <p:sp>
         <p:nvSpPr>
-          <p:cNvPr id="174" name="Google Shape;174;p26"/>
+          <p:cNvPr id="145" name="Google Shape;145;p21"/>
           <p:cNvSpPr txBox="1"/>
           <p:nvPr>
             <p:ph type="title"/>
@@ -10542,48 +13570,9 @@
           </a:p>
         </p:txBody>
       </p:sp>
-      <p:sp>
-        <p:nvSpPr>
-          <p:cNvPr id="175" name="Google Shape;175;p26"/>
-          <p:cNvSpPr txBox="1"/>
-          <p:nvPr>
-            <p:ph idx="1" type="body"/>
-          </p:nvPr>
-        </p:nvSpPr>
-        <p:spPr>
-          <a:xfrm>
-            <a:off x="311700" y="1229875"/>
-            <a:ext cx="8520600" cy="3339000"/>
-          </a:xfrm>
-          <a:prstGeom prst="rect">
-            <a:avLst/>
-          </a:prstGeom>
-        </p:spPr>
-        <p:txBody>
-          <a:bodyPr anchorCtr="0" anchor="t" bIns="91425" lIns="91425" spcFirstLastPara="1" rIns="91425" wrap="square" tIns="91425">
-            <a:noAutofit/>
-          </a:bodyPr>
-          <a:lstStyle/>
-          <a:p>
-            <a:pPr indent="0" lvl="0" marL="0" rtl="0" algn="l">
-              <a:spcBef>
-                <a:spcPts val="0"/>
-              </a:spcBef>
-              <a:spcAft>
-                <a:spcPts val="1600"/>
-              </a:spcAft>
-              <a:buNone/>
-            </a:pPr>
-            <a:r>
-              <a:t/>
-            </a:r>
-            <a:endParaRPr/>
-          </a:p>
-        </p:txBody>
-      </p:sp>
       <p:pic>
         <p:nvPicPr>
-          <p:cNvPr id="176" name="Google Shape;176;p26"/>
+          <p:cNvPr id="146" name="Google Shape;146;p21"/>
           <p:cNvPicPr preferRelativeResize="0"/>
           <p:nvPr/>
         </p:nvPicPr>
@@ -10597,8 +13586,8 @@
         </p:blipFill>
         <p:spPr>
           <a:xfrm>
-            <a:off x="193762" y="2164863"/>
-            <a:ext cx="8756475" cy="813775"/>
+            <a:off x="311700" y="1554975"/>
+            <a:ext cx="8436225" cy="1243375"/>
           </a:xfrm>
           <a:prstGeom prst="rect">
             <a:avLst/>
@@ -10609,55 +13598,30 @@
           </a:ln>
         </p:spPr>
       </p:pic>
-    </p:spTree>
-  </p:cSld>
-  <p:clrMapOvr>
-    <a:masterClrMapping/>
-  </p:clrMapOvr>
-</p:sld>
-</file>
-
-<file path=ppt/slides/slide15.xml><?xml version="1.0" encoding="utf-8"?>
-<p:sld xmlns:a="http://schemas.openxmlformats.org/drawingml/2006/main" xmlns:r="http://schemas.openxmlformats.org/officeDocument/2006/relationships" xmlns:mc="http://schemas.openxmlformats.org/markup-compatibility/2006" xmlns:mv="urn:schemas-microsoft-com:mac:vml" xmlns:p="http://schemas.openxmlformats.org/presentationml/2006/main" xmlns:c="http://schemas.openxmlformats.org/drawingml/2006/chart" xmlns:dgm="http://schemas.openxmlformats.org/drawingml/2006/diagram" xmlns:o="urn:schemas-microsoft-com:office:office" xmlns:v="urn:schemas-microsoft-com:vml" xmlns:pvml="urn:schemas-microsoft-com:office:powerpoint" xmlns:com="http://schemas.openxmlformats.org/drawingml/2006/compatibility" xmlns:p14="http://schemas.microsoft.com/office/powerpoint/2010/main" xmlns:p15="http://schemas.microsoft.com/office/powerpoint/2012/main">
-  <p:cSld>
-    <p:spTree>
-      <p:nvGrpSpPr>
-        <p:cNvPr id="180" name="Shape 180"/>
-        <p:cNvGrpSpPr/>
-        <p:nvPr/>
-      </p:nvGrpSpPr>
-      <p:grpSpPr>
-        <a:xfrm>
-          <a:off x="0" y="0"/>
-          <a:ext cx="0" cy="0"/>
-          <a:chOff x="0" y="0"/>
-          <a:chExt cx="0" cy="0"/>
-        </a:xfrm>
-      </p:grpSpPr>
       <p:sp>
         <p:nvSpPr>
-          <p:cNvPr id="181" name="Google Shape;181;p27"/>
+          <p:cNvPr id="147" name="Google Shape;147;p21"/>
           <p:cNvSpPr txBox="1"/>
           <p:nvPr>
-            <p:ph type="title"/>
+            <p:ph idx="12" type="sldNum"/>
           </p:nvPr>
         </p:nvSpPr>
         <p:spPr>
           <a:xfrm>
-            <a:off x="311700" y="410000"/>
-            <a:ext cx="8520600" cy="607800"/>
+            <a:off x="8460431" y="4651190"/>
+            <a:ext cx="548700" cy="393600"/>
           </a:xfrm>
           <a:prstGeom prst="rect">
             <a:avLst/>
           </a:prstGeom>
         </p:spPr>
         <p:txBody>
-          <a:bodyPr anchorCtr="0" anchor="t" bIns="91425" lIns="91425" spcFirstLastPara="1" rIns="91425" wrap="square" tIns="91425">
+          <a:bodyPr anchorCtr="0" anchor="ctr" bIns="91425" lIns="91425" spcFirstLastPara="1" rIns="91425" wrap="square" tIns="91425">
             <a:noAutofit/>
           </a:bodyPr>
           <a:lstStyle/>
           <a:p>
-            <a:pPr indent="0" lvl="0" marL="0" rtl="0" algn="l">
+            <a:pPr indent="0" lvl="0" marL="0" rtl="0" algn="r">
               <a:spcBef>
                 <a:spcPts val="0"/>
               </a:spcBef>
@@ -10666,75 +13630,10 @@
               </a:spcAft>
               <a:buNone/>
             </a:pPr>
-            <a:r>
+            <a:fld id="{00000000-1234-1234-1234-123412341234}" type="slidenum">
               <a:rPr lang="es-419"/>
-              <a:t>CONCLUSIONES</a:t>
-            </a:r>
-            <a:endParaRPr/>
-          </a:p>
-        </p:txBody>
-      </p:sp>
-      <p:sp>
-        <p:nvSpPr>
-          <p:cNvPr id="182" name="Google Shape;182;p27"/>
-          <p:cNvSpPr txBox="1"/>
-          <p:nvPr>
-            <p:ph idx="1" type="body"/>
-          </p:nvPr>
-        </p:nvSpPr>
-        <p:spPr>
-          <a:xfrm>
-            <a:off x="311700" y="1229875"/>
-            <a:ext cx="8520600" cy="3339000"/>
-          </a:xfrm>
-          <a:prstGeom prst="rect">
-            <a:avLst/>
-          </a:prstGeom>
-        </p:spPr>
-        <p:txBody>
-          <a:bodyPr anchorCtr="0" anchor="t" bIns="91425" lIns="91425" spcFirstLastPara="1" rIns="91425" wrap="square" tIns="91425">
-            <a:noAutofit/>
-          </a:bodyPr>
-          <a:lstStyle/>
-          <a:p>
-            <a:pPr indent="-342900" lvl="0" marL="457200" rtl="0" algn="l">
-              <a:spcBef>
-                <a:spcPts val="0"/>
-              </a:spcBef>
-              <a:spcAft>
-                <a:spcPts val="0"/>
-              </a:spcAft>
-              <a:buSzPts val="1800"/>
-              <a:buChar char="●"/>
-            </a:pPr>
-            <a:r>
-              <a:rPr lang="es-419"/>
-              <a:t>A Partir</a:t>
-            </a:r>
-            <a:r>
-              <a:rPr lang="es-419"/>
-              <a:t> del </a:t>
-            </a:r>
-            <a:r>
-              <a:rPr lang="es-419"/>
-              <a:t>análisis</a:t>
-            </a:r>
-            <a:r>
-              <a:rPr lang="es-419"/>
-              <a:t> al </a:t>
-            </a:r>
-            <a:r>
-              <a:rPr lang="es-419"/>
-              <a:t>histórico</a:t>
-            </a:r>
-            <a:r>
-              <a:rPr lang="es-419"/>
-              <a:t> de los datos de venta de la mora </a:t>
-            </a:r>
-            <a:r>
-              <a:rPr lang="es-419"/>
-              <a:t>castilla que realizamos, evidenciamos que este proyecto tiene buen potencial para resolver el problema propuesto. Este procedimiento puede ser extendido para mas productos asi presenten o no una gran variabilidad en sus precios.</a:t>
-            </a:r>
+              <a:t>‹#›</a:t>
+            </a:fld>
             <a:endParaRPr/>
           </a:p>
         </p:txBody>
@@ -10747,1545 +13646,286 @@
 </p:sld>
 </file>
 
-<file path=ppt/slides/slide16.xml><?xml version="1.0" encoding="utf-8"?>
-<p:sld xmlns:a="http://schemas.openxmlformats.org/drawingml/2006/main" xmlns:r="http://schemas.openxmlformats.org/officeDocument/2006/relationships" xmlns:mc="http://schemas.openxmlformats.org/markup-compatibility/2006" xmlns:mv="urn:schemas-microsoft-com:mac:vml" xmlns:p="http://schemas.openxmlformats.org/presentationml/2006/main" xmlns:c="http://schemas.openxmlformats.org/drawingml/2006/chart" xmlns:dgm="http://schemas.openxmlformats.org/drawingml/2006/diagram" xmlns:o="urn:schemas-microsoft-com:office:office" xmlns:v="urn:schemas-microsoft-com:vml" xmlns:pvml="urn:schemas-microsoft-com:office:powerpoint" xmlns:com="http://schemas.openxmlformats.org/drawingml/2006/compatibility" xmlns:p14="http://schemas.microsoft.com/office/powerpoint/2010/main" xmlns:p15="http://schemas.microsoft.com/office/powerpoint/2012/main">
-  <p:cSld>
-    <p:spTree>
-      <p:nvGrpSpPr>
-        <p:cNvPr id="186" name="Shape 186"/>
-        <p:cNvGrpSpPr/>
-        <p:nvPr/>
-      </p:nvGrpSpPr>
-      <p:grpSpPr>
-        <a:xfrm>
-          <a:off x="0" y="0"/>
-          <a:ext cx="0" cy="0"/>
-          <a:chOff x="0" y="0"/>
-          <a:chExt cx="0" cy="0"/>
-        </a:xfrm>
-      </p:grpSpPr>
-      <p:sp>
-        <p:nvSpPr>
-          <p:cNvPr id="187" name="Google Shape;187;p28"/>
-          <p:cNvSpPr txBox="1"/>
-          <p:nvPr>
-            <p:ph type="title"/>
-          </p:nvPr>
-        </p:nvSpPr>
-        <p:spPr>
-          <a:xfrm>
-            <a:off x="311700" y="410000"/>
-            <a:ext cx="8520600" cy="607800"/>
-          </a:xfrm>
-          <a:prstGeom prst="rect">
-            <a:avLst/>
-          </a:prstGeom>
-        </p:spPr>
-        <p:txBody>
-          <a:bodyPr anchorCtr="0" anchor="t" bIns="91425" lIns="91425" spcFirstLastPara="1" rIns="91425" wrap="square" tIns="91425">
-            <a:noAutofit/>
-          </a:bodyPr>
-          <a:lstStyle/>
-          <a:p>
-            <a:pPr indent="0" lvl="0" marL="0" rtl="0" algn="l">
-              <a:spcBef>
-                <a:spcPts val="0"/>
-              </a:spcBef>
-              <a:spcAft>
-                <a:spcPts val="0"/>
-              </a:spcAft>
-              <a:buNone/>
-            </a:pPr>
-            <a:r>
-              <a:rPr lang="es-419"/>
-              <a:t>Referencias:</a:t>
-            </a:r>
-            <a:endParaRPr/>
-          </a:p>
-        </p:txBody>
-      </p:sp>
-      <p:sp>
-        <p:nvSpPr>
-          <p:cNvPr id="188" name="Google Shape;188;p28"/>
-          <p:cNvSpPr txBox="1"/>
-          <p:nvPr>
-            <p:ph idx="1" type="body"/>
-          </p:nvPr>
-        </p:nvSpPr>
-        <p:spPr>
-          <a:xfrm>
-            <a:off x="218025" y="1267350"/>
-            <a:ext cx="7708200" cy="3339000"/>
-          </a:xfrm>
-          <a:prstGeom prst="rect">
-            <a:avLst/>
-          </a:prstGeom>
-        </p:spPr>
-        <p:txBody>
-          <a:bodyPr anchorCtr="0" anchor="t" bIns="91425" lIns="91425" spcFirstLastPara="1" rIns="91425" wrap="square" tIns="91425">
-            <a:noAutofit/>
-          </a:bodyPr>
-          <a:lstStyle/>
-          <a:p>
-            <a:pPr indent="-342900" lvl="0" marL="457200" rtl="0" algn="l">
-              <a:spcBef>
-                <a:spcPts val="0"/>
-              </a:spcBef>
-              <a:spcAft>
-                <a:spcPts val="0"/>
-              </a:spcAft>
-              <a:buClr>
-                <a:srgbClr val="434343"/>
-              </a:buClr>
-              <a:buSzPts val="1800"/>
-              <a:buChar char="●"/>
-            </a:pPr>
-            <a:r>
-              <a:rPr lang="es-419">
-                <a:solidFill>
-                  <a:srgbClr val="434343"/>
-                </a:solidFill>
-              </a:rPr>
-              <a:t>https://www.centroabastos.com/index.php/es/historico-de-precios?showall=1&amp;limitstart=</a:t>
-            </a:r>
-            <a:endParaRPr>
-              <a:solidFill>
-                <a:srgbClr val="434343"/>
-              </a:solidFill>
-            </a:endParaRPr>
-          </a:p>
-        </p:txBody>
-      </p:sp>
-    </p:spTree>
-  </p:cSld>
-  <p:clrMapOvr>
-    <a:masterClrMapping/>
-  </p:clrMapOvr>
-</p:sld>
+<file path=ppt/theme/theme1.xml><?xml version="1.0" encoding="utf-8"?>
+<a:theme xmlns:a="http://schemas.openxmlformats.org/drawingml/2006/main" xmlns:r="http://schemas.openxmlformats.org/officeDocument/2006/relationships" name="Geometric">
+  <a:themeElements>
+    <a:clrScheme name="Geometric">
+      <a:dk1>
+        <a:srgbClr val="2A3990"/>
+      </a:dk1>
+      <a:lt1>
+        <a:srgbClr val="FFFFFF"/>
+      </a:lt1>
+      <a:dk2>
+        <a:srgbClr val="434343"/>
+      </a:dk2>
+      <a:lt2>
+        <a:srgbClr val="999999"/>
+      </a:lt2>
+      <a:accent1>
+        <a:srgbClr val="212D74"/>
+      </a:accent1>
+      <a:accent2>
+        <a:srgbClr val="3949AB"/>
+      </a:accent2>
+      <a:accent3>
+        <a:srgbClr val="9C254D"/>
+      </a:accent3>
+      <a:accent4>
+        <a:srgbClr val="D23369"/>
+      </a:accent4>
+      <a:accent5>
+        <a:srgbClr val="F06292"/>
+      </a:accent5>
+      <a:accent6>
+        <a:srgbClr val="7890CD"/>
+      </a:accent6>
+      <a:hlink>
+        <a:srgbClr val="F06292"/>
+      </a:hlink>
+      <a:folHlink>
+        <a:srgbClr val="F06292"/>
+      </a:folHlink>
+    </a:clrScheme>
+    <a:fontScheme name="Office">
+      <a:majorFont>
+        <a:latin typeface="Arial"/>
+        <a:ea typeface=""/>
+        <a:cs typeface=""/>
+        <a:font script="Jpan" typeface="ＭＳ Ｐゴシック"/>
+        <a:font script="Hang" typeface="맑은 고딕"/>
+        <a:font script="Hans" typeface="宋体"/>
+        <a:font script="Hant" typeface="新細明體"/>
+        <a:font script="Arab" typeface="Times New Roman"/>
+        <a:font script="Hebr" typeface="Times New Roman"/>
+        <a:font script="Thai" typeface="Angsana New"/>
+        <a:font script="Ethi" typeface="Nyala"/>
+        <a:font script="Beng" typeface="Vrinda"/>
+        <a:font script="Gujr" typeface="Shruti"/>
+        <a:font script="Khmr" typeface="MoolBoran"/>
+        <a:font script="Knda" typeface="Tunga"/>
+        <a:font script="Guru" typeface="Raavi"/>
+        <a:font script="Cans" typeface="Euphemia"/>
+        <a:font script="Cher" typeface="Plantagenet Cherokee"/>
+        <a:font script="Yiii" typeface="Microsoft Yi Baiti"/>
+        <a:font script="Tibt" typeface="Microsoft Himalaya"/>
+        <a:font script="Thaa" typeface="MV Boli"/>
+        <a:font script="Deva" typeface="Mangal"/>
+        <a:font script="Telu" typeface="Gautami"/>
+        <a:font script="Taml" typeface="Latha"/>
+        <a:font script="Syrc" typeface="Estrangelo Edessa"/>
+        <a:font script="Orya" typeface="Kalinga"/>
+        <a:font script="Mlym" typeface="Kartika"/>
+        <a:font script="Laoo" typeface="DokChampa"/>
+        <a:font script="Sinh" typeface="Iskoola Pota"/>
+        <a:font script="Mong" typeface="Mongolian Baiti"/>
+        <a:font script="Viet" typeface="Times New Roman"/>
+        <a:font script="Uigh" typeface="Microsoft Uighur"/>
+        <a:font script="Geor" typeface="Sylfaen"/>
+      </a:majorFont>
+      <a:minorFont>
+        <a:latin typeface="Arial"/>
+        <a:ea typeface=""/>
+        <a:cs typeface=""/>
+        <a:font script="Jpan" typeface="ＭＳ Ｐゴシック"/>
+        <a:font script="Hang" typeface="맑은 고딕"/>
+        <a:font script="Hans" typeface="宋体"/>
+        <a:font script="Hant" typeface="新細明體"/>
+        <a:font script="Arab" typeface="Arial"/>
+        <a:font script="Hebr" typeface="Arial"/>
+        <a:font script="Thai" typeface="Cordia New"/>
+        <a:font script="Ethi" typeface="Nyala"/>
+        <a:font script="Beng" typeface="Vrinda"/>
+        <a:font script="Gujr" typeface="Shruti"/>
+        <a:font script="Khmr" typeface="DaunPenh"/>
+        <a:font script="Knda" typeface="Tunga"/>
+        <a:font script="Guru" typeface="Raavi"/>
+        <a:font script="Cans" typeface="Euphemia"/>
+        <a:font script="Cher" typeface="Plantagenet Cherokee"/>
+        <a:font script="Yiii" typeface="Microsoft Yi Baiti"/>
+        <a:font script="Tibt" typeface="Microsoft Himalaya"/>
+        <a:font script="Thaa" typeface="MV Boli"/>
+        <a:font script="Deva" typeface="Mangal"/>
+        <a:font script="Telu" typeface="Gautami"/>
+        <a:font script="Taml" typeface="Latha"/>
+        <a:font script="Syrc" typeface="Estrangelo Edessa"/>
+        <a:font script="Orya" typeface="Kalinga"/>
+        <a:font script="Mlym" typeface="Kartika"/>
+        <a:font script="Laoo" typeface="DokChampa"/>
+        <a:font script="Sinh" typeface="Iskoola Pota"/>
+        <a:font script="Mong" typeface="Mongolian Baiti"/>
+        <a:font script="Viet" typeface="Arial"/>
+        <a:font script="Uigh" typeface="Microsoft Uighur"/>
+        <a:font script="Geor" typeface="Sylfaen"/>
+      </a:minorFont>
+    </a:fontScheme>
+    <a:fmtScheme name="Office">
+      <a:fillStyleLst>
+        <a:solidFill>
+          <a:schemeClr val="phClr"/>
+        </a:solidFill>
+        <a:gradFill rotWithShape="1">
+          <a:gsLst>
+            <a:gs pos="0">
+              <a:schemeClr val="phClr">
+                <a:tint val="50000"/>
+                <a:satMod val="300000"/>
+              </a:schemeClr>
+            </a:gs>
+            <a:gs pos="35000">
+              <a:schemeClr val="phClr">
+                <a:tint val="37000"/>
+                <a:satMod val="300000"/>
+              </a:schemeClr>
+            </a:gs>
+            <a:gs pos="100000">
+              <a:schemeClr val="phClr">
+                <a:tint val="15000"/>
+                <a:satMod val="350000"/>
+              </a:schemeClr>
+            </a:gs>
+          </a:gsLst>
+          <a:lin ang="16200000" scaled="1"/>
+        </a:gradFill>
+        <a:gradFill rotWithShape="1">
+          <a:gsLst>
+            <a:gs pos="0">
+              <a:schemeClr val="phClr">
+                <a:tint val="100000"/>
+                <a:shade val="100000"/>
+                <a:satMod val="130000"/>
+              </a:schemeClr>
+            </a:gs>
+            <a:gs pos="100000">
+              <a:schemeClr val="phClr">
+                <a:tint val="50000"/>
+                <a:shade val="100000"/>
+                <a:satMod val="350000"/>
+              </a:schemeClr>
+            </a:gs>
+          </a:gsLst>
+          <a:lin ang="16200000" scaled="0"/>
+        </a:gradFill>
+      </a:fillStyleLst>
+      <a:lnStyleLst>
+        <a:ln w="9525" cap="flat" cmpd="sng" algn="ctr">
+          <a:solidFill>
+            <a:schemeClr val="phClr">
+              <a:shade val="95000"/>
+              <a:satMod val="105000"/>
+            </a:schemeClr>
+          </a:solidFill>
+          <a:prstDash val="solid"/>
+        </a:ln>
+        <a:ln w="25400" cap="flat" cmpd="sng" algn="ctr">
+          <a:solidFill>
+            <a:schemeClr val="phClr"/>
+          </a:solidFill>
+          <a:prstDash val="solid"/>
+        </a:ln>
+        <a:ln w="38100" cap="flat" cmpd="sng" algn="ctr">
+          <a:solidFill>
+            <a:schemeClr val="phClr"/>
+          </a:solidFill>
+          <a:prstDash val="solid"/>
+        </a:ln>
+      </a:lnStyleLst>
+      <a:effectStyleLst>
+        <a:effectStyle>
+          <a:effectLst>
+            <a:outerShdw blurRad="40000" dist="20000" dir="5400000" rotWithShape="0">
+              <a:srgbClr val="000000">
+                <a:alpha val="38000"/>
+              </a:srgbClr>
+            </a:outerShdw>
+          </a:effectLst>
+        </a:effectStyle>
+        <a:effectStyle>
+          <a:effectLst>
+            <a:outerShdw blurRad="40000" dist="23000" dir="5400000" rotWithShape="0">
+              <a:srgbClr val="000000">
+                <a:alpha val="35000"/>
+              </a:srgbClr>
+            </a:outerShdw>
+          </a:effectLst>
+        </a:effectStyle>
+        <a:effectStyle>
+          <a:effectLst>
+            <a:outerShdw blurRad="40000" dist="23000" dir="5400000" rotWithShape="0">
+              <a:srgbClr val="000000">
+                <a:alpha val="35000"/>
+              </a:srgbClr>
+            </a:outerShdw>
+          </a:effectLst>
+          <a:scene3d>
+            <a:camera prst="orthographicFront">
+              <a:rot lat="0" lon="0" rev="0"/>
+            </a:camera>
+            <a:lightRig rig="threePt" dir="t">
+              <a:rot lat="0" lon="0" rev="1200000"/>
+            </a:lightRig>
+          </a:scene3d>
+          <a:sp3d>
+            <a:bevelT w="63500" h="25400"/>
+          </a:sp3d>
+        </a:effectStyle>
+      </a:effectStyleLst>
+      <a:bgFillStyleLst>
+        <a:solidFill>
+          <a:schemeClr val="phClr"/>
+        </a:solidFill>
+        <a:gradFill rotWithShape="1">
+          <a:gsLst>
+            <a:gs pos="0">
+              <a:schemeClr val="phClr">
+                <a:tint val="40000"/>
+                <a:satMod val="350000"/>
+              </a:schemeClr>
+            </a:gs>
+            <a:gs pos="40000">
+              <a:schemeClr val="phClr">
+                <a:tint val="45000"/>
+                <a:shade val="99000"/>
+                <a:satMod val="350000"/>
+              </a:schemeClr>
+            </a:gs>
+            <a:gs pos="100000">
+              <a:schemeClr val="phClr">
+                <a:shade val="20000"/>
+                <a:satMod val="255000"/>
+              </a:schemeClr>
+            </a:gs>
+          </a:gsLst>
+          <a:path path="circle">
+            <a:fillToRect l="50000" t="-80000" r="50000" b="180000"/>
+          </a:path>
+        </a:gradFill>
+        <a:gradFill rotWithShape="1">
+          <a:gsLst>
+            <a:gs pos="0">
+              <a:schemeClr val="phClr">
+                <a:tint val="80000"/>
+                <a:satMod val="300000"/>
+              </a:schemeClr>
+            </a:gs>
+            <a:gs pos="100000">
+              <a:schemeClr val="phClr">
+                <a:shade val="30000"/>
+                <a:satMod val="200000"/>
+              </a:schemeClr>
+            </a:gs>
+          </a:gsLst>
+          <a:path path="circle">
+            <a:fillToRect l="50000" t="50000" r="50000" b="50000"/>
+          </a:path>
+        </a:gradFill>
+      </a:bgFillStyleLst>
+    </a:fmtScheme>
+  </a:themeElements>
+</a:theme>
 </file>
 
-<file path=ppt/slides/slide2.xml><?xml version="1.0" encoding="utf-8"?>
-<p:sld xmlns:a="http://schemas.openxmlformats.org/drawingml/2006/main" xmlns:r="http://schemas.openxmlformats.org/officeDocument/2006/relationships" xmlns:mc="http://schemas.openxmlformats.org/markup-compatibility/2006" xmlns:mv="urn:schemas-microsoft-com:mac:vml" xmlns:p="http://schemas.openxmlformats.org/presentationml/2006/main" xmlns:c="http://schemas.openxmlformats.org/drawingml/2006/chart" xmlns:dgm="http://schemas.openxmlformats.org/drawingml/2006/diagram" xmlns:o="urn:schemas-microsoft-com:office:office" xmlns:v="urn:schemas-microsoft-com:vml" xmlns:pvml="urn:schemas-microsoft-com:office:powerpoint" xmlns:com="http://schemas.openxmlformats.org/drawingml/2006/compatibility" xmlns:p14="http://schemas.microsoft.com/office/powerpoint/2010/main" xmlns:p15="http://schemas.microsoft.com/office/powerpoint/2012/main">
-  <p:cSld>
-    <p:spTree>
-      <p:nvGrpSpPr>
-        <p:cNvPr id="90" name="Shape 90"/>
-        <p:cNvGrpSpPr/>
-        <p:nvPr/>
-      </p:nvGrpSpPr>
-      <p:grpSpPr>
-        <a:xfrm>
-          <a:off x="0" y="0"/>
-          <a:ext cx="0" cy="0"/>
-          <a:chOff x="0" y="0"/>
-          <a:chExt cx="0" cy="0"/>
-        </a:xfrm>
-      </p:grpSpPr>
-      <p:sp>
-        <p:nvSpPr>
-          <p:cNvPr id="91" name="Google Shape;91;p14"/>
-          <p:cNvSpPr txBox="1"/>
-          <p:nvPr>
-            <p:ph type="title"/>
-          </p:nvPr>
-        </p:nvSpPr>
-        <p:spPr>
-          <a:xfrm>
-            <a:off x="311700" y="457200"/>
-            <a:ext cx="8520600" cy="607800"/>
-          </a:xfrm>
-          <a:prstGeom prst="rect">
-            <a:avLst/>
-          </a:prstGeom>
-        </p:spPr>
-        <p:txBody>
-          <a:bodyPr anchorCtr="0" anchor="t" bIns="91425" lIns="91425" spcFirstLastPara="1" rIns="91425" wrap="square" tIns="91425">
-            <a:noAutofit/>
-          </a:bodyPr>
-          <a:lstStyle/>
-          <a:p>
-            <a:pPr indent="0" lvl="0" marL="0" rtl="0" algn="l">
-              <a:spcBef>
-                <a:spcPts val="0"/>
-              </a:spcBef>
-              <a:spcAft>
-                <a:spcPts val="0"/>
-              </a:spcAft>
-              <a:buNone/>
-            </a:pPr>
-            <a:r>
-              <a:rPr lang="es-419"/>
-              <a:t>PROBLEMA  </a:t>
-            </a:r>
-            <a:endParaRPr/>
-          </a:p>
-        </p:txBody>
-      </p:sp>
-      <p:sp>
-        <p:nvSpPr>
-          <p:cNvPr id="92" name="Google Shape;92;p14"/>
-          <p:cNvSpPr txBox="1"/>
-          <p:nvPr>
-            <p:ph idx="1" type="body"/>
-          </p:nvPr>
-        </p:nvSpPr>
-        <p:spPr>
-          <a:xfrm>
-            <a:off x="311700" y="1131050"/>
-            <a:ext cx="8229600" cy="819000"/>
-          </a:xfrm>
-          <a:prstGeom prst="rect">
-            <a:avLst/>
-          </a:prstGeom>
-        </p:spPr>
-        <p:txBody>
-          <a:bodyPr anchorCtr="0" anchor="t" bIns="91425" lIns="91425" spcFirstLastPara="1" rIns="91425" wrap="square" tIns="91425">
-            <a:noAutofit/>
-          </a:bodyPr>
-          <a:lstStyle/>
-          <a:p>
-            <a:pPr indent="0" lvl="0" marL="0" rtl="0" algn="just">
-              <a:spcBef>
-                <a:spcPts val="0"/>
-              </a:spcBef>
-              <a:spcAft>
-                <a:spcPts val="0"/>
-              </a:spcAft>
-              <a:buNone/>
-            </a:pPr>
-            <a:r>
-              <a:rPr lang="es-419"/>
-              <a:t>Se busco en el entorno un problema o </a:t>
-            </a:r>
-            <a:r>
-              <a:rPr lang="es-419"/>
-              <a:t>temática</a:t>
-            </a:r>
-            <a:r>
-              <a:rPr lang="es-419"/>
-              <a:t> en la cual se pueda aplicar la </a:t>
-            </a:r>
-            <a:r>
-              <a:rPr lang="es-419"/>
-              <a:t>simulación</a:t>
-            </a:r>
-            <a:r>
-              <a:rPr lang="es-419"/>
-              <a:t> digital mediante diversos </a:t>
-            </a:r>
-            <a:r>
-              <a:rPr lang="es-419"/>
-              <a:t>métodos</a:t>
-            </a:r>
-            <a:r>
-              <a:rPr lang="es-419"/>
-              <a:t>.</a:t>
-            </a:r>
-            <a:endParaRPr/>
-          </a:p>
-          <a:p>
-            <a:pPr indent="0" lvl="0" marL="0" rtl="0" algn="just">
-              <a:spcBef>
-                <a:spcPts val="1600"/>
-              </a:spcBef>
-              <a:spcAft>
-                <a:spcPts val="1600"/>
-              </a:spcAft>
-              <a:buNone/>
-            </a:pPr>
-            <a:r>
-              <a:t/>
-            </a:r>
-            <a:endParaRPr/>
-          </a:p>
-        </p:txBody>
-      </p:sp>
-      <p:pic>
-        <p:nvPicPr>
-          <p:cNvPr id="93" name="Google Shape;93;p14"/>
-          <p:cNvPicPr preferRelativeResize="0"/>
-          <p:nvPr/>
-        </p:nvPicPr>
-        <p:blipFill>
-          <a:blip r:embed="rId3">
-            <a:alphaModFix/>
-          </a:blip>
-          <a:stretch>
-            <a:fillRect/>
-          </a:stretch>
-        </p:blipFill>
-        <p:spPr>
-          <a:xfrm>
-            <a:off x="5053675" y="1950050"/>
-            <a:ext cx="3778626" cy="2302800"/>
-          </a:xfrm>
-          <a:prstGeom prst="rect">
-            <a:avLst/>
-          </a:prstGeom>
-          <a:noFill/>
-          <a:ln>
-            <a:noFill/>
-          </a:ln>
-        </p:spPr>
-      </p:pic>
-      <p:sp>
-        <p:nvSpPr>
-          <p:cNvPr id="94" name="Google Shape;94;p14"/>
-          <p:cNvSpPr txBox="1"/>
-          <p:nvPr/>
-        </p:nvSpPr>
-        <p:spPr>
-          <a:xfrm>
-            <a:off x="311700" y="2124175"/>
-            <a:ext cx="4332000" cy="2302800"/>
-          </a:xfrm>
-          <a:prstGeom prst="rect">
-            <a:avLst/>
-          </a:prstGeom>
-          <a:noFill/>
-          <a:ln>
-            <a:noFill/>
-          </a:ln>
-        </p:spPr>
-        <p:txBody>
-          <a:bodyPr anchorCtr="0" anchor="t" bIns="91425" lIns="91425" spcFirstLastPara="1" rIns="91425" wrap="square" tIns="91425">
-            <a:noAutofit/>
-          </a:bodyPr>
-          <a:lstStyle/>
-          <a:p>
-            <a:pPr indent="0" lvl="0" marL="0" rtl="0" algn="just">
-              <a:lnSpc>
-                <a:spcPct val="115000"/>
-              </a:lnSpc>
-              <a:spcBef>
-                <a:spcPts val="0"/>
-              </a:spcBef>
-              <a:spcAft>
-                <a:spcPts val="1600"/>
-              </a:spcAft>
-              <a:buNone/>
-            </a:pPr>
-            <a:r>
-              <a:rPr lang="es-419" sz="1800">
-                <a:solidFill>
-                  <a:schemeClr val="dk2"/>
-                </a:solidFill>
-                <a:latin typeface="Roboto"/>
-                <a:ea typeface="Roboto"/>
-                <a:cs typeface="Roboto"/>
-                <a:sym typeface="Roboto"/>
-              </a:rPr>
-              <a:t>Se determinó la venta de productos agrícolas y su comportamiento en el mercado y la variación de precios para tener una estimación de su viabilidad para compras futuras. </a:t>
-            </a:r>
-            <a:endParaRPr>
-              <a:latin typeface="Roboto"/>
-              <a:ea typeface="Roboto"/>
-              <a:cs typeface="Roboto"/>
-              <a:sym typeface="Roboto"/>
-            </a:endParaRPr>
-          </a:p>
-        </p:txBody>
-      </p:sp>
-    </p:spTree>
-  </p:cSld>
-  <p:clrMapOvr>
-    <a:masterClrMapping/>
-  </p:clrMapOvr>
-</p:sld>
-</file>
-
-<file path=ppt/slides/slide3.xml><?xml version="1.0" encoding="utf-8"?>
-<p:sld xmlns:a="http://schemas.openxmlformats.org/drawingml/2006/main" xmlns:r="http://schemas.openxmlformats.org/officeDocument/2006/relationships" xmlns:mc="http://schemas.openxmlformats.org/markup-compatibility/2006" xmlns:mv="urn:schemas-microsoft-com:mac:vml" xmlns:p="http://schemas.openxmlformats.org/presentationml/2006/main" xmlns:c="http://schemas.openxmlformats.org/drawingml/2006/chart" xmlns:dgm="http://schemas.openxmlformats.org/drawingml/2006/diagram" xmlns:o="urn:schemas-microsoft-com:office:office" xmlns:v="urn:schemas-microsoft-com:vml" xmlns:pvml="urn:schemas-microsoft-com:office:powerpoint" xmlns:com="http://schemas.openxmlformats.org/drawingml/2006/compatibility" xmlns:p14="http://schemas.microsoft.com/office/powerpoint/2010/main" xmlns:p15="http://schemas.microsoft.com/office/powerpoint/2012/main">
-  <p:cSld>
-    <p:spTree>
-      <p:nvGrpSpPr>
-        <p:cNvPr id="98" name="Shape 98"/>
-        <p:cNvGrpSpPr/>
-        <p:nvPr/>
-      </p:nvGrpSpPr>
-      <p:grpSpPr>
-        <a:xfrm>
-          <a:off x="0" y="0"/>
-          <a:ext cx="0" cy="0"/>
-          <a:chOff x="0" y="0"/>
-          <a:chExt cx="0" cy="0"/>
-        </a:xfrm>
-      </p:grpSpPr>
-      <p:sp>
-        <p:nvSpPr>
-          <p:cNvPr id="99" name="Google Shape;99;p15"/>
-          <p:cNvSpPr txBox="1"/>
-          <p:nvPr>
-            <p:ph type="title"/>
-          </p:nvPr>
-        </p:nvSpPr>
-        <p:spPr>
-          <a:xfrm>
-            <a:off x="311700" y="410000"/>
-            <a:ext cx="8520600" cy="607800"/>
-          </a:xfrm>
-          <a:prstGeom prst="rect">
-            <a:avLst/>
-          </a:prstGeom>
-        </p:spPr>
-        <p:txBody>
-          <a:bodyPr anchorCtr="0" anchor="t" bIns="91425" lIns="91425" spcFirstLastPara="1" rIns="91425" wrap="square" tIns="91425">
-            <a:noAutofit/>
-          </a:bodyPr>
-          <a:lstStyle/>
-          <a:p>
-            <a:pPr indent="0" lvl="0" marL="0" rtl="0" algn="l">
-              <a:spcBef>
-                <a:spcPts val="0"/>
-              </a:spcBef>
-              <a:spcAft>
-                <a:spcPts val="0"/>
-              </a:spcAft>
-              <a:buNone/>
-            </a:pPr>
-            <a:r>
-              <a:rPr lang="es-419"/>
-              <a:t>TRATAMIENTO</a:t>
-            </a:r>
-            <a:endParaRPr/>
-          </a:p>
-        </p:txBody>
-      </p:sp>
-      <p:sp>
-        <p:nvSpPr>
-          <p:cNvPr id="100" name="Google Shape;100;p15"/>
-          <p:cNvSpPr txBox="1"/>
-          <p:nvPr>
-            <p:ph idx="1" type="body"/>
-          </p:nvPr>
-        </p:nvSpPr>
-        <p:spPr>
-          <a:xfrm>
-            <a:off x="311700" y="1163825"/>
-            <a:ext cx="8520600" cy="866100"/>
-          </a:xfrm>
-          <a:prstGeom prst="rect">
-            <a:avLst/>
-          </a:prstGeom>
-        </p:spPr>
-        <p:txBody>
-          <a:bodyPr anchorCtr="0" anchor="t" bIns="91425" lIns="91425" spcFirstLastPara="1" rIns="91425" wrap="square" tIns="91425">
-            <a:noAutofit/>
-          </a:bodyPr>
-          <a:lstStyle/>
-          <a:p>
-            <a:pPr indent="0" lvl="0" marL="0" rtl="0" algn="l">
-              <a:spcBef>
-                <a:spcPts val="0"/>
-              </a:spcBef>
-              <a:spcAft>
-                <a:spcPts val="1600"/>
-              </a:spcAft>
-              <a:buNone/>
-            </a:pPr>
-            <a:r>
-              <a:rPr lang="es-419"/>
-              <a:t>Se </a:t>
-            </a:r>
-            <a:r>
-              <a:rPr lang="es-419"/>
-              <a:t>elaboró</a:t>
-            </a:r>
-            <a:r>
-              <a:rPr lang="es-419"/>
-              <a:t> un dataSet en base a datos obtenidos de los </a:t>
-            </a:r>
-            <a:r>
-              <a:rPr lang="es-419"/>
-              <a:t>históricos</a:t>
-            </a:r>
-            <a:r>
-              <a:rPr lang="es-419"/>
-              <a:t> de precios de diversos productos de la central de abastos de bucaramanga CentroAbastos </a:t>
-            </a:r>
-            <a:endParaRPr/>
-          </a:p>
-        </p:txBody>
-      </p:sp>
-      <p:pic>
-        <p:nvPicPr>
-          <p:cNvPr id="101" name="Google Shape;101;p15"/>
-          <p:cNvPicPr preferRelativeResize="0"/>
-          <p:nvPr/>
-        </p:nvPicPr>
-        <p:blipFill>
-          <a:blip r:embed="rId3">
-            <a:alphaModFix/>
-          </a:blip>
-          <a:stretch>
-            <a:fillRect/>
-          </a:stretch>
-        </p:blipFill>
-        <p:spPr>
-          <a:xfrm>
-            <a:off x="4384275" y="1963850"/>
-            <a:ext cx="4539400" cy="2850150"/>
-          </a:xfrm>
-          <a:prstGeom prst="rect">
-            <a:avLst/>
-          </a:prstGeom>
-          <a:noFill/>
-          <a:ln>
-            <a:noFill/>
-          </a:ln>
-        </p:spPr>
-      </p:pic>
-      <p:sp>
-        <p:nvSpPr>
-          <p:cNvPr id="102" name="Google Shape;102;p15"/>
-          <p:cNvSpPr txBox="1"/>
-          <p:nvPr/>
-        </p:nvSpPr>
-        <p:spPr>
-          <a:xfrm>
-            <a:off x="311700" y="2692200"/>
-            <a:ext cx="4156200" cy="1092900"/>
-          </a:xfrm>
-          <a:prstGeom prst="rect">
-            <a:avLst/>
-          </a:prstGeom>
-          <a:noFill/>
-          <a:ln>
-            <a:noFill/>
-          </a:ln>
-        </p:spPr>
-        <p:txBody>
-          <a:bodyPr anchorCtr="0" anchor="t" bIns="91425" lIns="91425" spcFirstLastPara="1" rIns="91425" wrap="square" tIns="91425">
-            <a:noAutofit/>
-          </a:bodyPr>
-          <a:lstStyle/>
-          <a:p>
-            <a:pPr indent="0" lvl="0" marL="0" rtl="0" algn="l">
-              <a:spcBef>
-                <a:spcPts val="0"/>
-              </a:spcBef>
-              <a:spcAft>
-                <a:spcPts val="0"/>
-              </a:spcAft>
-              <a:buNone/>
-            </a:pPr>
-            <a:r>
-              <a:rPr lang="es-419" sz="1800">
-                <a:solidFill>
-                  <a:srgbClr val="434343"/>
-                </a:solidFill>
-                <a:latin typeface="Roboto"/>
-                <a:ea typeface="Roboto"/>
-                <a:cs typeface="Roboto"/>
-                <a:sym typeface="Roboto"/>
-              </a:rPr>
-              <a:t>Producto: Mora Castilla.</a:t>
-            </a:r>
-            <a:endParaRPr sz="1800">
-              <a:solidFill>
-                <a:srgbClr val="434343"/>
-              </a:solidFill>
-              <a:latin typeface="Roboto"/>
-              <a:ea typeface="Roboto"/>
-              <a:cs typeface="Roboto"/>
-              <a:sym typeface="Roboto"/>
-            </a:endParaRPr>
-          </a:p>
-          <a:p>
-            <a:pPr indent="0" lvl="0" marL="0" rtl="0" algn="l">
-              <a:spcBef>
-                <a:spcPts val="0"/>
-              </a:spcBef>
-              <a:spcAft>
-                <a:spcPts val="0"/>
-              </a:spcAft>
-              <a:buNone/>
-            </a:pPr>
-            <a:r>
-              <a:rPr lang="es-419" sz="1800">
-                <a:solidFill>
-                  <a:srgbClr val="434343"/>
-                </a:solidFill>
-                <a:latin typeface="Roboto"/>
-                <a:ea typeface="Roboto"/>
-                <a:cs typeface="Roboto"/>
-                <a:sym typeface="Roboto"/>
-              </a:rPr>
-              <a:t>fecha: 01/06/2018 hasta 05/03/2020.</a:t>
-            </a:r>
-            <a:endParaRPr sz="1800">
-              <a:solidFill>
-                <a:srgbClr val="434343"/>
-              </a:solidFill>
-              <a:latin typeface="Roboto"/>
-              <a:ea typeface="Roboto"/>
-              <a:cs typeface="Roboto"/>
-              <a:sym typeface="Roboto"/>
-            </a:endParaRPr>
-          </a:p>
-          <a:p>
-            <a:pPr indent="0" lvl="0" marL="0" rtl="0" algn="l">
-              <a:spcBef>
-                <a:spcPts val="0"/>
-              </a:spcBef>
-              <a:spcAft>
-                <a:spcPts val="0"/>
-              </a:spcAft>
-              <a:buNone/>
-            </a:pPr>
-            <a:r>
-              <a:rPr lang="es-419" sz="1800">
-                <a:solidFill>
-                  <a:srgbClr val="434343"/>
-                </a:solidFill>
-                <a:latin typeface="Roboto"/>
-                <a:ea typeface="Roboto"/>
-                <a:cs typeface="Roboto"/>
-                <a:sym typeface="Roboto"/>
-              </a:rPr>
-              <a:t>precio: precio venta por arroba.</a:t>
-            </a:r>
-            <a:endParaRPr sz="1800">
-              <a:solidFill>
-                <a:srgbClr val="434343"/>
-              </a:solidFill>
-              <a:latin typeface="Roboto"/>
-              <a:ea typeface="Roboto"/>
-              <a:cs typeface="Roboto"/>
-              <a:sym typeface="Roboto"/>
-            </a:endParaRPr>
-          </a:p>
-          <a:p>
-            <a:pPr indent="0" lvl="0" marL="0" rtl="0" algn="l">
-              <a:spcBef>
-                <a:spcPts val="0"/>
-              </a:spcBef>
-              <a:spcAft>
-                <a:spcPts val="0"/>
-              </a:spcAft>
-              <a:buNone/>
-            </a:pPr>
-            <a:r>
-              <a:t/>
-            </a:r>
-            <a:endParaRPr sz="1800">
-              <a:solidFill>
-                <a:srgbClr val="434343"/>
-              </a:solidFill>
-              <a:latin typeface="Roboto"/>
-              <a:ea typeface="Roboto"/>
-              <a:cs typeface="Roboto"/>
-              <a:sym typeface="Roboto"/>
-            </a:endParaRPr>
-          </a:p>
-        </p:txBody>
-      </p:sp>
-    </p:spTree>
-  </p:cSld>
-  <p:clrMapOvr>
-    <a:masterClrMapping/>
-  </p:clrMapOvr>
-</p:sld>
-</file>
-
-<file path=ppt/slides/slide4.xml><?xml version="1.0" encoding="utf-8"?>
-<p:sld xmlns:a="http://schemas.openxmlformats.org/drawingml/2006/main" xmlns:r="http://schemas.openxmlformats.org/officeDocument/2006/relationships" xmlns:mc="http://schemas.openxmlformats.org/markup-compatibility/2006" xmlns:mv="urn:schemas-microsoft-com:mac:vml" xmlns:p="http://schemas.openxmlformats.org/presentationml/2006/main" xmlns:c="http://schemas.openxmlformats.org/drawingml/2006/chart" xmlns:dgm="http://schemas.openxmlformats.org/drawingml/2006/diagram" xmlns:o="urn:schemas-microsoft-com:office:office" xmlns:v="urn:schemas-microsoft-com:vml" xmlns:pvml="urn:schemas-microsoft-com:office:powerpoint" xmlns:com="http://schemas.openxmlformats.org/drawingml/2006/compatibility" xmlns:p14="http://schemas.microsoft.com/office/powerpoint/2010/main" xmlns:p15="http://schemas.microsoft.com/office/powerpoint/2012/main">
-  <p:cSld>
-    <p:spTree>
-      <p:nvGrpSpPr>
-        <p:cNvPr id="106" name="Shape 106"/>
-        <p:cNvGrpSpPr/>
-        <p:nvPr/>
-      </p:nvGrpSpPr>
-      <p:grpSpPr>
-        <a:xfrm>
-          <a:off x="0" y="0"/>
-          <a:ext cx="0" cy="0"/>
-          <a:chOff x="0" y="0"/>
-          <a:chExt cx="0" cy="0"/>
-        </a:xfrm>
-      </p:grpSpPr>
-      <p:sp>
-        <p:nvSpPr>
-          <p:cNvPr id="107" name="Google Shape;107;p16"/>
-          <p:cNvSpPr txBox="1"/>
-          <p:nvPr>
-            <p:ph type="title"/>
-          </p:nvPr>
-        </p:nvSpPr>
-        <p:spPr>
-          <a:xfrm>
-            <a:off x="311700" y="410000"/>
-            <a:ext cx="8520600" cy="607800"/>
-          </a:xfrm>
-          <a:prstGeom prst="rect">
-            <a:avLst/>
-          </a:prstGeom>
-        </p:spPr>
-        <p:txBody>
-          <a:bodyPr anchorCtr="0" anchor="t" bIns="91425" lIns="91425" spcFirstLastPara="1" rIns="91425" wrap="square" tIns="91425">
-            <a:noAutofit/>
-          </a:bodyPr>
-          <a:lstStyle/>
-          <a:p>
-            <a:pPr indent="0" lvl="0" marL="0" rtl="0" algn="l">
-              <a:spcBef>
-                <a:spcPts val="0"/>
-              </a:spcBef>
-              <a:spcAft>
-                <a:spcPts val="0"/>
-              </a:spcAft>
-              <a:buNone/>
-            </a:pPr>
-            <a:r>
-              <a:rPr lang="es-419"/>
-              <a:t>APLICACIÓN DE </a:t>
-            </a:r>
-            <a:r>
-              <a:rPr lang="es-419"/>
-              <a:t>MÉTODOS</a:t>
-            </a:r>
-            <a:endParaRPr/>
-          </a:p>
-        </p:txBody>
-      </p:sp>
-      <p:sp>
-        <p:nvSpPr>
-          <p:cNvPr id="108" name="Google Shape;108;p16"/>
-          <p:cNvSpPr txBox="1"/>
-          <p:nvPr>
-            <p:ph idx="1" type="body"/>
-          </p:nvPr>
-        </p:nvSpPr>
-        <p:spPr>
-          <a:xfrm>
-            <a:off x="311700" y="1229875"/>
-            <a:ext cx="8520600" cy="3339000"/>
-          </a:xfrm>
-          <a:prstGeom prst="rect">
-            <a:avLst/>
-          </a:prstGeom>
-        </p:spPr>
-        <p:txBody>
-          <a:bodyPr anchorCtr="0" anchor="t" bIns="91425" lIns="91425" spcFirstLastPara="1" rIns="91425" wrap="square" tIns="91425">
-            <a:noAutofit/>
-          </a:bodyPr>
-          <a:lstStyle/>
-          <a:p>
-            <a:pPr indent="0" lvl="0" marL="0" rtl="0" algn="l">
-              <a:spcBef>
-                <a:spcPts val="0"/>
-              </a:spcBef>
-              <a:spcAft>
-                <a:spcPts val="0"/>
-              </a:spcAft>
-              <a:buNone/>
-            </a:pPr>
-            <a:r>
-              <a:rPr lang="es-419"/>
-              <a:t>A </a:t>
-            </a:r>
-            <a:r>
-              <a:rPr lang="es-419"/>
-              <a:t>continuación</a:t>
-            </a:r>
-            <a:r>
-              <a:rPr lang="es-419"/>
-              <a:t> se aplican los siguientes </a:t>
-            </a:r>
-            <a:r>
-              <a:rPr lang="es-419"/>
-              <a:t>métodos</a:t>
-            </a:r>
-            <a:r>
-              <a:rPr lang="es-419"/>
-              <a:t> para predecir u observar el comportamiento del precio de venta de la mora.</a:t>
-            </a:r>
-            <a:endParaRPr/>
-          </a:p>
-          <a:p>
-            <a:pPr indent="-342900" lvl="0" marL="457200" rtl="0" algn="l">
-              <a:spcBef>
-                <a:spcPts val="1600"/>
-              </a:spcBef>
-              <a:spcAft>
-                <a:spcPts val="0"/>
-              </a:spcAft>
-              <a:buSzPts val="1800"/>
-              <a:buChar char="●"/>
-            </a:pPr>
-            <a:r>
-              <a:rPr lang="es-419"/>
-              <a:t>Series de tiempo. </a:t>
-            </a:r>
-            <a:endParaRPr/>
-          </a:p>
-          <a:p>
-            <a:pPr indent="-342900" lvl="0" marL="457200" rtl="0" algn="l">
-              <a:spcBef>
-                <a:spcPts val="0"/>
-              </a:spcBef>
-              <a:spcAft>
-                <a:spcPts val="0"/>
-              </a:spcAft>
-              <a:buSzPts val="1800"/>
-              <a:buChar char="●"/>
-            </a:pPr>
-            <a:r>
-              <a:rPr lang="es-419"/>
-              <a:t>Cadena de Markov.</a:t>
-            </a:r>
-            <a:endParaRPr/>
-          </a:p>
-        </p:txBody>
-      </p:sp>
-    </p:spTree>
-  </p:cSld>
-  <p:clrMapOvr>
-    <a:masterClrMapping/>
-  </p:clrMapOvr>
-</p:sld>
-</file>
-
-<file path=ppt/slides/slide5.xml><?xml version="1.0" encoding="utf-8"?>
-<p:sld xmlns:a="http://schemas.openxmlformats.org/drawingml/2006/main" xmlns:r="http://schemas.openxmlformats.org/officeDocument/2006/relationships" xmlns:mc="http://schemas.openxmlformats.org/markup-compatibility/2006" xmlns:mv="urn:schemas-microsoft-com:mac:vml" xmlns:p="http://schemas.openxmlformats.org/presentationml/2006/main" xmlns:c="http://schemas.openxmlformats.org/drawingml/2006/chart" xmlns:dgm="http://schemas.openxmlformats.org/drawingml/2006/diagram" xmlns:o="urn:schemas-microsoft-com:office:office" xmlns:v="urn:schemas-microsoft-com:vml" xmlns:pvml="urn:schemas-microsoft-com:office:powerpoint" xmlns:com="http://schemas.openxmlformats.org/drawingml/2006/compatibility" xmlns:p14="http://schemas.microsoft.com/office/powerpoint/2010/main" xmlns:p15="http://schemas.microsoft.com/office/powerpoint/2012/main">
-  <p:cSld>
-    <p:spTree>
-      <p:nvGrpSpPr>
-        <p:cNvPr id="112" name="Shape 112"/>
-        <p:cNvGrpSpPr/>
-        <p:nvPr/>
-      </p:nvGrpSpPr>
-      <p:grpSpPr>
-        <a:xfrm>
-          <a:off x="0" y="0"/>
-          <a:ext cx="0" cy="0"/>
-          <a:chOff x="0" y="0"/>
-          <a:chExt cx="0" cy="0"/>
-        </a:xfrm>
-      </p:grpSpPr>
-      <p:sp>
-        <p:nvSpPr>
-          <p:cNvPr id="113" name="Google Shape;113;p17"/>
-          <p:cNvSpPr txBox="1"/>
-          <p:nvPr>
-            <p:ph type="title"/>
-          </p:nvPr>
-        </p:nvSpPr>
-        <p:spPr>
-          <a:xfrm>
-            <a:off x="311700" y="410000"/>
-            <a:ext cx="8520600" cy="607800"/>
-          </a:xfrm>
-          <a:prstGeom prst="rect">
-            <a:avLst/>
-          </a:prstGeom>
-        </p:spPr>
-        <p:txBody>
-          <a:bodyPr anchorCtr="0" anchor="t" bIns="91425" lIns="91425" spcFirstLastPara="1" rIns="91425" wrap="square" tIns="91425">
-            <a:noAutofit/>
-          </a:bodyPr>
-          <a:lstStyle/>
-          <a:p>
-            <a:pPr indent="0" lvl="0" marL="0" rtl="0" algn="l">
-              <a:spcBef>
-                <a:spcPts val="0"/>
-              </a:spcBef>
-              <a:spcAft>
-                <a:spcPts val="0"/>
-              </a:spcAft>
-              <a:buNone/>
-            </a:pPr>
-            <a:r>
-              <a:rPr lang="es-419"/>
-              <a:t>Series de tiempo</a:t>
-            </a:r>
-            <a:endParaRPr/>
-          </a:p>
-        </p:txBody>
-      </p:sp>
-      <p:sp>
-        <p:nvSpPr>
-          <p:cNvPr id="114" name="Google Shape;114;p17"/>
-          <p:cNvSpPr txBox="1"/>
-          <p:nvPr>
-            <p:ph idx="1" type="body"/>
-          </p:nvPr>
-        </p:nvSpPr>
-        <p:spPr>
-          <a:xfrm>
-            <a:off x="311700" y="1507350"/>
-            <a:ext cx="8520600" cy="2128800"/>
-          </a:xfrm>
-          <a:prstGeom prst="rect">
-            <a:avLst/>
-          </a:prstGeom>
-        </p:spPr>
-        <p:txBody>
-          <a:bodyPr anchorCtr="0" anchor="t" bIns="91425" lIns="91425" spcFirstLastPara="1" rIns="91425" wrap="square" tIns="91425">
-            <a:noAutofit/>
-          </a:bodyPr>
-          <a:lstStyle/>
-          <a:p>
-            <a:pPr indent="0" lvl="0" marL="0" rtl="0" algn="ctr">
-              <a:spcBef>
-                <a:spcPts val="0"/>
-              </a:spcBef>
-              <a:spcAft>
-                <a:spcPts val="1600"/>
-              </a:spcAft>
-              <a:buNone/>
-            </a:pPr>
-            <a:r>
-              <a:rPr lang="es-419" sz="2400"/>
-              <a:t>Queremos ver el comportamiento del precio en la venta en este ejemplo de la Mora Castilla, para esto debemos saber si nuestro datos forman una serie estacionaria, para ello aplicaremos la prueba de </a:t>
-            </a:r>
-            <a:r>
-              <a:rPr b="1" lang="es-419" sz="2400"/>
-              <a:t>Dickey-Fuller</a:t>
-            </a:r>
-            <a:r>
-              <a:rPr lang="es-419" sz="2400"/>
-              <a:t>.</a:t>
-            </a:r>
-            <a:endParaRPr sz="2400"/>
-          </a:p>
-        </p:txBody>
-      </p:sp>
-    </p:spTree>
-  </p:cSld>
-  <p:clrMapOvr>
-    <a:masterClrMapping/>
-  </p:clrMapOvr>
-</p:sld>
-</file>
-
-<file path=ppt/slides/slide6.xml><?xml version="1.0" encoding="utf-8"?>
-<p:sld xmlns:a="http://schemas.openxmlformats.org/drawingml/2006/main" xmlns:r="http://schemas.openxmlformats.org/officeDocument/2006/relationships" xmlns:mc="http://schemas.openxmlformats.org/markup-compatibility/2006" xmlns:mv="urn:schemas-microsoft-com:mac:vml" xmlns:p="http://schemas.openxmlformats.org/presentationml/2006/main" xmlns:c="http://schemas.openxmlformats.org/drawingml/2006/chart" xmlns:dgm="http://schemas.openxmlformats.org/drawingml/2006/diagram" xmlns:o="urn:schemas-microsoft-com:office:office" xmlns:v="urn:schemas-microsoft-com:vml" xmlns:pvml="urn:schemas-microsoft-com:office:powerpoint" xmlns:com="http://schemas.openxmlformats.org/drawingml/2006/compatibility" xmlns:p14="http://schemas.microsoft.com/office/powerpoint/2010/main" xmlns:p15="http://schemas.microsoft.com/office/powerpoint/2012/main">
-  <p:cSld>
-    <p:spTree>
-      <p:nvGrpSpPr>
-        <p:cNvPr id="118" name="Shape 118"/>
-        <p:cNvGrpSpPr/>
-        <p:nvPr/>
-      </p:nvGrpSpPr>
-      <p:grpSpPr>
-        <a:xfrm>
-          <a:off x="0" y="0"/>
-          <a:ext cx="0" cy="0"/>
-          <a:chOff x="0" y="0"/>
-          <a:chExt cx="0" cy="0"/>
-        </a:xfrm>
-      </p:grpSpPr>
-      <p:sp>
-        <p:nvSpPr>
-          <p:cNvPr id="119" name="Google Shape;119;p18"/>
-          <p:cNvSpPr txBox="1"/>
-          <p:nvPr>
-            <p:ph type="title"/>
-          </p:nvPr>
-        </p:nvSpPr>
-        <p:spPr>
-          <a:xfrm>
-            <a:off x="311700" y="410000"/>
-            <a:ext cx="8520600" cy="607800"/>
-          </a:xfrm>
-          <a:prstGeom prst="rect">
-            <a:avLst/>
-          </a:prstGeom>
-        </p:spPr>
-        <p:txBody>
-          <a:bodyPr anchorCtr="0" anchor="t" bIns="91425" lIns="91425" spcFirstLastPara="1" rIns="91425" wrap="square" tIns="91425">
-            <a:noAutofit/>
-          </a:bodyPr>
-          <a:lstStyle/>
-          <a:p>
-            <a:pPr indent="0" lvl="0" marL="0" rtl="0" algn="l">
-              <a:spcBef>
-                <a:spcPts val="0"/>
-              </a:spcBef>
-              <a:spcAft>
-                <a:spcPts val="0"/>
-              </a:spcAft>
-              <a:buNone/>
-            </a:pPr>
-            <a:r>
-              <a:rPr lang="es-419"/>
-              <a:t>Prueba de </a:t>
-            </a:r>
-            <a:r>
-              <a:rPr lang="es-419"/>
-              <a:t>Estacionariedad</a:t>
-            </a:r>
-            <a:endParaRPr/>
-          </a:p>
-        </p:txBody>
-      </p:sp>
-      <p:pic>
-        <p:nvPicPr>
-          <p:cNvPr id="120" name="Google Shape;120;p18"/>
-          <p:cNvPicPr preferRelativeResize="0"/>
-          <p:nvPr/>
-        </p:nvPicPr>
-        <p:blipFill>
-          <a:blip r:embed="rId3">
-            <a:alphaModFix/>
-          </a:blip>
-          <a:stretch>
-            <a:fillRect/>
-          </a:stretch>
-        </p:blipFill>
-        <p:spPr>
-          <a:xfrm>
-            <a:off x="3509950" y="1302850"/>
-            <a:ext cx="5468450" cy="3165950"/>
-          </a:xfrm>
-          <a:prstGeom prst="rect">
-            <a:avLst/>
-          </a:prstGeom>
-          <a:noFill/>
-          <a:ln>
-            <a:noFill/>
-          </a:ln>
-        </p:spPr>
-      </p:pic>
-      <p:pic>
-        <p:nvPicPr>
-          <p:cNvPr id="121" name="Google Shape;121;p18"/>
-          <p:cNvPicPr preferRelativeResize="0"/>
-          <p:nvPr/>
-        </p:nvPicPr>
-        <p:blipFill>
-          <a:blip r:embed="rId4">
-            <a:alphaModFix/>
-          </a:blip>
-          <a:stretch>
-            <a:fillRect/>
-          </a:stretch>
-        </p:blipFill>
-        <p:spPr>
-          <a:xfrm>
-            <a:off x="106663" y="1495425"/>
-            <a:ext cx="3343275" cy="1543050"/>
-          </a:xfrm>
-          <a:prstGeom prst="rect">
-            <a:avLst/>
-          </a:prstGeom>
-          <a:noFill/>
-          <a:ln>
-            <a:noFill/>
-          </a:ln>
-        </p:spPr>
-      </p:pic>
-      <p:sp>
-        <p:nvSpPr>
-          <p:cNvPr id="122" name="Google Shape;122;p18"/>
-          <p:cNvSpPr txBox="1"/>
-          <p:nvPr>
-            <p:ph idx="1" type="body"/>
-          </p:nvPr>
-        </p:nvSpPr>
-        <p:spPr>
-          <a:xfrm>
-            <a:off x="106675" y="3485575"/>
-            <a:ext cx="3343200" cy="1341900"/>
-          </a:xfrm>
-          <a:prstGeom prst="rect">
-            <a:avLst/>
-          </a:prstGeom>
-        </p:spPr>
-        <p:txBody>
-          <a:bodyPr anchorCtr="0" anchor="t" bIns="91425" lIns="91425" spcFirstLastPara="1" rIns="91425" wrap="square" tIns="91425">
-            <a:noAutofit/>
-          </a:bodyPr>
-          <a:lstStyle/>
-          <a:p>
-            <a:pPr indent="-342900" lvl="0" marL="457200" rtl="0" algn="l">
-              <a:spcBef>
-                <a:spcPts val="0"/>
-              </a:spcBef>
-              <a:spcAft>
-                <a:spcPts val="0"/>
-              </a:spcAft>
-              <a:buSzPts val="1800"/>
-              <a:buChar char="●"/>
-            </a:pPr>
-            <a:r>
-              <a:rPr lang="es-419"/>
-              <a:t>99% de seguridad de que la serie de tiempo es estacionaria.</a:t>
-            </a:r>
-            <a:endParaRPr/>
-          </a:p>
-        </p:txBody>
-      </p:sp>
-    </p:spTree>
-  </p:cSld>
-  <p:clrMapOvr>
-    <a:masterClrMapping/>
-  </p:clrMapOvr>
-</p:sld>
-</file>
-
-<file path=ppt/slides/slide7.xml><?xml version="1.0" encoding="utf-8"?>
-<p:sld xmlns:a="http://schemas.openxmlformats.org/drawingml/2006/main" xmlns:r="http://schemas.openxmlformats.org/officeDocument/2006/relationships" xmlns:mc="http://schemas.openxmlformats.org/markup-compatibility/2006" xmlns:mv="urn:schemas-microsoft-com:mac:vml" xmlns:p="http://schemas.openxmlformats.org/presentationml/2006/main" xmlns:c="http://schemas.openxmlformats.org/drawingml/2006/chart" xmlns:dgm="http://schemas.openxmlformats.org/drawingml/2006/diagram" xmlns:o="urn:schemas-microsoft-com:office:office" xmlns:v="urn:schemas-microsoft-com:vml" xmlns:pvml="urn:schemas-microsoft-com:office:powerpoint" xmlns:com="http://schemas.openxmlformats.org/drawingml/2006/compatibility" xmlns:p14="http://schemas.microsoft.com/office/powerpoint/2010/main" xmlns:p15="http://schemas.microsoft.com/office/powerpoint/2012/main">
-  <p:cSld>
-    <p:spTree>
-      <p:nvGrpSpPr>
-        <p:cNvPr id="126" name="Shape 126"/>
-        <p:cNvGrpSpPr/>
-        <p:nvPr/>
-      </p:nvGrpSpPr>
-      <p:grpSpPr>
-        <a:xfrm>
-          <a:off x="0" y="0"/>
-          <a:ext cx="0" cy="0"/>
-          <a:chOff x="0" y="0"/>
-          <a:chExt cx="0" cy="0"/>
-        </a:xfrm>
-      </p:grpSpPr>
-      <p:sp>
-        <p:nvSpPr>
-          <p:cNvPr id="127" name="Google Shape;127;p19"/>
-          <p:cNvSpPr txBox="1"/>
-          <p:nvPr>
-            <p:ph type="title"/>
-          </p:nvPr>
-        </p:nvSpPr>
-        <p:spPr>
-          <a:xfrm>
-            <a:off x="311700" y="410000"/>
-            <a:ext cx="8520600" cy="607800"/>
-          </a:xfrm>
-          <a:prstGeom prst="rect">
-            <a:avLst/>
-          </a:prstGeom>
-        </p:spPr>
-        <p:txBody>
-          <a:bodyPr anchorCtr="0" anchor="t" bIns="91425" lIns="91425" spcFirstLastPara="1" rIns="91425" wrap="square" tIns="91425">
-            <a:noAutofit/>
-          </a:bodyPr>
-          <a:lstStyle/>
-          <a:p>
-            <a:pPr indent="0" lvl="0" marL="0" rtl="0" algn="l">
-              <a:spcBef>
-                <a:spcPts val="0"/>
-              </a:spcBef>
-              <a:spcAft>
-                <a:spcPts val="0"/>
-              </a:spcAft>
-              <a:buNone/>
-            </a:pPr>
-            <a:r>
-              <a:rPr lang="es-419"/>
-              <a:t>Método</a:t>
-            </a:r>
-            <a:r>
-              <a:rPr lang="es-419"/>
-              <a:t> ARIMA</a:t>
-            </a:r>
-            <a:endParaRPr/>
-          </a:p>
-        </p:txBody>
-      </p:sp>
-      <p:sp>
-        <p:nvSpPr>
-          <p:cNvPr id="128" name="Google Shape;128;p19"/>
-          <p:cNvSpPr txBox="1"/>
-          <p:nvPr>
-            <p:ph idx="1" type="body"/>
-          </p:nvPr>
-        </p:nvSpPr>
-        <p:spPr>
-          <a:xfrm>
-            <a:off x="1155613" y="1290800"/>
-            <a:ext cx="1671300" cy="664200"/>
-          </a:xfrm>
-          <a:prstGeom prst="rect">
-            <a:avLst/>
-          </a:prstGeom>
-        </p:spPr>
-        <p:txBody>
-          <a:bodyPr anchorCtr="0" anchor="t" bIns="91425" lIns="91425" spcFirstLastPara="1" rIns="91425" wrap="square" tIns="91425">
-            <a:noAutofit/>
-          </a:bodyPr>
-          <a:lstStyle/>
-          <a:p>
-            <a:pPr indent="0" lvl="0" marL="0" rtl="0" algn="l">
-              <a:spcBef>
-                <a:spcPts val="0"/>
-              </a:spcBef>
-              <a:spcAft>
-                <a:spcPts val="1600"/>
-              </a:spcAft>
-              <a:buNone/>
-            </a:pPr>
-            <a:r>
-              <a:rPr b="1" lang="es-419" sz="3600"/>
-              <a:t>ARIMA</a:t>
-            </a:r>
-            <a:endParaRPr b="1" sz="3600"/>
-          </a:p>
-        </p:txBody>
-      </p:sp>
-      <p:pic>
-        <p:nvPicPr>
-          <p:cNvPr descr="Sales Forecasting Using ARIMA models | Odoo Apps" id="129" name="Google Shape;129;p19"/>
-          <p:cNvPicPr preferRelativeResize="0"/>
-          <p:nvPr/>
-        </p:nvPicPr>
-        <p:blipFill>
-          <a:blip r:embed="rId3">
-            <a:alphaModFix/>
-          </a:blip>
-          <a:stretch>
-            <a:fillRect/>
-          </a:stretch>
-        </p:blipFill>
-        <p:spPr>
-          <a:xfrm>
-            <a:off x="557750" y="2029688"/>
-            <a:ext cx="2867025" cy="1590675"/>
-          </a:xfrm>
-          <a:prstGeom prst="rect">
-            <a:avLst/>
-          </a:prstGeom>
-          <a:noFill/>
-          <a:ln>
-            <a:noFill/>
-          </a:ln>
-        </p:spPr>
-      </p:pic>
-      <p:sp>
-        <p:nvSpPr>
-          <p:cNvPr id="130" name="Google Shape;130;p19"/>
-          <p:cNvSpPr txBox="1"/>
-          <p:nvPr>
-            <p:ph idx="1" type="body"/>
-          </p:nvPr>
-        </p:nvSpPr>
-        <p:spPr>
-          <a:xfrm>
-            <a:off x="4171050" y="3302275"/>
-            <a:ext cx="2658000" cy="664200"/>
-          </a:xfrm>
-          <a:prstGeom prst="rect">
-            <a:avLst/>
-          </a:prstGeom>
-        </p:spPr>
-        <p:txBody>
-          <a:bodyPr anchorCtr="0" anchor="t" bIns="91425" lIns="91425" spcFirstLastPara="1" rIns="91425" wrap="square" tIns="91425">
-            <a:noAutofit/>
-          </a:bodyPr>
-          <a:lstStyle/>
-          <a:p>
-            <a:pPr indent="0" lvl="0" marL="0" rtl="0" algn="ctr">
-              <a:spcBef>
-                <a:spcPts val="0"/>
-              </a:spcBef>
-              <a:spcAft>
-                <a:spcPts val="1600"/>
-              </a:spcAft>
-              <a:buNone/>
-            </a:pPr>
-            <a:r>
-              <a:rPr b="1" lang="es-419" sz="3600"/>
-              <a:t>AR + I + MA</a:t>
-            </a:r>
-            <a:endParaRPr b="1" sz="3600"/>
-          </a:p>
-        </p:txBody>
-      </p:sp>
-      <p:sp>
-        <p:nvSpPr>
-          <p:cNvPr id="131" name="Google Shape;131;p19"/>
-          <p:cNvSpPr txBox="1"/>
-          <p:nvPr>
-            <p:ph idx="1" type="body"/>
-          </p:nvPr>
-        </p:nvSpPr>
-        <p:spPr>
-          <a:xfrm>
-            <a:off x="4335850" y="3966475"/>
-            <a:ext cx="2282700" cy="664200"/>
-          </a:xfrm>
-          <a:prstGeom prst="rect">
-            <a:avLst/>
-          </a:prstGeom>
-        </p:spPr>
-        <p:txBody>
-          <a:bodyPr anchorCtr="0" anchor="t" bIns="91425" lIns="91425" spcFirstLastPara="1" rIns="91425" wrap="square" tIns="91425">
-            <a:noAutofit/>
-          </a:bodyPr>
-          <a:lstStyle/>
-          <a:p>
-            <a:pPr indent="0" lvl="0" marL="0" rtl="0" algn="ctr">
-              <a:spcBef>
-                <a:spcPts val="0"/>
-              </a:spcBef>
-              <a:spcAft>
-                <a:spcPts val="1600"/>
-              </a:spcAft>
-              <a:buNone/>
-            </a:pPr>
-            <a:r>
-              <a:rPr lang="es-419" sz="3600"/>
-              <a:t>(p, d, q)</a:t>
-            </a:r>
-            <a:endParaRPr sz="3600"/>
-          </a:p>
-        </p:txBody>
-      </p:sp>
-      <p:pic>
-        <p:nvPicPr>
-          <p:cNvPr id="132" name="Google Shape;132;p19"/>
-          <p:cNvPicPr preferRelativeResize="0"/>
-          <p:nvPr/>
-        </p:nvPicPr>
-        <p:blipFill>
-          <a:blip r:embed="rId4">
-            <a:alphaModFix/>
-          </a:blip>
-          <a:stretch>
-            <a:fillRect/>
-          </a:stretch>
-        </p:blipFill>
-        <p:spPr>
-          <a:xfrm>
-            <a:off x="4335850" y="377800"/>
-            <a:ext cx="4496450" cy="2708300"/>
-          </a:xfrm>
-          <a:prstGeom prst="rect">
-            <a:avLst/>
-          </a:prstGeom>
-          <a:noFill/>
-          <a:ln>
-            <a:noFill/>
-          </a:ln>
-        </p:spPr>
-      </p:pic>
-    </p:spTree>
-  </p:cSld>
-  <p:clrMapOvr>
-    <a:masterClrMapping/>
-  </p:clrMapOvr>
-</p:sld>
-</file>
-
-<file path=ppt/slides/slide8.xml><?xml version="1.0" encoding="utf-8"?>
-<p:sld xmlns:a="http://schemas.openxmlformats.org/drawingml/2006/main" xmlns:r="http://schemas.openxmlformats.org/officeDocument/2006/relationships" xmlns:mc="http://schemas.openxmlformats.org/markup-compatibility/2006" xmlns:mv="urn:schemas-microsoft-com:mac:vml" xmlns:p="http://schemas.openxmlformats.org/presentationml/2006/main" xmlns:c="http://schemas.openxmlformats.org/drawingml/2006/chart" xmlns:dgm="http://schemas.openxmlformats.org/drawingml/2006/diagram" xmlns:o="urn:schemas-microsoft-com:office:office" xmlns:v="urn:schemas-microsoft-com:vml" xmlns:pvml="urn:schemas-microsoft-com:office:powerpoint" xmlns:com="http://schemas.openxmlformats.org/drawingml/2006/compatibility" xmlns:p14="http://schemas.microsoft.com/office/powerpoint/2010/main" xmlns:p15="http://schemas.microsoft.com/office/powerpoint/2012/main">
-  <p:cSld>
-    <p:spTree>
-      <p:nvGrpSpPr>
-        <p:cNvPr id="136" name="Shape 136"/>
-        <p:cNvGrpSpPr/>
-        <p:nvPr/>
-      </p:nvGrpSpPr>
-      <p:grpSpPr>
-        <a:xfrm>
-          <a:off x="0" y="0"/>
-          <a:ext cx="0" cy="0"/>
-          <a:chOff x="0" y="0"/>
-          <a:chExt cx="0" cy="0"/>
-        </a:xfrm>
-      </p:grpSpPr>
-      <p:sp>
-        <p:nvSpPr>
-          <p:cNvPr id="137" name="Google Shape;137;p20"/>
-          <p:cNvSpPr txBox="1"/>
-          <p:nvPr>
-            <p:ph type="title"/>
-          </p:nvPr>
-        </p:nvSpPr>
-        <p:spPr>
-          <a:xfrm>
-            <a:off x="311700" y="410000"/>
-            <a:ext cx="8520600" cy="607800"/>
-          </a:xfrm>
-          <a:prstGeom prst="rect">
-            <a:avLst/>
-          </a:prstGeom>
-        </p:spPr>
-        <p:txBody>
-          <a:bodyPr anchorCtr="0" anchor="t" bIns="91425" lIns="91425" spcFirstLastPara="1" rIns="91425" wrap="square" tIns="91425">
-            <a:noAutofit/>
-          </a:bodyPr>
-          <a:lstStyle/>
-          <a:p>
-            <a:pPr indent="0" lvl="0" marL="0" rtl="0" algn="l">
-              <a:spcBef>
-                <a:spcPts val="0"/>
-              </a:spcBef>
-              <a:spcAft>
-                <a:spcPts val="0"/>
-              </a:spcAft>
-              <a:buNone/>
-            </a:pPr>
-            <a:r>
-              <a:rPr lang="es-419"/>
-              <a:t>Resultados de Predicción</a:t>
-            </a:r>
-            <a:endParaRPr/>
-          </a:p>
-        </p:txBody>
-      </p:sp>
-      <p:pic>
-        <p:nvPicPr>
-          <p:cNvPr id="138" name="Google Shape;138;p20"/>
-          <p:cNvPicPr preferRelativeResize="0"/>
-          <p:nvPr/>
-        </p:nvPicPr>
-        <p:blipFill>
-          <a:blip r:embed="rId3">
-            <a:alphaModFix/>
-          </a:blip>
-          <a:stretch>
-            <a:fillRect/>
-          </a:stretch>
-        </p:blipFill>
-        <p:spPr>
-          <a:xfrm>
-            <a:off x="1524000" y="1170200"/>
-            <a:ext cx="6096000" cy="3476625"/>
-          </a:xfrm>
-          <a:prstGeom prst="rect">
-            <a:avLst/>
-          </a:prstGeom>
-          <a:noFill/>
-          <a:ln>
-            <a:noFill/>
-          </a:ln>
-        </p:spPr>
-      </p:pic>
-    </p:spTree>
-  </p:cSld>
-  <p:clrMapOvr>
-    <a:masterClrMapping/>
-  </p:clrMapOvr>
-</p:sld>
-</file>
-
-<file path=ppt/slides/slide9.xml><?xml version="1.0" encoding="utf-8"?>
-<p:sld xmlns:a="http://schemas.openxmlformats.org/drawingml/2006/main" xmlns:r="http://schemas.openxmlformats.org/officeDocument/2006/relationships" xmlns:mc="http://schemas.openxmlformats.org/markup-compatibility/2006" xmlns:mv="urn:schemas-microsoft-com:mac:vml" xmlns:p="http://schemas.openxmlformats.org/presentationml/2006/main" xmlns:c="http://schemas.openxmlformats.org/drawingml/2006/chart" xmlns:dgm="http://schemas.openxmlformats.org/drawingml/2006/diagram" xmlns:o="urn:schemas-microsoft-com:office:office" xmlns:v="urn:schemas-microsoft-com:vml" xmlns:pvml="urn:schemas-microsoft-com:office:powerpoint" xmlns:com="http://schemas.openxmlformats.org/drawingml/2006/compatibility" xmlns:p14="http://schemas.microsoft.com/office/powerpoint/2010/main" xmlns:p15="http://schemas.microsoft.com/office/powerpoint/2012/main">
-  <p:cSld>
-    <p:spTree>
-      <p:nvGrpSpPr>
-        <p:cNvPr id="142" name="Shape 142"/>
-        <p:cNvGrpSpPr/>
-        <p:nvPr/>
-      </p:nvGrpSpPr>
-      <p:grpSpPr>
-        <a:xfrm>
-          <a:off x="0" y="0"/>
-          <a:ext cx="0" cy="0"/>
-          <a:chOff x="0" y="0"/>
-          <a:chExt cx="0" cy="0"/>
-        </a:xfrm>
-      </p:grpSpPr>
-      <p:sp>
-        <p:nvSpPr>
-          <p:cNvPr id="143" name="Google Shape;143;p21"/>
-          <p:cNvSpPr txBox="1"/>
-          <p:nvPr>
-            <p:ph type="title"/>
-          </p:nvPr>
-        </p:nvSpPr>
-        <p:spPr>
-          <a:xfrm>
-            <a:off x="311700" y="410000"/>
-            <a:ext cx="8520600" cy="607800"/>
-          </a:xfrm>
-          <a:prstGeom prst="rect">
-            <a:avLst/>
-          </a:prstGeom>
-        </p:spPr>
-        <p:txBody>
-          <a:bodyPr anchorCtr="0" anchor="t" bIns="91425" lIns="91425" spcFirstLastPara="1" rIns="91425" wrap="square" tIns="91425">
-            <a:noAutofit/>
-          </a:bodyPr>
-          <a:lstStyle/>
-          <a:p>
-            <a:pPr indent="0" lvl="0" marL="0" rtl="0" algn="l">
-              <a:spcBef>
-                <a:spcPts val="0"/>
-              </a:spcBef>
-              <a:spcAft>
-                <a:spcPts val="0"/>
-              </a:spcAft>
-              <a:buNone/>
-            </a:pPr>
-            <a:r>
-              <a:rPr lang="es-419"/>
-              <a:t>Pronóstico</a:t>
-            </a:r>
-            <a:endParaRPr/>
-          </a:p>
-        </p:txBody>
-      </p:sp>
-      <p:pic>
-        <p:nvPicPr>
-          <p:cNvPr id="144" name="Google Shape;144;p21"/>
-          <p:cNvPicPr preferRelativeResize="0"/>
-          <p:nvPr/>
-        </p:nvPicPr>
-        <p:blipFill>
-          <a:blip r:embed="rId3">
-            <a:alphaModFix/>
-          </a:blip>
-          <a:stretch>
-            <a:fillRect/>
-          </a:stretch>
-        </p:blipFill>
-        <p:spPr>
-          <a:xfrm>
-            <a:off x="3133350" y="1069176"/>
-            <a:ext cx="5939075" cy="3553775"/>
-          </a:xfrm>
-          <a:prstGeom prst="rect">
-            <a:avLst/>
-          </a:prstGeom>
-          <a:noFill/>
-          <a:ln>
-            <a:noFill/>
-          </a:ln>
-        </p:spPr>
-      </p:pic>
-      <p:pic>
-        <p:nvPicPr>
-          <p:cNvPr id="145" name="Google Shape;145;p21"/>
-          <p:cNvPicPr preferRelativeResize="0"/>
-          <p:nvPr/>
-        </p:nvPicPr>
-        <p:blipFill>
-          <a:blip r:embed="rId4">
-            <a:alphaModFix/>
-          </a:blip>
-          <a:stretch>
-            <a:fillRect/>
-          </a:stretch>
-        </p:blipFill>
-        <p:spPr>
-          <a:xfrm>
-            <a:off x="61975" y="2360000"/>
-            <a:ext cx="3133350" cy="272029"/>
-          </a:xfrm>
-          <a:prstGeom prst="rect">
-            <a:avLst/>
-          </a:prstGeom>
-          <a:noFill/>
-          <a:ln>
-            <a:noFill/>
-          </a:ln>
-        </p:spPr>
-      </p:pic>
-    </p:spTree>
-  </p:cSld>
-  <p:clrMapOvr>
-    <a:masterClrMapping/>
-  </p:clrMapOvr>
-</p:sld>
-</file>
-
-<file path=ppt/theme/theme1.xml><?xml version="1.0" encoding="utf-8"?>
+<file path=ppt/theme/theme2.xml><?xml version="1.0" encoding="utf-8"?>
 <a:theme xmlns:a="http://schemas.openxmlformats.org/drawingml/2006/main" xmlns:r="http://schemas.openxmlformats.org/officeDocument/2006/relationships">
   <a:themeElements>
     <a:clrScheme name="Default">
@@ -12562,283 +14202,4 @@
     </a:fmtScheme>
   </a:themeElements>
 </a:theme>
-</file>
-
-<file path=ppt/theme/theme2.xml><?xml version="1.0" encoding="utf-8"?>
-<a:theme xmlns:a="http://schemas.openxmlformats.org/drawingml/2006/main" xmlns:r="http://schemas.openxmlformats.org/officeDocument/2006/relationships" name="Geometric">
-  <a:themeElements>
-    <a:clrScheme name="Geometric">
-      <a:dk1>
-        <a:srgbClr val="2A3990"/>
-      </a:dk1>
-      <a:lt1>
-        <a:srgbClr val="FFFFFF"/>
-      </a:lt1>
-      <a:dk2>
-        <a:srgbClr val="434343"/>
-      </a:dk2>
-      <a:lt2>
-        <a:srgbClr val="999999"/>
-      </a:lt2>
-      <a:accent1>
-        <a:srgbClr val="212D74"/>
-      </a:accent1>
-      <a:accent2>
-        <a:srgbClr val="3949AB"/>
-      </a:accent2>
-      <a:accent3>
-        <a:srgbClr val="9C254D"/>
-      </a:accent3>
-      <a:accent4>
-        <a:srgbClr val="D23369"/>
-      </a:accent4>
-      <a:accent5>
-        <a:srgbClr val="F06292"/>
-      </a:accent5>
-      <a:accent6>
-        <a:srgbClr val="7890CD"/>
-      </a:accent6>
-      <a:hlink>
-        <a:srgbClr val="F06292"/>
-      </a:hlink>
-      <a:folHlink>
-        <a:srgbClr val="F06292"/>
-      </a:folHlink>
-    </a:clrScheme>
-    <a:fontScheme name="Office">
-      <a:majorFont>
-        <a:latin typeface="Arial"/>
-        <a:ea typeface=""/>
-        <a:cs typeface=""/>
-        <a:font script="Jpan" typeface="ＭＳ Ｐゴシック"/>
-        <a:font script="Hang" typeface="맑은 고딕"/>
-        <a:font script="Hans" typeface="宋体"/>
-        <a:font script="Hant" typeface="新細明體"/>
-        <a:font script="Arab" typeface="Times New Roman"/>
-        <a:font script="Hebr" typeface="Times New Roman"/>
-        <a:font script="Thai" typeface="Angsana New"/>
-        <a:font script="Ethi" typeface="Nyala"/>
-        <a:font script="Beng" typeface="Vrinda"/>
-        <a:font script="Gujr" typeface="Shruti"/>
-        <a:font script="Khmr" typeface="MoolBoran"/>
-        <a:font script="Knda" typeface="Tunga"/>
-        <a:font script="Guru" typeface="Raavi"/>
-        <a:font script="Cans" typeface="Euphemia"/>
-        <a:font script="Cher" typeface="Plantagenet Cherokee"/>
-        <a:font script="Yiii" typeface="Microsoft Yi Baiti"/>
-        <a:font script="Tibt" typeface="Microsoft Himalaya"/>
-        <a:font script="Thaa" typeface="MV Boli"/>
-        <a:font script="Deva" typeface="Mangal"/>
-        <a:font script="Telu" typeface="Gautami"/>
-        <a:font script="Taml" typeface="Latha"/>
-        <a:font script="Syrc" typeface="Estrangelo Edessa"/>
-        <a:font script="Orya" typeface="Kalinga"/>
-        <a:font script="Mlym" typeface="Kartika"/>
-        <a:font script="Laoo" typeface="DokChampa"/>
-        <a:font script="Sinh" typeface="Iskoola Pota"/>
-        <a:font script="Mong" typeface="Mongolian Baiti"/>
-        <a:font script="Viet" typeface="Times New Roman"/>
-        <a:font script="Uigh" typeface="Microsoft Uighur"/>
-        <a:font script="Geor" typeface="Sylfaen"/>
-      </a:majorFont>
-      <a:minorFont>
-        <a:latin typeface="Arial"/>
-        <a:ea typeface=""/>
-        <a:cs typeface=""/>
-        <a:font script="Jpan" typeface="ＭＳ Ｐゴシック"/>
-        <a:font script="Hang" typeface="맑은 고딕"/>
-        <a:font script="Hans" typeface="宋体"/>
-        <a:font script="Hant" typeface="新細明體"/>
-        <a:font script="Arab" typeface="Arial"/>
-        <a:font script="Hebr" typeface="Arial"/>
-        <a:font script="Thai" typeface="Cordia New"/>
-        <a:font script="Ethi" typeface="Nyala"/>
-        <a:font script="Beng" typeface="Vrinda"/>
-        <a:font script="Gujr" typeface="Shruti"/>
-        <a:font script="Khmr" typeface="DaunPenh"/>
-        <a:font script="Knda" typeface="Tunga"/>
-        <a:font script="Guru" typeface="Raavi"/>
-        <a:font script="Cans" typeface="Euphemia"/>
-        <a:font script="Cher" typeface="Plantagenet Cherokee"/>
-        <a:font script="Yiii" typeface="Microsoft Yi Baiti"/>
-        <a:font script="Tibt" typeface="Microsoft Himalaya"/>
-        <a:font script="Thaa" typeface="MV Boli"/>
-        <a:font script="Deva" typeface="Mangal"/>
-        <a:font script="Telu" typeface="Gautami"/>
-        <a:font script="Taml" typeface="Latha"/>
-        <a:font script="Syrc" typeface="Estrangelo Edessa"/>
-        <a:font script="Orya" typeface="Kalinga"/>
-        <a:font script="Mlym" typeface="Kartika"/>
-        <a:font script="Laoo" typeface="DokChampa"/>
-        <a:font script="Sinh" typeface="Iskoola Pota"/>
-        <a:font script="Mong" typeface="Mongolian Baiti"/>
-        <a:font script="Viet" typeface="Arial"/>
-        <a:font script="Uigh" typeface="Microsoft Uighur"/>
-        <a:font script="Geor" typeface="Sylfaen"/>
-      </a:minorFont>
-    </a:fontScheme>
-    <a:fmtScheme name="Office">
-      <a:fillStyleLst>
-        <a:solidFill>
-          <a:schemeClr val="phClr"/>
-        </a:solidFill>
-        <a:gradFill rotWithShape="1">
-          <a:gsLst>
-            <a:gs pos="0">
-              <a:schemeClr val="phClr">
-                <a:tint val="50000"/>
-                <a:satMod val="300000"/>
-              </a:schemeClr>
-            </a:gs>
-            <a:gs pos="35000">
-              <a:schemeClr val="phClr">
-                <a:tint val="37000"/>
-                <a:satMod val="300000"/>
-              </a:schemeClr>
-            </a:gs>
-            <a:gs pos="100000">
-              <a:schemeClr val="phClr">
-                <a:tint val="15000"/>
-                <a:satMod val="350000"/>
-              </a:schemeClr>
-            </a:gs>
-          </a:gsLst>
-          <a:lin ang="16200000" scaled="1"/>
-        </a:gradFill>
-        <a:gradFill rotWithShape="1">
-          <a:gsLst>
-            <a:gs pos="0">
-              <a:schemeClr val="phClr">
-                <a:tint val="100000"/>
-                <a:shade val="100000"/>
-                <a:satMod val="130000"/>
-              </a:schemeClr>
-            </a:gs>
-            <a:gs pos="100000">
-              <a:schemeClr val="phClr">
-                <a:tint val="50000"/>
-                <a:shade val="100000"/>
-                <a:satMod val="350000"/>
-              </a:schemeClr>
-            </a:gs>
-          </a:gsLst>
-          <a:lin ang="16200000" scaled="0"/>
-        </a:gradFill>
-      </a:fillStyleLst>
-      <a:lnStyleLst>
-        <a:ln w="9525" cap="flat" cmpd="sng" algn="ctr">
-          <a:solidFill>
-            <a:schemeClr val="phClr">
-              <a:shade val="95000"/>
-              <a:satMod val="105000"/>
-            </a:schemeClr>
-          </a:solidFill>
-          <a:prstDash val="solid"/>
-        </a:ln>
-        <a:ln w="25400" cap="flat" cmpd="sng" algn="ctr">
-          <a:solidFill>
-            <a:schemeClr val="phClr"/>
-          </a:solidFill>
-          <a:prstDash val="solid"/>
-        </a:ln>
-        <a:ln w="38100" cap="flat" cmpd="sng" algn="ctr">
-          <a:solidFill>
-            <a:schemeClr val="phClr"/>
-          </a:solidFill>
-          <a:prstDash val="solid"/>
-        </a:ln>
-      </a:lnStyleLst>
-      <a:effectStyleLst>
-        <a:effectStyle>
-          <a:effectLst>
-            <a:outerShdw blurRad="40000" dist="20000" dir="5400000" rotWithShape="0">
-              <a:srgbClr val="000000">
-                <a:alpha val="38000"/>
-              </a:srgbClr>
-            </a:outerShdw>
-          </a:effectLst>
-        </a:effectStyle>
-        <a:effectStyle>
-          <a:effectLst>
-            <a:outerShdw blurRad="40000" dist="23000" dir="5400000" rotWithShape="0">
-              <a:srgbClr val="000000">
-                <a:alpha val="35000"/>
-              </a:srgbClr>
-            </a:outerShdw>
-          </a:effectLst>
-        </a:effectStyle>
-        <a:effectStyle>
-          <a:effectLst>
-            <a:outerShdw blurRad="40000" dist="23000" dir="5400000" rotWithShape="0">
-              <a:srgbClr val="000000">
-                <a:alpha val="35000"/>
-              </a:srgbClr>
-            </a:outerShdw>
-          </a:effectLst>
-          <a:scene3d>
-            <a:camera prst="orthographicFront">
-              <a:rot lat="0" lon="0" rev="0"/>
-            </a:camera>
-            <a:lightRig rig="threePt" dir="t">
-              <a:rot lat="0" lon="0" rev="1200000"/>
-            </a:lightRig>
-          </a:scene3d>
-          <a:sp3d>
-            <a:bevelT w="63500" h="25400"/>
-          </a:sp3d>
-        </a:effectStyle>
-      </a:effectStyleLst>
-      <a:bgFillStyleLst>
-        <a:solidFill>
-          <a:schemeClr val="phClr"/>
-        </a:solidFill>
-        <a:gradFill rotWithShape="1">
-          <a:gsLst>
-            <a:gs pos="0">
-              <a:schemeClr val="phClr">
-                <a:tint val="40000"/>
-                <a:satMod val="350000"/>
-              </a:schemeClr>
-            </a:gs>
-            <a:gs pos="40000">
-              <a:schemeClr val="phClr">
-                <a:tint val="45000"/>
-                <a:shade val="99000"/>
-                <a:satMod val="350000"/>
-              </a:schemeClr>
-            </a:gs>
-            <a:gs pos="100000">
-              <a:schemeClr val="phClr">
-                <a:shade val="20000"/>
-                <a:satMod val="255000"/>
-              </a:schemeClr>
-            </a:gs>
-          </a:gsLst>
-          <a:path path="circle">
-            <a:fillToRect l="50000" t="-80000" r="50000" b="180000"/>
-          </a:path>
-        </a:gradFill>
-        <a:gradFill rotWithShape="1">
-          <a:gsLst>
-            <a:gs pos="0">
-              <a:schemeClr val="phClr">
-                <a:tint val="80000"/>
-                <a:satMod val="300000"/>
-              </a:schemeClr>
-            </a:gs>
-            <a:gs pos="100000">
-              <a:schemeClr val="phClr">
-                <a:shade val="30000"/>
-                <a:satMod val="200000"/>
-              </a:schemeClr>
-            </a:gs>
-          </a:gsLst>
-          <a:path path="circle">
-            <a:fillToRect l="50000" t="50000" r="50000" b="50000"/>
-          </a:path>
-        </a:gradFill>
-      </a:bgFillStyleLst>
-    </a:fmtScheme>
-  </a:themeElements>
-</a:theme>
 </file>